--- a/Presentations/CRI_AI_Camera_Week_11.pptx
+++ b/Presentations/CRI_AI_Camera_Week_11.pptx
@@ -185,7 +185,7 @@
           <p:cNvPr id="2" name="Header Placeholder 1">
             <a:extLst>
               <a:ext uri="{FF2B5EF4-FFF2-40B4-BE49-F238E27FC236}">
-                <a16:creationId xmlns:a16="http://schemas.microsoft.com/office/drawing/2014/main" xmlns="" id="{4BA57456-157A-C12A-2FEC-91B7B9EE491D}"/>
+                <a16:creationId xmlns="" xmlns:a16="http://schemas.microsoft.com/office/drawing/2014/main" id="{4BA57456-157A-C12A-2FEC-91B7B9EE491D}"/>
               </a:ext>
             </a:extLst>
           </p:cNvPr>
@@ -222,7 +222,7 @@
           <p:cNvPr id="3" name="Date Placeholder 2">
             <a:extLst>
               <a:ext uri="{FF2B5EF4-FFF2-40B4-BE49-F238E27FC236}">
-                <a16:creationId xmlns:a16="http://schemas.microsoft.com/office/drawing/2014/main" xmlns="" id="{D9D46761-828E-1508-56BD-BAEADF34862D}"/>
+                <a16:creationId xmlns="" xmlns:a16="http://schemas.microsoft.com/office/drawing/2014/main" id="{D9D46761-828E-1508-56BD-BAEADF34862D}"/>
               </a:ext>
             </a:extLst>
           </p:cNvPr>
@@ -263,7 +263,7 @@
           <p:cNvPr id="4" name="Footer Placeholder 3">
             <a:extLst>
               <a:ext uri="{FF2B5EF4-FFF2-40B4-BE49-F238E27FC236}">
-                <a16:creationId xmlns:a16="http://schemas.microsoft.com/office/drawing/2014/main" xmlns="" id="{CD428A7E-6B0E-809C-73D1-4B5E2FF471A9}"/>
+                <a16:creationId xmlns="" xmlns:a16="http://schemas.microsoft.com/office/drawing/2014/main" id="{CD428A7E-6B0E-809C-73D1-4B5E2FF471A9}"/>
               </a:ext>
             </a:extLst>
           </p:cNvPr>
@@ -300,7 +300,7 @@
           <p:cNvPr id="5" name="Slide Number Placeholder 4">
             <a:extLst>
               <a:ext uri="{FF2B5EF4-FFF2-40B4-BE49-F238E27FC236}">
-                <a16:creationId xmlns:a16="http://schemas.microsoft.com/office/drawing/2014/main" xmlns="" id="{789A5AA6-0C5B-430A-E0C4-C90B2F0A1CD6}"/>
+                <a16:creationId xmlns="" xmlns:a16="http://schemas.microsoft.com/office/drawing/2014/main" id="{789A5AA6-0C5B-430A-E0C4-C90B2F0A1CD6}"/>
               </a:ext>
             </a:extLst>
           </p:cNvPr>
@@ -728,7 +728,7 @@
           <p:cNvPr id="2" name="Rectangle 1">
             <a:extLst>
               <a:ext uri="{FF2B5EF4-FFF2-40B4-BE49-F238E27FC236}">
-                <a16:creationId xmlns:a16="http://schemas.microsoft.com/office/drawing/2014/main" xmlns="" id="{F51C745E-9B5A-59BF-BF50-4F251E39D58D}"/>
+                <a16:creationId xmlns="" xmlns:a16="http://schemas.microsoft.com/office/drawing/2014/main" id="{F51C745E-9B5A-59BF-BF50-4F251E39D58D}"/>
               </a:ext>
             </a:extLst>
           </p:cNvPr>
@@ -780,7 +780,7 @@
           <p:cNvPr id="3" name="Subtitle 2">
             <a:extLst>
               <a:ext uri="{FF2B5EF4-FFF2-40B4-BE49-F238E27FC236}">
-                <a16:creationId xmlns:a16="http://schemas.microsoft.com/office/drawing/2014/main" xmlns="" id="{DCFB69D3-5632-4285-A209-9DCA67DA668C}"/>
+                <a16:creationId xmlns="" xmlns:a16="http://schemas.microsoft.com/office/drawing/2014/main" id="{DCFB69D3-5632-4285-A209-9DCA67DA668C}"/>
               </a:ext>
             </a:extLst>
           </p:cNvPr>
@@ -851,7 +851,7 @@
           <p:cNvPr id="10" name="Picture Placeholder 9">
             <a:extLst>
               <a:ext uri="{FF2B5EF4-FFF2-40B4-BE49-F238E27FC236}">
-                <a16:creationId xmlns:a16="http://schemas.microsoft.com/office/drawing/2014/main" xmlns="" id="{F2B4A7EA-9E3F-9CE1-56B5-92F4FDDA6991}"/>
+                <a16:creationId xmlns="" xmlns:a16="http://schemas.microsoft.com/office/drawing/2014/main" id="{F2B4A7EA-9E3F-9CE1-56B5-92F4FDDA6991}"/>
               </a:ext>
             </a:extLst>
           </p:cNvPr>
@@ -971,7 +971,7 @@
           <p:cNvPr id="9" name="Title 8">
             <a:extLst>
               <a:ext uri="{FF2B5EF4-FFF2-40B4-BE49-F238E27FC236}">
-                <a16:creationId xmlns:a16="http://schemas.microsoft.com/office/drawing/2014/main" xmlns="" id="{42398E06-9E0E-BC81-DEB5-1DB2F8635C23}"/>
+                <a16:creationId xmlns="" xmlns:a16="http://schemas.microsoft.com/office/drawing/2014/main" id="{42398E06-9E0E-BC81-DEB5-1DB2F8635C23}"/>
               </a:ext>
             </a:extLst>
           </p:cNvPr>
@@ -1009,7 +1009,7 @@
           <p:cNvPr id="11" name="Rectangle 10">
             <a:extLst>
               <a:ext uri="{FF2B5EF4-FFF2-40B4-BE49-F238E27FC236}">
-                <a16:creationId xmlns:a16="http://schemas.microsoft.com/office/drawing/2014/main" xmlns="" id="{39F70834-CB8D-A95B-D859-6E5B4C6B4F78}"/>
+                <a16:creationId xmlns="" xmlns:a16="http://schemas.microsoft.com/office/drawing/2014/main" id="{39F70834-CB8D-A95B-D859-6E5B4C6B4F78}"/>
               </a:ext>
             </a:extLst>
           </p:cNvPr>
@@ -1088,7 +1088,7 @@
           <p:cNvPr id="38" name="Picture Placeholder 37">
             <a:extLst>
               <a:ext uri="{FF2B5EF4-FFF2-40B4-BE49-F238E27FC236}">
-                <a16:creationId xmlns:a16="http://schemas.microsoft.com/office/drawing/2014/main" xmlns="" id="{7068A9B7-F56A-44B7-D61E-66289C79F1C3}"/>
+                <a16:creationId xmlns="" xmlns:a16="http://schemas.microsoft.com/office/drawing/2014/main" id="{7068A9B7-F56A-44B7-D61E-66289C79F1C3}"/>
               </a:ext>
             </a:extLst>
           </p:cNvPr>
@@ -1127,7 +1127,7 @@
           <p:cNvPr id="2" name="Title 1">
             <a:extLst>
               <a:ext uri="{FF2B5EF4-FFF2-40B4-BE49-F238E27FC236}">
-                <a16:creationId xmlns:a16="http://schemas.microsoft.com/office/drawing/2014/main" xmlns="" id="{0783ED19-9B5E-8852-24D6-62401816CBB7}"/>
+                <a16:creationId xmlns="" xmlns:a16="http://schemas.microsoft.com/office/drawing/2014/main" id="{0783ED19-9B5E-8852-24D6-62401816CBB7}"/>
               </a:ext>
             </a:extLst>
           </p:cNvPr>
@@ -1168,7 +1168,7 @@
           <p:cNvPr id="3" name="Slide Number Placeholder 2">
             <a:extLst>
               <a:ext uri="{FF2B5EF4-FFF2-40B4-BE49-F238E27FC236}">
-                <a16:creationId xmlns:a16="http://schemas.microsoft.com/office/drawing/2014/main" xmlns="" id="{4307A8A0-5009-A086-A6AE-542CA4684892}"/>
+                <a16:creationId xmlns="" xmlns:a16="http://schemas.microsoft.com/office/drawing/2014/main" id="{4307A8A0-5009-A086-A6AE-542CA4684892}"/>
               </a:ext>
             </a:extLst>
           </p:cNvPr>
@@ -1206,7 +1206,7 @@
           <p:cNvPr id="4" name="Footer Placeholder 3">
             <a:extLst>
               <a:ext uri="{FF2B5EF4-FFF2-40B4-BE49-F238E27FC236}">
-                <a16:creationId xmlns:a16="http://schemas.microsoft.com/office/drawing/2014/main" xmlns="" id="{56746F73-AB2D-A55B-67FD-85A2F20D50E8}"/>
+                <a16:creationId xmlns="" xmlns:a16="http://schemas.microsoft.com/office/drawing/2014/main" id="{56746F73-AB2D-A55B-67FD-85A2F20D50E8}"/>
               </a:ext>
             </a:extLst>
           </p:cNvPr>
@@ -1234,7 +1234,7 @@
           <p:cNvPr id="9" name="Text Placeholder 13">
             <a:extLst>
               <a:ext uri="{FF2B5EF4-FFF2-40B4-BE49-F238E27FC236}">
-                <a16:creationId xmlns:a16="http://schemas.microsoft.com/office/drawing/2014/main" xmlns="" id="{AA3DDCC3-9231-434E-A1D1-8A078DE7BF10}"/>
+                <a16:creationId xmlns="" xmlns:a16="http://schemas.microsoft.com/office/drawing/2014/main" id="{AA3DDCC3-9231-434E-A1D1-8A078DE7BF10}"/>
               </a:ext>
             </a:extLst>
           </p:cNvPr>
@@ -1286,7 +1286,7 @@
           <p:cNvPr id="10" name="Text Placeholder 13">
             <a:extLst>
               <a:ext uri="{FF2B5EF4-FFF2-40B4-BE49-F238E27FC236}">
-                <a16:creationId xmlns:a16="http://schemas.microsoft.com/office/drawing/2014/main" xmlns="" id="{970A1046-F88C-E11E-0E2E-A7F3AEDB3A26}"/>
+                <a16:creationId xmlns="" xmlns:a16="http://schemas.microsoft.com/office/drawing/2014/main" id="{970A1046-F88C-E11E-0E2E-A7F3AEDB3A26}"/>
               </a:ext>
             </a:extLst>
           </p:cNvPr>
@@ -1338,7 +1338,7 @@
           <p:cNvPr id="11" name="Text Placeholder 13">
             <a:extLst>
               <a:ext uri="{FF2B5EF4-FFF2-40B4-BE49-F238E27FC236}">
-                <a16:creationId xmlns:a16="http://schemas.microsoft.com/office/drawing/2014/main" xmlns="" id="{BF27FC0A-1C34-6BFF-806A-6911C16F2184}"/>
+                <a16:creationId xmlns="" xmlns:a16="http://schemas.microsoft.com/office/drawing/2014/main" id="{BF27FC0A-1C34-6BFF-806A-6911C16F2184}"/>
               </a:ext>
             </a:extLst>
           </p:cNvPr>
@@ -1390,7 +1390,7 @@
           <p:cNvPr id="12" name="Text Placeholder 13">
             <a:extLst>
               <a:ext uri="{FF2B5EF4-FFF2-40B4-BE49-F238E27FC236}">
-                <a16:creationId xmlns:a16="http://schemas.microsoft.com/office/drawing/2014/main" xmlns="" id="{EF94CC5A-0B90-D0D3-CF42-2A9B86331729}"/>
+                <a16:creationId xmlns="" xmlns:a16="http://schemas.microsoft.com/office/drawing/2014/main" id="{EF94CC5A-0B90-D0D3-CF42-2A9B86331729}"/>
               </a:ext>
             </a:extLst>
           </p:cNvPr>
@@ -1442,7 +1442,7 @@
           <p:cNvPr id="13" name="Text Placeholder 13">
             <a:extLst>
               <a:ext uri="{FF2B5EF4-FFF2-40B4-BE49-F238E27FC236}">
-                <a16:creationId xmlns:a16="http://schemas.microsoft.com/office/drawing/2014/main" xmlns="" id="{8E685B28-FC51-9FE8-2F7E-C8255BD75945}"/>
+                <a16:creationId xmlns="" xmlns:a16="http://schemas.microsoft.com/office/drawing/2014/main" id="{8E685B28-FC51-9FE8-2F7E-C8255BD75945}"/>
               </a:ext>
             </a:extLst>
           </p:cNvPr>
@@ -1494,7 +1494,7 @@
           <p:cNvPr id="14" name="Text Placeholder 13">
             <a:extLst>
               <a:ext uri="{FF2B5EF4-FFF2-40B4-BE49-F238E27FC236}">
-                <a16:creationId xmlns:a16="http://schemas.microsoft.com/office/drawing/2014/main" xmlns="" id="{B472F1E6-DAE5-AE6D-F688-575FC243CD0C}"/>
+                <a16:creationId xmlns="" xmlns:a16="http://schemas.microsoft.com/office/drawing/2014/main" id="{B472F1E6-DAE5-AE6D-F688-575FC243CD0C}"/>
               </a:ext>
             </a:extLst>
           </p:cNvPr>
@@ -1546,7 +1546,7 @@
           <p:cNvPr id="15" name="Text Placeholder 13">
             <a:extLst>
               <a:ext uri="{FF2B5EF4-FFF2-40B4-BE49-F238E27FC236}">
-                <a16:creationId xmlns:a16="http://schemas.microsoft.com/office/drawing/2014/main" xmlns="" id="{7138E486-F729-AEC8-0C2D-44FA21EDC617}"/>
+                <a16:creationId xmlns="" xmlns:a16="http://schemas.microsoft.com/office/drawing/2014/main" id="{7138E486-F729-AEC8-0C2D-44FA21EDC617}"/>
               </a:ext>
             </a:extLst>
           </p:cNvPr>
@@ -1598,7 +1598,7 @@
           <p:cNvPr id="16" name="Text Placeholder 13">
             <a:extLst>
               <a:ext uri="{FF2B5EF4-FFF2-40B4-BE49-F238E27FC236}">
-                <a16:creationId xmlns:a16="http://schemas.microsoft.com/office/drawing/2014/main" xmlns="" id="{0F182FA8-4DA0-527F-89C3-96D9A996F2C7}"/>
+                <a16:creationId xmlns="" xmlns:a16="http://schemas.microsoft.com/office/drawing/2014/main" id="{0F182FA8-4DA0-527F-89C3-96D9A996F2C7}"/>
               </a:ext>
             </a:extLst>
           </p:cNvPr>
@@ -1650,7 +1650,7 @@
           <p:cNvPr id="17" name="Straight Connector 16">
             <a:extLst>
               <a:ext uri="{FF2B5EF4-FFF2-40B4-BE49-F238E27FC236}">
-                <a16:creationId xmlns:a16="http://schemas.microsoft.com/office/drawing/2014/main" xmlns="" id="{BF42A71B-2F05-7F67-85C0-0C5AA947983D}"/>
+                <a16:creationId xmlns="" xmlns:a16="http://schemas.microsoft.com/office/drawing/2014/main" id="{BF42A71B-2F05-7F67-85C0-0C5AA947983D}"/>
               </a:ext>
             </a:extLst>
           </p:cNvPr>
@@ -1693,7 +1693,7 @@
           <p:cNvPr id="18" name="Straight Connector 17">
             <a:extLst>
               <a:ext uri="{FF2B5EF4-FFF2-40B4-BE49-F238E27FC236}">
-                <a16:creationId xmlns:a16="http://schemas.microsoft.com/office/drawing/2014/main" xmlns="" id="{2BC25395-CA95-6040-8ED6-C7D8A2E16C49}"/>
+                <a16:creationId xmlns="" xmlns:a16="http://schemas.microsoft.com/office/drawing/2014/main" id="{2BC25395-CA95-6040-8ED6-C7D8A2E16C49}"/>
               </a:ext>
             </a:extLst>
           </p:cNvPr>
@@ -1736,7 +1736,7 @@
           <p:cNvPr id="19" name="Straight Connector 18">
             <a:extLst>
               <a:ext uri="{FF2B5EF4-FFF2-40B4-BE49-F238E27FC236}">
-                <a16:creationId xmlns:a16="http://schemas.microsoft.com/office/drawing/2014/main" xmlns="" id="{AE2F589B-649A-57C2-1D3E-79FDFF84BADB}"/>
+                <a16:creationId xmlns="" xmlns:a16="http://schemas.microsoft.com/office/drawing/2014/main" id="{AE2F589B-649A-57C2-1D3E-79FDFF84BADB}"/>
               </a:ext>
             </a:extLst>
           </p:cNvPr>
@@ -1779,7 +1779,7 @@
           <p:cNvPr id="20" name="Straight Connector 19">
             <a:extLst>
               <a:ext uri="{FF2B5EF4-FFF2-40B4-BE49-F238E27FC236}">
-                <a16:creationId xmlns:a16="http://schemas.microsoft.com/office/drawing/2014/main" xmlns="" id="{81F3728F-0FBF-5AD2-357E-FFCFFBF7687E}"/>
+                <a16:creationId xmlns="" xmlns:a16="http://schemas.microsoft.com/office/drawing/2014/main" id="{81F3728F-0FBF-5AD2-357E-FFCFFBF7687E}"/>
               </a:ext>
             </a:extLst>
           </p:cNvPr>
@@ -1822,7 +1822,7 @@
           <p:cNvPr id="25" name="Text Placeholder 13">
             <a:extLst>
               <a:ext uri="{FF2B5EF4-FFF2-40B4-BE49-F238E27FC236}">
-                <a16:creationId xmlns:a16="http://schemas.microsoft.com/office/drawing/2014/main" xmlns="" id="{1025D334-8990-1960-8865-C877ECC47E67}"/>
+                <a16:creationId xmlns="" xmlns:a16="http://schemas.microsoft.com/office/drawing/2014/main" id="{1025D334-8990-1960-8865-C877ECC47E67}"/>
               </a:ext>
             </a:extLst>
           </p:cNvPr>
@@ -1874,7 +1874,7 @@
           <p:cNvPr id="26" name="Text Placeholder 13">
             <a:extLst>
               <a:ext uri="{FF2B5EF4-FFF2-40B4-BE49-F238E27FC236}">
-                <a16:creationId xmlns:a16="http://schemas.microsoft.com/office/drawing/2014/main" xmlns="" id="{7F491CA2-1A10-E7DB-4203-DC7E9E48CCFF}"/>
+                <a16:creationId xmlns="" xmlns:a16="http://schemas.microsoft.com/office/drawing/2014/main" id="{7F491CA2-1A10-E7DB-4203-DC7E9E48CCFF}"/>
               </a:ext>
             </a:extLst>
           </p:cNvPr>
@@ -1926,7 +1926,7 @@
           <p:cNvPr id="34" name="Straight Connector 33">
             <a:extLst>
               <a:ext uri="{FF2B5EF4-FFF2-40B4-BE49-F238E27FC236}">
-                <a16:creationId xmlns:a16="http://schemas.microsoft.com/office/drawing/2014/main" xmlns="" id="{7A9AA302-5107-FDE7-557C-3305A9A7DEC2}"/>
+                <a16:creationId xmlns="" xmlns:a16="http://schemas.microsoft.com/office/drawing/2014/main" id="{7A9AA302-5107-FDE7-557C-3305A9A7DEC2}"/>
               </a:ext>
             </a:extLst>
           </p:cNvPr>
@@ -1999,7 +1999,7 @@
           <p:cNvPr id="38" name="Picture Placeholder 37">
             <a:extLst>
               <a:ext uri="{FF2B5EF4-FFF2-40B4-BE49-F238E27FC236}">
-                <a16:creationId xmlns:a16="http://schemas.microsoft.com/office/drawing/2014/main" xmlns="" id="{7068A9B7-F56A-44B7-D61E-66289C79F1C3}"/>
+                <a16:creationId xmlns="" xmlns:a16="http://schemas.microsoft.com/office/drawing/2014/main" id="{7068A9B7-F56A-44B7-D61E-66289C79F1C3}"/>
               </a:ext>
             </a:extLst>
           </p:cNvPr>
@@ -2038,7 +2038,7 @@
           <p:cNvPr id="2" name="Title 1">
             <a:extLst>
               <a:ext uri="{FF2B5EF4-FFF2-40B4-BE49-F238E27FC236}">
-                <a16:creationId xmlns:a16="http://schemas.microsoft.com/office/drawing/2014/main" xmlns="" id="{0783ED19-9B5E-8852-24D6-62401816CBB7}"/>
+                <a16:creationId xmlns="" xmlns:a16="http://schemas.microsoft.com/office/drawing/2014/main" id="{0783ED19-9B5E-8852-24D6-62401816CBB7}"/>
               </a:ext>
             </a:extLst>
           </p:cNvPr>
@@ -2079,7 +2079,7 @@
           <p:cNvPr id="3" name="Slide Number Placeholder 2">
             <a:extLst>
               <a:ext uri="{FF2B5EF4-FFF2-40B4-BE49-F238E27FC236}">
-                <a16:creationId xmlns:a16="http://schemas.microsoft.com/office/drawing/2014/main" xmlns="" id="{4307A8A0-5009-A086-A6AE-542CA4684892}"/>
+                <a16:creationId xmlns="" xmlns:a16="http://schemas.microsoft.com/office/drawing/2014/main" id="{4307A8A0-5009-A086-A6AE-542CA4684892}"/>
               </a:ext>
             </a:extLst>
           </p:cNvPr>
@@ -2117,7 +2117,7 @@
           <p:cNvPr id="4" name="Footer Placeholder 3">
             <a:extLst>
               <a:ext uri="{FF2B5EF4-FFF2-40B4-BE49-F238E27FC236}">
-                <a16:creationId xmlns:a16="http://schemas.microsoft.com/office/drawing/2014/main" xmlns="" id="{56746F73-AB2D-A55B-67FD-85A2F20D50E8}"/>
+                <a16:creationId xmlns="" xmlns:a16="http://schemas.microsoft.com/office/drawing/2014/main" id="{56746F73-AB2D-A55B-67FD-85A2F20D50E8}"/>
               </a:ext>
             </a:extLst>
           </p:cNvPr>
@@ -2145,7 +2145,7 @@
           <p:cNvPr id="9" name="Text Placeholder 13">
             <a:extLst>
               <a:ext uri="{FF2B5EF4-FFF2-40B4-BE49-F238E27FC236}">
-                <a16:creationId xmlns:a16="http://schemas.microsoft.com/office/drawing/2014/main" xmlns="" id="{AA3DDCC3-9231-434E-A1D1-8A078DE7BF10}"/>
+                <a16:creationId xmlns="" xmlns:a16="http://schemas.microsoft.com/office/drawing/2014/main" id="{AA3DDCC3-9231-434E-A1D1-8A078DE7BF10}"/>
               </a:ext>
             </a:extLst>
           </p:cNvPr>
@@ -2197,7 +2197,7 @@
           <p:cNvPr id="11" name="Text Placeholder 13">
             <a:extLst>
               <a:ext uri="{FF2B5EF4-FFF2-40B4-BE49-F238E27FC236}">
-                <a16:creationId xmlns:a16="http://schemas.microsoft.com/office/drawing/2014/main" xmlns="" id="{BF27FC0A-1C34-6BFF-806A-6911C16F2184}"/>
+                <a16:creationId xmlns="" xmlns:a16="http://schemas.microsoft.com/office/drawing/2014/main" id="{BF27FC0A-1C34-6BFF-806A-6911C16F2184}"/>
               </a:ext>
             </a:extLst>
           </p:cNvPr>
@@ -2249,7 +2249,7 @@
           <p:cNvPr id="13" name="Text Placeholder 13">
             <a:extLst>
               <a:ext uri="{FF2B5EF4-FFF2-40B4-BE49-F238E27FC236}">
-                <a16:creationId xmlns:a16="http://schemas.microsoft.com/office/drawing/2014/main" xmlns="" id="{8E685B28-FC51-9FE8-2F7E-C8255BD75945}"/>
+                <a16:creationId xmlns="" xmlns:a16="http://schemas.microsoft.com/office/drawing/2014/main" id="{8E685B28-FC51-9FE8-2F7E-C8255BD75945}"/>
               </a:ext>
             </a:extLst>
           </p:cNvPr>
@@ -2301,7 +2301,7 @@
           <p:cNvPr id="15" name="Text Placeholder 13">
             <a:extLst>
               <a:ext uri="{FF2B5EF4-FFF2-40B4-BE49-F238E27FC236}">
-                <a16:creationId xmlns:a16="http://schemas.microsoft.com/office/drawing/2014/main" xmlns="" id="{7138E486-F729-AEC8-0C2D-44FA21EDC617}"/>
+                <a16:creationId xmlns="" xmlns:a16="http://schemas.microsoft.com/office/drawing/2014/main" id="{7138E486-F729-AEC8-0C2D-44FA21EDC617}"/>
               </a:ext>
             </a:extLst>
           </p:cNvPr>
@@ -2353,7 +2353,7 @@
           <p:cNvPr id="25" name="Text Placeholder 13">
             <a:extLst>
               <a:ext uri="{FF2B5EF4-FFF2-40B4-BE49-F238E27FC236}">
-                <a16:creationId xmlns:a16="http://schemas.microsoft.com/office/drawing/2014/main" xmlns="" id="{1025D334-8990-1960-8865-C877ECC47E67}"/>
+                <a16:creationId xmlns="" xmlns:a16="http://schemas.microsoft.com/office/drawing/2014/main" id="{1025D334-8990-1960-8865-C877ECC47E67}"/>
               </a:ext>
             </a:extLst>
           </p:cNvPr>
@@ -2405,7 +2405,7 @@
           <p:cNvPr id="5" name="Straight Connector 4">
             <a:extLst>
               <a:ext uri="{FF2B5EF4-FFF2-40B4-BE49-F238E27FC236}">
-                <a16:creationId xmlns:a16="http://schemas.microsoft.com/office/drawing/2014/main" xmlns="" id="{73769F54-E10C-40C4-5EFF-E8A9CA520AEC}"/>
+                <a16:creationId xmlns="" xmlns:a16="http://schemas.microsoft.com/office/drawing/2014/main" id="{73769F54-E10C-40C4-5EFF-E8A9CA520AEC}"/>
               </a:ext>
             </a:extLst>
           </p:cNvPr>
@@ -2448,7 +2448,7 @@
           <p:cNvPr id="6" name="Straight Connector 5">
             <a:extLst>
               <a:ext uri="{FF2B5EF4-FFF2-40B4-BE49-F238E27FC236}">
-                <a16:creationId xmlns:a16="http://schemas.microsoft.com/office/drawing/2014/main" xmlns="" id="{46E7B1EF-9D07-1E66-7467-93C9AE48BD85}"/>
+                <a16:creationId xmlns="" xmlns:a16="http://schemas.microsoft.com/office/drawing/2014/main" id="{46E7B1EF-9D07-1E66-7467-93C9AE48BD85}"/>
               </a:ext>
             </a:extLst>
           </p:cNvPr>
@@ -2495,7 +2495,7 @@
           <p:cNvPr id="10" name="Text Placeholder 13">
             <a:extLst>
               <a:ext uri="{FF2B5EF4-FFF2-40B4-BE49-F238E27FC236}">
-                <a16:creationId xmlns:a16="http://schemas.microsoft.com/office/drawing/2014/main" xmlns="" id="{970A1046-F88C-E11E-0E2E-A7F3AEDB3A26}"/>
+                <a16:creationId xmlns="" xmlns:a16="http://schemas.microsoft.com/office/drawing/2014/main" id="{970A1046-F88C-E11E-0E2E-A7F3AEDB3A26}"/>
               </a:ext>
             </a:extLst>
           </p:cNvPr>
@@ -2547,7 +2547,7 @@
           <p:cNvPr id="12" name="Text Placeholder 13">
             <a:extLst>
               <a:ext uri="{FF2B5EF4-FFF2-40B4-BE49-F238E27FC236}">
-                <a16:creationId xmlns:a16="http://schemas.microsoft.com/office/drawing/2014/main" xmlns="" id="{EF94CC5A-0B90-D0D3-CF42-2A9B86331729}"/>
+                <a16:creationId xmlns="" xmlns:a16="http://schemas.microsoft.com/office/drawing/2014/main" id="{EF94CC5A-0B90-D0D3-CF42-2A9B86331729}"/>
               </a:ext>
             </a:extLst>
           </p:cNvPr>
@@ -2599,7 +2599,7 @@
           <p:cNvPr id="14" name="Text Placeholder 13">
             <a:extLst>
               <a:ext uri="{FF2B5EF4-FFF2-40B4-BE49-F238E27FC236}">
-                <a16:creationId xmlns:a16="http://schemas.microsoft.com/office/drawing/2014/main" xmlns="" id="{B472F1E6-DAE5-AE6D-F688-575FC243CD0C}"/>
+                <a16:creationId xmlns="" xmlns:a16="http://schemas.microsoft.com/office/drawing/2014/main" id="{B472F1E6-DAE5-AE6D-F688-575FC243CD0C}"/>
               </a:ext>
             </a:extLst>
           </p:cNvPr>
@@ -2651,7 +2651,7 @@
           <p:cNvPr id="16" name="Text Placeholder 13">
             <a:extLst>
               <a:ext uri="{FF2B5EF4-FFF2-40B4-BE49-F238E27FC236}">
-                <a16:creationId xmlns:a16="http://schemas.microsoft.com/office/drawing/2014/main" xmlns="" id="{0F182FA8-4DA0-527F-89C3-96D9A996F2C7}"/>
+                <a16:creationId xmlns="" xmlns:a16="http://schemas.microsoft.com/office/drawing/2014/main" id="{0F182FA8-4DA0-527F-89C3-96D9A996F2C7}"/>
               </a:ext>
             </a:extLst>
           </p:cNvPr>
@@ -2703,7 +2703,7 @@
           <p:cNvPr id="26" name="Text Placeholder 13">
             <a:extLst>
               <a:ext uri="{FF2B5EF4-FFF2-40B4-BE49-F238E27FC236}">
-                <a16:creationId xmlns:a16="http://schemas.microsoft.com/office/drawing/2014/main" xmlns="" id="{7F491CA2-1A10-E7DB-4203-DC7E9E48CCFF}"/>
+                <a16:creationId xmlns="" xmlns:a16="http://schemas.microsoft.com/office/drawing/2014/main" id="{7F491CA2-1A10-E7DB-4203-DC7E9E48CCFF}"/>
               </a:ext>
             </a:extLst>
           </p:cNvPr>
@@ -2755,7 +2755,7 @@
           <p:cNvPr id="8" name="Text Placeholder 7">
             <a:extLst>
               <a:ext uri="{FF2B5EF4-FFF2-40B4-BE49-F238E27FC236}">
-                <a16:creationId xmlns:a16="http://schemas.microsoft.com/office/drawing/2014/main" xmlns="" id="{75476138-49FF-70BE-6359-0A511EFB243F}"/>
+                <a16:creationId xmlns="" xmlns:a16="http://schemas.microsoft.com/office/drawing/2014/main" id="{75476138-49FF-70BE-6359-0A511EFB243F}"/>
               </a:ext>
             </a:extLst>
           </p:cNvPr>
@@ -2803,7 +2803,7 @@
           <p:cNvPr id="22" name="Text Placeholder 7">
             <a:extLst>
               <a:ext uri="{FF2B5EF4-FFF2-40B4-BE49-F238E27FC236}">
-                <a16:creationId xmlns:a16="http://schemas.microsoft.com/office/drawing/2014/main" xmlns="" id="{46EFC43B-3F8D-6957-F343-F3D9C3E7A716}"/>
+                <a16:creationId xmlns="" xmlns:a16="http://schemas.microsoft.com/office/drawing/2014/main" id="{46EFC43B-3F8D-6957-F343-F3D9C3E7A716}"/>
               </a:ext>
             </a:extLst>
           </p:cNvPr>
@@ -2851,7 +2851,7 @@
           <p:cNvPr id="23" name="Text Placeholder 7">
             <a:extLst>
               <a:ext uri="{FF2B5EF4-FFF2-40B4-BE49-F238E27FC236}">
-                <a16:creationId xmlns:a16="http://schemas.microsoft.com/office/drawing/2014/main" xmlns="" id="{D6007DD2-0F2E-6F92-8457-FC670750ED38}"/>
+                <a16:creationId xmlns="" xmlns:a16="http://schemas.microsoft.com/office/drawing/2014/main" id="{D6007DD2-0F2E-6F92-8457-FC670750ED38}"/>
               </a:ext>
             </a:extLst>
           </p:cNvPr>
@@ -2899,7 +2899,7 @@
           <p:cNvPr id="24" name="Text Placeholder 7">
             <a:extLst>
               <a:ext uri="{FF2B5EF4-FFF2-40B4-BE49-F238E27FC236}">
-                <a16:creationId xmlns:a16="http://schemas.microsoft.com/office/drawing/2014/main" xmlns="" id="{06C5667F-C463-51B6-B8D6-F757BDB8AFCC}"/>
+                <a16:creationId xmlns="" xmlns:a16="http://schemas.microsoft.com/office/drawing/2014/main" id="{06C5667F-C463-51B6-B8D6-F757BDB8AFCC}"/>
               </a:ext>
             </a:extLst>
           </p:cNvPr>
@@ -2947,7 +2947,7 @@
           <p:cNvPr id="27" name="Text Placeholder 7">
             <a:extLst>
               <a:ext uri="{FF2B5EF4-FFF2-40B4-BE49-F238E27FC236}">
-                <a16:creationId xmlns:a16="http://schemas.microsoft.com/office/drawing/2014/main" xmlns="" id="{0FF09CBB-BD48-E8E5-EECF-B6CBC36B236C}"/>
+                <a16:creationId xmlns="" xmlns:a16="http://schemas.microsoft.com/office/drawing/2014/main" id="{0FF09CBB-BD48-E8E5-EECF-B6CBC36B236C}"/>
               </a:ext>
             </a:extLst>
           </p:cNvPr>
@@ -3025,7 +3025,7 @@
           <p:cNvPr id="16" name="Picture Placeholder 15">
             <a:extLst>
               <a:ext uri="{FF2B5EF4-FFF2-40B4-BE49-F238E27FC236}">
-                <a16:creationId xmlns:a16="http://schemas.microsoft.com/office/drawing/2014/main" xmlns="" id="{1A881D2A-2C75-8B2A-DA41-F42ABBA59AA9}"/>
+                <a16:creationId xmlns="" xmlns:a16="http://schemas.microsoft.com/office/drawing/2014/main" id="{1A881D2A-2C75-8B2A-DA41-F42ABBA59AA9}"/>
               </a:ext>
             </a:extLst>
           </p:cNvPr>
@@ -3140,7 +3140,7 @@
           <p:cNvPr id="2" name="Title 1">
             <a:extLst>
               <a:ext uri="{FF2B5EF4-FFF2-40B4-BE49-F238E27FC236}">
-                <a16:creationId xmlns:a16="http://schemas.microsoft.com/office/drawing/2014/main" xmlns="" id="{5A0D1FF5-7EF8-4250-A259-43050ABBD3B6}"/>
+                <a16:creationId xmlns="" xmlns:a16="http://schemas.microsoft.com/office/drawing/2014/main" id="{5A0D1FF5-7EF8-4250-A259-43050ABBD3B6}"/>
               </a:ext>
             </a:extLst>
           </p:cNvPr>
@@ -3174,7 +3174,7 @@
           <p:cNvPr id="18" name="Text Placeholder 17">
             <a:extLst>
               <a:ext uri="{FF2B5EF4-FFF2-40B4-BE49-F238E27FC236}">
-                <a16:creationId xmlns:a16="http://schemas.microsoft.com/office/drawing/2014/main" xmlns="" id="{CCA7A15A-B484-E46E-FF4D-179F31F1777F}"/>
+                <a16:creationId xmlns="" xmlns:a16="http://schemas.microsoft.com/office/drawing/2014/main" id="{CCA7A15A-B484-E46E-FF4D-179F31F1777F}"/>
               </a:ext>
             </a:extLst>
           </p:cNvPr>
@@ -3302,7 +3302,7 @@
           <p:cNvPr id="4" name="Content Placeholder 3">
             <a:extLst>
               <a:ext uri="{FF2B5EF4-FFF2-40B4-BE49-F238E27FC236}">
-                <a16:creationId xmlns:a16="http://schemas.microsoft.com/office/drawing/2014/main" xmlns="" id="{C752CCA9-53A3-4DA5-AD45-C2A2C12A3A6A}"/>
+                <a16:creationId xmlns="" xmlns:a16="http://schemas.microsoft.com/office/drawing/2014/main" id="{C752CCA9-53A3-4DA5-AD45-C2A2C12A3A6A}"/>
               </a:ext>
             </a:extLst>
           </p:cNvPr>
@@ -3382,7 +3382,7 @@
           <p:cNvPr id="21" name="Text Placeholder 20">
             <a:extLst>
               <a:ext uri="{FF2B5EF4-FFF2-40B4-BE49-F238E27FC236}">
-                <a16:creationId xmlns:a16="http://schemas.microsoft.com/office/drawing/2014/main" xmlns="" id="{A123542D-139D-45CC-7853-FE3702B4BB1E}"/>
+                <a16:creationId xmlns="" xmlns:a16="http://schemas.microsoft.com/office/drawing/2014/main" id="{A123542D-139D-45CC-7853-FE3702B4BB1E}"/>
               </a:ext>
             </a:extLst>
           </p:cNvPr>
@@ -3510,7 +3510,7 @@
           <p:cNvPr id="6" name="Content Placeholder 5">
             <a:extLst>
               <a:ext uri="{FF2B5EF4-FFF2-40B4-BE49-F238E27FC236}">
-                <a16:creationId xmlns:a16="http://schemas.microsoft.com/office/drawing/2014/main" xmlns="" id="{E2E342EE-68BB-484D-98C3-48A7847549D4}"/>
+                <a16:creationId xmlns="" xmlns:a16="http://schemas.microsoft.com/office/drawing/2014/main" id="{E2E342EE-68BB-484D-98C3-48A7847549D4}"/>
               </a:ext>
             </a:extLst>
           </p:cNvPr>
@@ -3590,7 +3590,7 @@
           <p:cNvPr id="9" name="Slide Number Placeholder 8">
             <a:extLst>
               <a:ext uri="{FF2B5EF4-FFF2-40B4-BE49-F238E27FC236}">
-                <a16:creationId xmlns:a16="http://schemas.microsoft.com/office/drawing/2014/main" xmlns="" id="{0659A9D2-C6ED-A99E-6041-56B568841809}"/>
+                <a16:creationId xmlns="" xmlns:a16="http://schemas.microsoft.com/office/drawing/2014/main" id="{0659A9D2-C6ED-A99E-6041-56B568841809}"/>
               </a:ext>
             </a:extLst>
           </p:cNvPr>
@@ -3619,7 +3619,7 @@
           <p:cNvPr id="12" name="Footer Placeholder 11">
             <a:extLst>
               <a:ext uri="{FF2B5EF4-FFF2-40B4-BE49-F238E27FC236}">
-                <a16:creationId xmlns:a16="http://schemas.microsoft.com/office/drawing/2014/main" xmlns="" id="{971F094C-919A-3E78-DE58-27C2B997C940}"/>
+                <a16:creationId xmlns="" xmlns:a16="http://schemas.microsoft.com/office/drawing/2014/main" id="{971F094C-919A-3E78-DE58-27C2B997C940}"/>
               </a:ext>
             </a:extLst>
           </p:cNvPr>
@@ -3647,7 +3647,7 @@
           <p:cNvPr id="17" name="Rectangle 16">
             <a:extLst>
               <a:ext uri="{FF2B5EF4-FFF2-40B4-BE49-F238E27FC236}">
-                <a16:creationId xmlns:a16="http://schemas.microsoft.com/office/drawing/2014/main" xmlns="" id="{D5896335-CC4F-4D72-23F0-F7FBFA640021}"/>
+                <a16:creationId xmlns="" xmlns:a16="http://schemas.microsoft.com/office/drawing/2014/main" id="{D5896335-CC4F-4D72-23F0-F7FBFA640021}"/>
               </a:ext>
             </a:extLst>
           </p:cNvPr>
@@ -3726,7 +3726,7 @@
           <p:cNvPr id="3" name="Rectangle 2">
             <a:extLst>
               <a:ext uri="{FF2B5EF4-FFF2-40B4-BE49-F238E27FC236}">
-                <a16:creationId xmlns:a16="http://schemas.microsoft.com/office/drawing/2014/main" xmlns="" id="{1B9EF4E7-F4EF-FFCD-9B0C-961E519F6DDD}"/>
+                <a16:creationId xmlns="" xmlns:a16="http://schemas.microsoft.com/office/drawing/2014/main" id="{1B9EF4E7-F4EF-FFCD-9B0C-961E519F6DDD}"/>
               </a:ext>
             </a:extLst>
           </p:cNvPr>
@@ -3781,7 +3781,7 @@
           <p:cNvPr id="2" name="Title 1">
             <a:extLst>
               <a:ext uri="{FF2B5EF4-FFF2-40B4-BE49-F238E27FC236}">
-                <a16:creationId xmlns:a16="http://schemas.microsoft.com/office/drawing/2014/main" xmlns="" id="{5A0D1FF5-7EF8-4250-A259-43050ABBD3B6}"/>
+                <a16:creationId xmlns="" xmlns:a16="http://schemas.microsoft.com/office/drawing/2014/main" id="{5A0D1FF5-7EF8-4250-A259-43050ABBD3B6}"/>
               </a:ext>
             </a:extLst>
           </p:cNvPr>
@@ -3815,7 +3815,7 @@
           <p:cNvPr id="18" name="Text Placeholder 17">
             <a:extLst>
               <a:ext uri="{FF2B5EF4-FFF2-40B4-BE49-F238E27FC236}">
-                <a16:creationId xmlns:a16="http://schemas.microsoft.com/office/drawing/2014/main" xmlns="" id="{CCA7A15A-B484-E46E-FF4D-179F31F1777F}"/>
+                <a16:creationId xmlns="" xmlns:a16="http://schemas.microsoft.com/office/drawing/2014/main" id="{CCA7A15A-B484-E46E-FF4D-179F31F1777F}"/>
               </a:ext>
             </a:extLst>
           </p:cNvPr>
@@ -3941,7 +3941,7 @@
           <p:cNvPr id="4" name="Content Placeholder 3">
             <a:extLst>
               <a:ext uri="{FF2B5EF4-FFF2-40B4-BE49-F238E27FC236}">
-                <a16:creationId xmlns:a16="http://schemas.microsoft.com/office/drawing/2014/main" xmlns="" id="{C752CCA9-53A3-4DA5-AD45-C2A2C12A3A6A}"/>
+                <a16:creationId xmlns="" xmlns:a16="http://schemas.microsoft.com/office/drawing/2014/main" id="{C752CCA9-53A3-4DA5-AD45-C2A2C12A3A6A}"/>
               </a:ext>
             </a:extLst>
           </p:cNvPr>
@@ -4036,7 +4036,7 @@
           <p:cNvPr id="21" name="Text Placeholder 20">
             <a:extLst>
               <a:ext uri="{FF2B5EF4-FFF2-40B4-BE49-F238E27FC236}">
-                <a16:creationId xmlns:a16="http://schemas.microsoft.com/office/drawing/2014/main" xmlns="" id="{A123542D-139D-45CC-7853-FE3702B4BB1E}"/>
+                <a16:creationId xmlns="" xmlns:a16="http://schemas.microsoft.com/office/drawing/2014/main" id="{A123542D-139D-45CC-7853-FE3702B4BB1E}"/>
               </a:ext>
             </a:extLst>
           </p:cNvPr>
@@ -4162,7 +4162,7 @@
           <p:cNvPr id="6" name="Content Placeholder 5">
             <a:extLst>
               <a:ext uri="{FF2B5EF4-FFF2-40B4-BE49-F238E27FC236}">
-                <a16:creationId xmlns:a16="http://schemas.microsoft.com/office/drawing/2014/main" xmlns="" id="{E2E342EE-68BB-484D-98C3-48A7847549D4}"/>
+                <a16:creationId xmlns="" xmlns:a16="http://schemas.microsoft.com/office/drawing/2014/main" id="{E2E342EE-68BB-484D-98C3-48A7847549D4}"/>
               </a:ext>
             </a:extLst>
           </p:cNvPr>
@@ -4257,7 +4257,7 @@
           <p:cNvPr id="9" name="Slide Number Placeholder 8">
             <a:extLst>
               <a:ext uri="{FF2B5EF4-FFF2-40B4-BE49-F238E27FC236}">
-                <a16:creationId xmlns:a16="http://schemas.microsoft.com/office/drawing/2014/main" xmlns="" id="{0659A9D2-C6ED-A99E-6041-56B568841809}"/>
+                <a16:creationId xmlns="" xmlns:a16="http://schemas.microsoft.com/office/drawing/2014/main" id="{0659A9D2-C6ED-A99E-6041-56B568841809}"/>
               </a:ext>
             </a:extLst>
           </p:cNvPr>
@@ -4286,7 +4286,7 @@
           <p:cNvPr id="12" name="Footer Placeholder 11">
             <a:extLst>
               <a:ext uri="{FF2B5EF4-FFF2-40B4-BE49-F238E27FC236}">
-                <a16:creationId xmlns:a16="http://schemas.microsoft.com/office/drawing/2014/main" xmlns="" id="{971F094C-919A-3E78-DE58-27C2B997C940}"/>
+                <a16:creationId xmlns="" xmlns:a16="http://schemas.microsoft.com/office/drawing/2014/main" id="{971F094C-919A-3E78-DE58-27C2B997C940}"/>
               </a:ext>
             </a:extLst>
           </p:cNvPr>
@@ -4314,7 +4314,7 @@
           <p:cNvPr id="5" name="Picture Placeholder 6">
             <a:extLst>
               <a:ext uri="{FF2B5EF4-FFF2-40B4-BE49-F238E27FC236}">
-                <a16:creationId xmlns:a16="http://schemas.microsoft.com/office/drawing/2014/main" xmlns="" id="{AD6DBECB-0E53-C186-A485-96A8FC1252C7}"/>
+                <a16:creationId xmlns="" xmlns:a16="http://schemas.microsoft.com/office/drawing/2014/main" id="{AD6DBECB-0E53-C186-A485-96A8FC1252C7}"/>
               </a:ext>
             </a:extLst>
           </p:cNvPr>
@@ -4357,7 +4357,7 @@
           <p:cNvPr id="7" name="Text Placeholder 20">
             <a:extLst>
               <a:ext uri="{FF2B5EF4-FFF2-40B4-BE49-F238E27FC236}">
-                <a16:creationId xmlns:a16="http://schemas.microsoft.com/office/drawing/2014/main" xmlns="" id="{F0B28D44-29B3-3396-973D-82E361161253}"/>
+                <a16:creationId xmlns="" xmlns:a16="http://schemas.microsoft.com/office/drawing/2014/main" id="{F0B28D44-29B3-3396-973D-82E361161253}"/>
               </a:ext>
             </a:extLst>
           </p:cNvPr>
@@ -4483,7 +4483,7 @@
           <p:cNvPr id="8" name="Content Placeholder 5">
             <a:extLst>
               <a:ext uri="{FF2B5EF4-FFF2-40B4-BE49-F238E27FC236}">
-                <a16:creationId xmlns:a16="http://schemas.microsoft.com/office/drawing/2014/main" xmlns="" id="{C06156AC-1153-3958-CFE6-6CDCC21C38A9}"/>
+                <a16:creationId xmlns="" xmlns:a16="http://schemas.microsoft.com/office/drawing/2014/main" id="{C06156AC-1153-3958-CFE6-6CDCC21C38A9}"/>
               </a:ext>
             </a:extLst>
           </p:cNvPr>
@@ -4578,7 +4578,7 @@
           <p:cNvPr id="11" name="Picture Placeholder 10">
             <a:extLst>
               <a:ext uri="{FF2B5EF4-FFF2-40B4-BE49-F238E27FC236}">
-                <a16:creationId xmlns:a16="http://schemas.microsoft.com/office/drawing/2014/main" xmlns="" id="{A4CE90CA-176B-1E45-FECF-0290B1DCF55C}"/>
+                <a16:creationId xmlns="" xmlns:a16="http://schemas.microsoft.com/office/drawing/2014/main" id="{A4CE90CA-176B-1E45-FECF-0290B1DCF55C}"/>
               </a:ext>
             </a:extLst>
           </p:cNvPr>
@@ -4617,7 +4617,7 @@
           <p:cNvPr id="13" name="Picture Placeholder 10">
             <a:extLst>
               <a:ext uri="{FF2B5EF4-FFF2-40B4-BE49-F238E27FC236}">
-                <a16:creationId xmlns:a16="http://schemas.microsoft.com/office/drawing/2014/main" xmlns="" id="{365BC287-99EE-D6FA-48B9-1E6FFE9357EA}"/>
+                <a16:creationId xmlns="" xmlns:a16="http://schemas.microsoft.com/office/drawing/2014/main" id="{365BC287-99EE-D6FA-48B9-1E6FFE9357EA}"/>
               </a:ext>
             </a:extLst>
           </p:cNvPr>
@@ -4656,7 +4656,7 @@
           <p:cNvPr id="14" name="Picture Placeholder 10">
             <a:extLst>
               <a:ext uri="{FF2B5EF4-FFF2-40B4-BE49-F238E27FC236}">
-                <a16:creationId xmlns:a16="http://schemas.microsoft.com/office/drawing/2014/main" xmlns="" id="{ECE7A377-A1E6-77DF-79F9-F251BD757741}"/>
+                <a16:creationId xmlns="" xmlns:a16="http://schemas.microsoft.com/office/drawing/2014/main" id="{ECE7A377-A1E6-77DF-79F9-F251BD757741}"/>
               </a:ext>
             </a:extLst>
           </p:cNvPr>
@@ -4695,7 +4695,7 @@
           <p:cNvPr id="15" name="Straight Connector 14">
             <a:extLst>
               <a:ext uri="{FF2B5EF4-FFF2-40B4-BE49-F238E27FC236}">
-                <a16:creationId xmlns:a16="http://schemas.microsoft.com/office/drawing/2014/main" xmlns="" id="{52D976B1-BEF2-CB69-E97E-A6DAD1F04689}"/>
+                <a16:creationId xmlns="" xmlns:a16="http://schemas.microsoft.com/office/drawing/2014/main" id="{52D976B1-BEF2-CB69-E97E-A6DAD1F04689}"/>
               </a:ext>
             </a:extLst>
           </p:cNvPr>
@@ -4768,7 +4768,7 @@
           <p:cNvPr id="3" name="Slide Number Placeholder 2">
             <a:extLst>
               <a:ext uri="{FF2B5EF4-FFF2-40B4-BE49-F238E27FC236}">
-                <a16:creationId xmlns:a16="http://schemas.microsoft.com/office/drawing/2014/main" xmlns="" id="{F9358819-7D9B-11CB-DBC5-CC8BC5C076D2}"/>
+                <a16:creationId xmlns="" xmlns:a16="http://schemas.microsoft.com/office/drawing/2014/main" id="{F9358819-7D9B-11CB-DBC5-CC8BC5C076D2}"/>
               </a:ext>
             </a:extLst>
           </p:cNvPr>
@@ -4798,7 +4798,7 @@
           <p:cNvPr id="4" name="Footer Placeholder 3">
             <a:extLst>
               <a:ext uri="{FF2B5EF4-FFF2-40B4-BE49-F238E27FC236}">
-                <a16:creationId xmlns:a16="http://schemas.microsoft.com/office/drawing/2014/main" xmlns="" id="{B2EB2EEB-FE70-98B2-9437-0E1E91F929E8}"/>
+                <a16:creationId xmlns="" xmlns:a16="http://schemas.microsoft.com/office/drawing/2014/main" id="{B2EB2EEB-FE70-98B2-9437-0E1E91F929E8}"/>
               </a:ext>
             </a:extLst>
           </p:cNvPr>
@@ -4826,7 +4826,7 @@
           <p:cNvPr id="5" name="Straight Connector 4">
             <a:extLst>
               <a:ext uri="{FF2B5EF4-FFF2-40B4-BE49-F238E27FC236}">
-                <a16:creationId xmlns:a16="http://schemas.microsoft.com/office/drawing/2014/main" xmlns="" id="{DFAA902D-BDC9-E5AF-D40D-7B8DE616EBE0}"/>
+                <a16:creationId xmlns="" xmlns:a16="http://schemas.microsoft.com/office/drawing/2014/main" id="{DFAA902D-BDC9-E5AF-D40D-7B8DE616EBE0}"/>
               </a:ext>
             </a:extLst>
           </p:cNvPr>
@@ -4869,7 +4869,7 @@
           <p:cNvPr id="8" name="Text Placeholder 7">
             <a:extLst>
               <a:ext uri="{FF2B5EF4-FFF2-40B4-BE49-F238E27FC236}">
-                <a16:creationId xmlns:a16="http://schemas.microsoft.com/office/drawing/2014/main" xmlns="" id="{92A4017E-4CAA-8499-38AE-3A3306A7EB26}"/>
+                <a16:creationId xmlns="" xmlns:a16="http://schemas.microsoft.com/office/drawing/2014/main" id="{92A4017E-4CAA-8499-38AE-3A3306A7EB26}"/>
               </a:ext>
             </a:extLst>
           </p:cNvPr>
@@ -4914,7 +4914,7 @@
           <p:cNvPr id="11" name="Picture Placeholder 10">
             <a:extLst>
               <a:ext uri="{FF2B5EF4-FFF2-40B4-BE49-F238E27FC236}">
-                <a16:creationId xmlns:a16="http://schemas.microsoft.com/office/drawing/2014/main" xmlns="" id="{E9103CB5-F9EF-D6DA-A5D4-DCCAEBEBE615}"/>
+                <a16:creationId xmlns="" xmlns:a16="http://schemas.microsoft.com/office/drawing/2014/main" id="{E9103CB5-F9EF-D6DA-A5D4-DCCAEBEBE615}"/>
               </a:ext>
             </a:extLst>
           </p:cNvPr>
@@ -4948,7 +4948,7 @@
           <p:cNvPr id="2" name="Title 1">
             <a:extLst>
               <a:ext uri="{FF2B5EF4-FFF2-40B4-BE49-F238E27FC236}">
-                <a16:creationId xmlns:a16="http://schemas.microsoft.com/office/drawing/2014/main" xmlns="" id="{E217F00C-8F19-CB9F-D5BF-9A5F4C77E256}"/>
+                <a16:creationId xmlns="" xmlns:a16="http://schemas.microsoft.com/office/drawing/2014/main" id="{E217F00C-8F19-CB9F-D5BF-9A5F4C77E256}"/>
               </a:ext>
             </a:extLst>
           </p:cNvPr>
@@ -5016,7 +5016,7 @@
           <p:cNvPr id="19" name="Picture Placeholder 18">
             <a:extLst>
               <a:ext uri="{FF2B5EF4-FFF2-40B4-BE49-F238E27FC236}">
-                <a16:creationId xmlns:a16="http://schemas.microsoft.com/office/drawing/2014/main" xmlns="" id="{8C402F40-958A-D2BF-629C-39B659EC95D4}"/>
+                <a16:creationId xmlns="" xmlns:a16="http://schemas.microsoft.com/office/drawing/2014/main" id="{8C402F40-958A-D2BF-629C-39B659EC95D4}"/>
               </a:ext>
             </a:extLst>
           </p:cNvPr>
@@ -5131,7 +5131,7 @@
           <p:cNvPr id="16" name="Title 15">
             <a:extLst>
               <a:ext uri="{FF2B5EF4-FFF2-40B4-BE49-F238E27FC236}">
-                <a16:creationId xmlns:a16="http://schemas.microsoft.com/office/drawing/2014/main" xmlns="" id="{ABAFD431-F46D-3701-6A51-738ADAF3A5E3}"/>
+                <a16:creationId xmlns="" xmlns:a16="http://schemas.microsoft.com/office/drawing/2014/main" id="{ABAFD431-F46D-3701-6A51-738ADAF3A5E3}"/>
               </a:ext>
             </a:extLst>
           </p:cNvPr>
@@ -5256,7 +5256,7 @@
           <p:cNvPr id="11" name="Picture Placeholder 10">
             <a:extLst>
               <a:ext uri="{FF2B5EF4-FFF2-40B4-BE49-F238E27FC236}">
-                <a16:creationId xmlns:a16="http://schemas.microsoft.com/office/drawing/2014/main" xmlns="" id="{CAFD788D-D699-2BA7-3637-AA3B48C09084}"/>
+                <a16:creationId xmlns="" xmlns:a16="http://schemas.microsoft.com/office/drawing/2014/main" id="{CAFD788D-D699-2BA7-3637-AA3B48C09084}"/>
               </a:ext>
             </a:extLst>
           </p:cNvPr>
@@ -5298,7 +5298,7 @@
           <p:cNvPr id="13" name="Text Placeholder 12">
             <a:extLst>
               <a:ext uri="{FF2B5EF4-FFF2-40B4-BE49-F238E27FC236}">
-                <a16:creationId xmlns:a16="http://schemas.microsoft.com/office/drawing/2014/main" xmlns="" id="{7808A0C0-A02B-D1C7-6DE5-CA25624AD099}"/>
+                <a16:creationId xmlns="" xmlns:a16="http://schemas.microsoft.com/office/drawing/2014/main" id="{7808A0C0-A02B-D1C7-6DE5-CA25624AD099}"/>
               </a:ext>
             </a:extLst>
           </p:cNvPr>
@@ -5337,7 +5337,7 @@
           <p:cNvPr id="20" name="Rectangle 19">
             <a:extLst>
               <a:ext uri="{FF2B5EF4-FFF2-40B4-BE49-F238E27FC236}">
-                <a16:creationId xmlns:a16="http://schemas.microsoft.com/office/drawing/2014/main" xmlns="" id="{469017C4-5BB0-DF6F-781B-FB81A3A5D977}"/>
+                <a16:creationId xmlns="" xmlns:a16="http://schemas.microsoft.com/office/drawing/2014/main" id="{469017C4-5BB0-DF6F-781B-FB81A3A5D977}"/>
               </a:ext>
             </a:extLst>
           </p:cNvPr>
@@ -5416,7 +5416,7 @@
           <p:cNvPr id="2" name="Title 1">
             <a:extLst>
               <a:ext uri="{FF2B5EF4-FFF2-40B4-BE49-F238E27FC236}">
-                <a16:creationId xmlns:a16="http://schemas.microsoft.com/office/drawing/2014/main" xmlns="" id="{20B5ED18-7A07-47F1-8056-CD86B076AFE2}"/>
+                <a16:creationId xmlns="" xmlns:a16="http://schemas.microsoft.com/office/drawing/2014/main" id="{20B5ED18-7A07-47F1-8056-CD86B076AFE2}"/>
               </a:ext>
             </a:extLst>
           </p:cNvPr>
@@ -5445,7 +5445,7 @@
           <p:cNvPr id="5" name="Slide Number Placeholder 4">
             <a:extLst>
               <a:ext uri="{FF2B5EF4-FFF2-40B4-BE49-F238E27FC236}">
-                <a16:creationId xmlns:a16="http://schemas.microsoft.com/office/drawing/2014/main" xmlns="" id="{814BC7BE-FECC-8573-D4F0-FA004B4A04F4}"/>
+                <a16:creationId xmlns="" xmlns:a16="http://schemas.microsoft.com/office/drawing/2014/main" id="{814BC7BE-FECC-8573-D4F0-FA004B4A04F4}"/>
               </a:ext>
             </a:extLst>
           </p:cNvPr>
@@ -5474,7 +5474,7 @@
           <p:cNvPr id="8" name="Footer Placeholder 7">
             <a:extLst>
               <a:ext uri="{FF2B5EF4-FFF2-40B4-BE49-F238E27FC236}">
-                <a16:creationId xmlns:a16="http://schemas.microsoft.com/office/drawing/2014/main" xmlns="" id="{A4DB0707-D3A6-4BF0-3225-EC3851AD7387}"/>
+                <a16:creationId xmlns="" xmlns:a16="http://schemas.microsoft.com/office/drawing/2014/main" id="{A4DB0707-D3A6-4BF0-3225-EC3851AD7387}"/>
               </a:ext>
             </a:extLst>
           </p:cNvPr>
@@ -5532,7 +5532,7 @@
           <p:cNvPr id="4" name="Slide Number Placeholder 3">
             <a:extLst>
               <a:ext uri="{FF2B5EF4-FFF2-40B4-BE49-F238E27FC236}">
-                <a16:creationId xmlns:a16="http://schemas.microsoft.com/office/drawing/2014/main" xmlns="" id="{E81AE946-135C-E4E8-BA60-64AB48B87F80}"/>
+                <a16:creationId xmlns="" xmlns:a16="http://schemas.microsoft.com/office/drawing/2014/main" id="{E81AE946-135C-E4E8-BA60-64AB48B87F80}"/>
               </a:ext>
             </a:extLst>
           </p:cNvPr>
@@ -5561,7 +5561,7 @@
           <p:cNvPr id="7" name="Footer Placeholder 6">
             <a:extLst>
               <a:ext uri="{FF2B5EF4-FFF2-40B4-BE49-F238E27FC236}">
-                <a16:creationId xmlns:a16="http://schemas.microsoft.com/office/drawing/2014/main" xmlns="" id="{FFD67329-9F30-BEB7-31E2-FECA7FD59B06}"/>
+                <a16:creationId xmlns="" xmlns:a16="http://schemas.microsoft.com/office/drawing/2014/main" id="{FFD67329-9F30-BEB7-31E2-FECA7FD59B06}"/>
               </a:ext>
             </a:extLst>
           </p:cNvPr>
@@ -5619,7 +5619,7 @@
           <p:cNvPr id="2" name="Title 1">
             <a:extLst>
               <a:ext uri="{FF2B5EF4-FFF2-40B4-BE49-F238E27FC236}">
-                <a16:creationId xmlns:a16="http://schemas.microsoft.com/office/drawing/2014/main" xmlns="" id="{305BD6A3-F987-4FCC-A6EF-2EF0D33C0888}"/>
+                <a16:creationId xmlns="" xmlns:a16="http://schemas.microsoft.com/office/drawing/2014/main" id="{305BD6A3-F987-4FCC-A6EF-2EF0D33C0888}"/>
               </a:ext>
             </a:extLst>
           </p:cNvPr>
@@ -5656,7 +5656,7 @@
           <p:cNvPr id="3" name="Content Placeholder 2">
             <a:extLst>
               <a:ext uri="{FF2B5EF4-FFF2-40B4-BE49-F238E27FC236}">
-                <a16:creationId xmlns:a16="http://schemas.microsoft.com/office/drawing/2014/main" xmlns="" id="{4C3F06A0-63CE-4272-B90E-4F20296BFBEB}"/>
+                <a16:creationId xmlns="" xmlns:a16="http://schemas.microsoft.com/office/drawing/2014/main" id="{4C3F06A0-63CE-4272-B90E-4F20296BFBEB}"/>
               </a:ext>
             </a:extLst>
           </p:cNvPr>
@@ -5746,7 +5746,7 @@
           <p:cNvPr id="4" name="Text Placeholder 3">
             <a:extLst>
               <a:ext uri="{FF2B5EF4-FFF2-40B4-BE49-F238E27FC236}">
-                <a16:creationId xmlns:a16="http://schemas.microsoft.com/office/drawing/2014/main" xmlns="" id="{08467220-06E3-427A-B4D3-9B0030E09DBB}"/>
+                <a16:creationId xmlns="" xmlns:a16="http://schemas.microsoft.com/office/drawing/2014/main" id="{08467220-06E3-427A-B4D3-9B0030E09DBB}"/>
               </a:ext>
             </a:extLst>
           </p:cNvPr>
@@ -5817,7 +5817,7 @@
           <p:cNvPr id="7" name="Slide Number Placeholder 6">
             <a:extLst>
               <a:ext uri="{FF2B5EF4-FFF2-40B4-BE49-F238E27FC236}">
-                <a16:creationId xmlns:a16="http://schemas.microsoft.com/office/drawing/2014/main" xmlns="" id="{73183587-0236-046F-3B80-4D4EEA7A8009}"/>
+                <a16:creationId xmlns="" xmlns:a16="http://schemas.microsoft.com/office/drawing/2014/main" id="{73183587-0236-046F-3B80-4D4EEA7A8009}"/>
               </a:ext>
             </a:extLst>
           </p:cNvPr>
@@ -5846,7 +5846,7 @@
           <p:cNvPr id="10" name="Footer Placeholder 9">
             <a:extLst>
               <a:ext uri="{FF2B5EF4-FFF2-40B4-BE49-F238E27FC236}">
-                <a16:creationId xmlns:a16="http://schemas.microsoft.com/office/drawing/2014/main" xmlns="" id="{60C67779-9FAD-3FE4-5C67-7E5313C03B45}"/>
+                <a16:creationId xmlns="" xmlns:a16="http://schemas.microsoft.com/office/drawing/2014/main" id="{60C67779-9FAD-3FE4-5C67-7E5313C03B45}"/>
               </a:ext>
             </a:extLst>
           </p:cNvPr>
@@ -5904,7 +5904,7 @@
           <p:cNvPr id="2" name="Title 1">
             <a:extLst>
               <a:ext uri="{FF2B5EF4-FFF2-40B4-BE49-F238E27FC236}">
-                <a16:creationId xmlns:a16="http://schemas.microsoft.com/office/drawing/2014/main" xmlns="" id="{DF308F2A-1C19-4116-80DF-E24EDDF283FF}"/>
+                <a16:creationId xmlns="" xmlns:a16="http://schemas.microsoft.com/office/drawing/2014/main" id="{DF308F2A-1C19-4116-80DF-E24EDDF283FF}"/>
               </a:ext>
             </a:extLst>
           </p:cNvPr>
@@ -5941,7 +5941,7 @@
           <p:cNvPr id="3" name="Picture Placeholder 2">
             <a:extLst>
               <a:ext uri="{FF2B5EF4-FFF2-40B4-BE49-F238E27FC236}">
-                <a16:creationId xmlns:a16="http://schemas.microsoft.com/office/drawing/2014/main" xmlns="" id="{08A489A7-7CA6-4CC9-B634-FCB2E102C6B9}"/>
+                <a16:creationId xmlns="" xmlns:a16="http://schemas.microsoft.com/office/drawing/2014/main" id="{08A489A7-7CA6-4CC9-B634-FCB2E102C6B9}"/>
               </a:ext>
             </a:extLst>
           </p:cNvPr>
@@ -6012,7 +6012,7 @@
           <p:cNvPr id="4" name="Text Placeholder 3">
             <a:extLst>
               <a:ext uri="{FF2B5EF4-FFF2-40B4-BE49-F238E27FC236}">
-                <a16:creationId xmlns:a16="http://schemas.microsoft.com/office/drawing/2014/main" xmlns="" id="{7DF5F80D-1DB9-4E0A-8F68-924FC1C9C3BA}"/>
+                <a16:creationId xmlns="" xmlns:a16="http://schemas.microsoft.com/office/drawing/2014/main" id="{7DF5F80D-1DB9-4E0A-8F68-924FC1C9C3BA}"/>
               </a:ext>
             </a:extLst>
           </p:cNvPr>
@@ -6083,7 +6083,7 @@
           <p:cNvPr id="7" name="Slide Number Placeholder 6">
             <a:extLst>
               <a:ext uri="{FF2B5EF4-FFF2-40B4-BE49-F238E27FC236}">
-                <a16:creationId xmlns:a16="http://schemas.microsoft.com/office/drawing/2014/main" xmlns="" id="{3AD70A4E-ED43-B5A1-F8FE-762E21A30A3E}"/>
+                <a16:creationId xmlns="" xmlns:a16="http://schemas.microsoft.com/office/drawing/2014/main" id="{3AD70A4E-ED43-B5A1-F8FE-762E21A30A3E}"/>
               </a:ext>
             </a:extLst>
           </p:cNvPr>
@@ -6112,7 +6112,7 @@
           <p:cNvPr id="10" name="Footer Placeholder 9">
             <a:extLst>
               <a:ext uri="{FF2B5EF4-FFF2-40B4-BE49-F238E27FC236}">
-                <a16:creationId xmlns:a16="http://schemas.microsoft.com/office/drawing/2014/main" xmlns="" id="{A4125545-56D8-5212-AA45-63F7C1DBF101}"/>
+                <a16:creationId xmlns="" xmlns:a16="http://schemas.microsoft.com/office/drawing/2014/main" id="{A4125545-56D8-5212-AA45-63F7C1DBF101}"/>
               </a:ext>
             </a:extLst>
           </p:cNvPr>
@@ -6170,7 +6170,7 @@
           <p:cNvPr id="4" name="Rectangle 3">
             <a:extLst>
               <a:ext uri="{FF2B5EF4-FFF2-40B4-BE49-F238E27FC236}">
-                <a16:creationId xmlns:a16="http://schemas.microsoft.com/office/drawing/2014/main" xmlns="" id="{A94B2501-78A9-E41B-7C2D-09F09ADDCB5E}"/>
+                <a16:creationId xmlns="" xmlns:a16="http://schemas.microsoft.com/office/drawing/2014/main" id="{A94B2501-78A9-E41B-7C2D-09F09ADDCB5E}"/>
               </a:ext>
             </a:extLst>
           </p:cNvPr>
@@ -6222,7 +6222,7 @@
           <p:cNvPr id="12" name="Rectangle 11">
             <a:extLst>
               <a:ext uri="{FF2B5EF4-FFF2-40B4-BE49-F238E27FC236}">
-                <a16:creationId xmlns:a16="http://schemas.microsoft.com/office/drawing/2014/main" xmlns="" id="{BBA0478E-A529-CF4E-CE5C-583ACA20D66C}"/>
+                <a16:creationId xmlns="" xmlns:a16="http://schemas.microsoft.com/office/drawing/2014/main" id="{BBA0478E-A529-CF4E-CE5C-583ACA20D66C}"/>
               </a:ext>
             </a:extLst>
           </p:cNvPr>
@@ -6274,7 +6274,7 @@
           <p:cNvPr id="2" name="Title 1">
             <a:extLst>
               <a:ext uri="{FF2B5EF4-FFF2-40B4-BE49-F238E27FC236}">
-                <a16:creationId xmlns:a16="http://schemas.microsoft.com/office/drawing/2014/main" xmlns="" id="{3CD97974-B93C-4C96-B3F6-F69E3D6DE6CA}"/>
+                <a16:creationId xmlns="" xmlns:a16="http://schemas.microsoft.com/office/drawing/2014/main" id="{3CD97974-B93C-4C96-B3F6-F69E3D6DE6CA}"/>
               </a:ext>
             </a:extLst>
           </p:cNvPr>
@@ -6312,7 +6312,7 @@
           <p:cNvPr id="3" name="Content Placeholder 2">
             <a:extLst>
               <a:ext uri="{FF2B5EF4-FFF2-40B4-BE49-F238E27FC236}">
-                <a16:creationId xmlns:a16="http://schemas.microsoft.com/office/drawing/2014/main" xmlns="" id="{8A6FC6F2-80B4-49A7-9448-33FE2DF0E967}"/>
+                <a16:creationId xmlns="" xmlns:a16="http://schemas.microsoft.com/office/drawing/2014/main" id="{8A6FC6F2-80B4-49A7-9448-33FE2DF0E967}"/>
               </a:ext>
             </a:extLst>
           </p:cNvPr>
@@ -6395,7 +6395,7 @@
           <p:cNvPr id="6" name="TextBox 5">
             <a:extLst>
               <a:ext uri="{FF2B5EF4-FFF2-40B4-BE49-F238E27FC236}">
-                <a16:creationId xmlns:a16="http://schemas.microsoft.com/office/drawing/2014/main" xmlns="" id="{D17F99EA-AB5F-24F3-D971-2B9BDE3B4F3C}"/>
+                <a16:creationId xmlns="" xmlns:a16="http://schemas.microsoft.com/office/drawing/2014/main" id="{D17F99EA-AB5F-24F3-D971-2B9BDE3B4F3C}"/>
               </a:ext>
             </a:extLst>
           </p:cNvPr>
@@ -6427,7 +6427,7 @@
           <p:cNvPr id="9" name="Slide Number Placeholder 8">
             <a:extLst>
               <a:ext uri="{FF2B5EF4-FFF2-40B4-BE49-F238E27FC236}">
-                <a16:creationId xmlns:a16="http://schemas.microsoft.com/office/drawing/2014/main" xmlns="" id="{969BB099-33E8-8B24-7E54-70E7457A1C7B}"/>
+                <a16:creationId xmlns="" xmlns:a16="http://schemas.microsoft.com/office/drawing/2014/main" id="{969BB099-33E8-8B24-7E54-70E7457A1C7B}"/>
               </a:ext>
             </a:extLst>
           </p:cNvPr>
@@ -6456,7 +6456,7 @@
           <p:cNvPr id="10" name="Footer Placeholder 9">
             <a:extLst>
               <a:ext uri="{FF2B5EF4-FFF2-40B4-BE49-F238E27FC236}">
-                <a16:creationId xmlns:a16="http://schemas.microsoft.com/office/drawing/2014/main" xmlns="" id="{1E607086-83FC-E680-56CD-FD986ACF5B7E}"/>
+                <a16:creationId xmlns="" xmlns:a16="http://schemas.microsoft.com/office/drawing/2014/main" id="{1E607086-83FC-E680-56CD-FD986ACF5B7E}"/>
               </a:ext>
             </a:extLst>
           </p:cNvPr>
@@ -6484,7 +6484,7 @@
           <p:cNvPr id="7" name="Picture Placeholder 6">
             <a:extLst>
               <a:ext uri="{FF2B5EF4-FFF2-40B4-BE49-F238E27FC236}">
-                <a16:creationId xmlns:a16="http://schemas.microsoft.com/office/drawing/2014/main" xmlns="" id="{90AD0F96-99DE-C9D9-569E-AE6FC6307EA7}"/>
+                <a16:creationId xmlns="" xmlns:a16="http://schemas.microsoft.com/office/drawing/2014/main" id="{90AD0F96-99DE-C9D9-569E-AE6FC6307EA7}"/>
               </a:ext>
             </a:extLst>
           </p:cNvPr>
@@ -6524,7 +6524,7 @@
           <p:cNvPr id="8" name="Straight Connector 7">
             <a:extLst>
               <a:ext uri="{FF2B5EF4-FFF2-40B4-BE49-F238E27FC236}">
-                <a16:creationId xmlns:a16="http://schemas.microsoft.com/office/drawing/2014/main" xmlns="" id="{D792E47F-4E2C-B4B2-51F0-43D9D15C5A60}"/>
+                <a16:creationId xmlns="" xmlns:a16="http://schemas.microsoft.com/office/drawing/2014/main" id="{D792E47F-4E2C-B4B2-51F0-43D9D15C5A60}"/>
               </a:ext>
             </a:extLst>
           </p:cNvPr>
@@ -6605,7 +6605,7 @@
           <p:cNvPr id="12" name="Rectangle 11">
             <a:extLst>
               <a:ext uri="{FF2B5EF4-FFF2-40B4-BE49-F238E27FC236}">
-                <a16:creationId xmlns:a16="http://schemas.microsoft.com/office/drawing/2014/main" xmlns="" id="{BBA0478E-A529-CF4E-CE5C-583ACA20D66C}"/>
+                <a16:creationId xmlns="" xmlns:a16="http://schemas.microsoft.com/office/drawing/2014/main" id="{BBA0478E-A529-CF4E-CE5C-583ACA20D66C}"/>
               </a:ext>
             </a:extLst>
           </p:cNvPr>
@@ -6657,7 +6657,7 @@
           <p:cNvPr id="2" name="Title 1">
             <a:extLst>
               <a:ext uri="{FF2B5EF4-FFF2-40B4-BE49-F238E27FC236}">
-                <a16:creationId xmlns:a16="http://schemas.microsoft.com/office/drawing/2014/main" xmlns="" id="{3CD97974-B93C-4C96-B3F6-F69E3D6DE6CA}"/>
+                <a16:creationId xmlns="" xmlns:a16="http://schemas.microsoft.com/office/drawing/2014/main" id="{3CD97974-B93C-4C96-B3F6-F69E3D6DE6CA}"/>
               </a:ext>
             </a:extLst>
           </p:cNvPr>
@@ -6695,7 +6695,7 @@
           <p:cNvPr id="3" name="Content Placeholder 2">
             <a:extLst>
               <a:ext uri="{FF2B5EF4-FFF2-40B4-BE49-F238E27FC236}">
-                <a16:creationId xmlns:a16="http://schemas.microsoft.com/office/drawing/2014/main" xmlns="" id="{8A6FC6F2-80B4-49A7-9448-33FE2DF0E967}"/>
+                <a16:creationId xmlns="" xmlns:a16="http://schemas.microsoft.com/office/drawing/2014/main" id="{8A6FC6F2-80B4-49A7-9448-33FE2DF0E967}"/>
               </a:ext>
             </a:extLst>
           </p:cNvPr>
@@ -6778,7 +6778,7 @@
           <p:cNvPr id="6" name="TextBox 5">
             <a:extLst>
               <a:ext uri="{FF2B5EF4-FFF2-40B4-BE49-F238E27FC236}">
-                <a16:creationId xmlns:a16="http://schemas.microsoft.com/office/drawing/2014/main" xmlns="" id="{D17F99EA-AB5F-24F3-D971-2B9BDE3B4F3C}"/>
+                <a16:creationId xmlns="" xmlns:a16="http://schemas.microsoft.com/office/drawing/2014/main" id="{D17F99EA-AB5F-24F3-D971-2B9BDE3B4F3C}"/>
               </a:ext>
             </a:extLst>
           </p:cNvPr>
@@ -6810,7 +6810,7 @@
           <p:cNvPr id="9" name="Slide Number Placeholder 8">
             <a:extLst>
               <a:ext uri="{FF2B5EF4-FFF2-40B4-BE49-F238E27FC236}">
-                <a16:creationId xmlns:a16="http://schemas.microsoft.com/office/drawing/2014/main" xmlns="" id="{969BB099-33E8-8B24-7E54-70E7457A1C7B}"/>
+                <a16:creationId xmlns="" xmlns:a16="http://schemas.microsoft.com/office/drawing/2014/main" id="{969BB099-33E8-8B24-7E54-70E7457A1C7B}"/>
               </a:ext>
             </a:extLst>
           </p:cNvPr>
@@ -6848,7 +6848,7 @@
           <p:cNvPr id="10" name="Footer Placeholder 9">
             <a:extLst>
               <a:ext uri="{FF2B5EF4-FFF2-40B4-BE49-F238E27FC236}">
-                <a16:creationId xmlns:a16="http://schemas.microsoft.com/office/drawing/2014/main" xmlns="" id="{1E607086-83FC-E680-56CD-FD986ACF5B7E}"/>
+                <a16:creationId xmlns="" xmlns:a16="http://schemas.microsoft.com/office/drawing/2014/main" id="{1E607086-83FC-E680-56CD-FD986ACF5B7E}"/>
               </a:ext>
             </a:extLst>
           </p:cNvPr>
@@ -6884,7 +6884,7 @@
           <p:cNvPr id="7" name="Picture Placeholder 6">
             <a:extLst>
               <a:ext uri="{FF2B5EF4-FFF2-40B4-BE49-F238E27FC236}">
-                <a16:creationId xmlns:a16="http://schemas.microsoft.com/office/drawing/2014/main" xmlns="" id="{90AD0F96-99DE-C9D9-569E-AE6FC6307EA7}"/>
+                <a16:creationId xmlns="" xmlns:a16="http://schemas.microsoft.com/office/drawing/2014/main" id="{90AD0F96-99DE-C9D9-569E-AE6FC6307EA7}"/>
               </a:ext>
             </a:extLst>
           </p:cNvPr>
@@ -6927,7 +6927,7 @@
           <p:cNvPr id="11" name="Straight Connector 10">
             <a:extLst>
               <a:ext uri="{FF2B5EF4-FFF2-40B4-BE49-F238E27FC236}">
-                <a16:creationId xmlns:a16="http://schemas.microsoft.com/office/drawing/2014/main" xmlns="" id="{F036BAAC-D89F-682D-12A3-1C31F92F0FAF}"/>
+                <a16:creationId xmlns="" xmlns:a16="http://schemas.microsoft.com/office/drawing/2014/main" id="{F036BAAC-D89F-682D-12A3-1C31F92F0FAF}"/>
               </a:ext>
             </a:extLst>
           </p:cNvPr>
@@ -6970,7 +6970,7 @@
           <p:cNvPr id="5" name="Straight Connector 4">
             <a:extLst>
               <a:ext uri="{FF2B5EF4-FFF2-40B4-BE49-F238E27FC236}">
-                <a16:creationId xmlns:a16="http://schemas.microsoft.com/office/drawing/2014/main" xmlns="" id="{6F877625-E710-6DF2-3E49-374C6DD8DBC0}"/>
+                <a16:creationId xmlns="" xmlns:a16="http://schemas.microsoft.com/office/drawing/2014/main" id="{6F877625-E710-6DF2-3E49-374C6DD8DBC0}"/>
               </a:ext>
             </a:extLst>
           </p:cNvPr>
@@ -7051,7 +7051,7 @@
           <p:cNvPr id="10" name="Picture Placeholder 9">
             <a:extLst>
               <a:ext uri="{FF2B5EF4-FFF2-40B4-BE49-F238E27FC236}">
-                <a16:creationId xmlns:a16="http://schemas.microsoft.com/office/drawing/2014/main" xmlns="" id="{ED0AC02C-19A4-4754-CC96-34357DEFF55D}"/>
+                <a16:creationId xmlns="" xmlns:a16="http://schemas.microsoft.com/office/drawing/2014/main" id="{ED0AC02C-19A4-4754-CC96-34357DEFF55D}"/>
               </a:ext>
             </a:extLst>
           </p:cNvPr>
@@ -7166,7 +7166,7 @@
           <p:cNvPr id="2" name="Title 1">
             <a:extLst>
               <a:ext uri="{FF2B5EF4-FFF2-40B4-BE49-F238E27FC236}">
-                <a16:creationId xmlns:a16="http://schemas.microsoft.com/office/drawing/2014/main" xmlns="" id="{A2DFA2E8-50A1-4465-AC33-6FAC0E7736E9}"/>
+                <a16:creationId xmlns="" xmlns:a16="http://schemas.microsoft.com/office/drawing/2014/main" id="{A2DFA2E8-50A1-4465-AC33-6FAC0E7736E9}"/>
               </a:ext>
             </a:extLst>
           </p:cNvPr>
@@ -7204,7 +7204,7 @@
           <p:cNvPr id="3" name="Text Placeholder 2">
             <a:extLst>
               <a:ext uri="{FF2B5EF4-FFF2-40B4-BE49-F238E27FC236}">
-                <a16:creationId xmlns:a16="http://schemas.microsoft.com/office/drawing/2014/main" xmlns="" id="{2E65DE34-CDB7-41F7-A95A-592B99558C69}"/>
+                <a16:creationId xmlns="" xmlns:a16="http://schemas.microsoft.com/office/drawing/2014/main" id="{2E65DE34-CDB7-41F7-A95A-592B99558C69}"/>
               </a:ext>
             </a:extLst>
           </p:cNvPr>
@@ -7327,7 +7327,7 @@
           <p:cNvPr id="12" name="Rectangle 11">
             <a:extLst>
               <a:ext uri="{FF2B5EF4-FFF2-40B4-BE49-F238E27FC236}">
-                <a16:creationId xmlns:a16="http://schemas.microsoft.com/office/drawing/2014/main" xmlns="" id="{42E7004C-CFEF-6E88-A3C1-60FBC7F8CD13}"/>
+                <a16:creationId xmlns="" xmlns:a16="http://schemas.microsoft.com/office/drawing/2014/main" id="{42E7004C-CFEF-6E88-A3C1-60FBC7F8CD13}"/>
               </a:ext>
             </a:extLst>
           </p:cNvPr>
@@ -7406,7 +7406,7 @@
           <p:cNvPr id="2" name="Title 1">
             <a:extLst>
               <a:ext uri="{FF2B5EF4-FFF2-40B4-BE49-F238E27FC236}">
-                <a16:creationId xmlns:a16="http://schemas.microsoft.com/office/drawing/2014/main" xmlns="" id="{3CD97974-B93C-4C96-B3F6-F69E3D6DE6CA}"/>
+                <a16:creationId xmlns="" xmlns:a16="http://schemas.microsoft.com/office/drawing/2014/main" id="{3CD97974-B93C-4C96-B3F6-F69E3D6DE6CA}"/>
               </a:ext>
             </a:extLst>
           </p:cNvPr>
@@ -7444,7 +7444,7 @@
           <p:cNvPr id="3" name="Content Placeholder 2">
             <a:extLst>
               <a:ext uri="{FF2B5EF4-FFF2-40B4-BE49-F238E27FC236}">
-                <a16:creationId xmlns:a16="http://schemas.microsoft.com/office/drawing/2014/main" xmlns="" id="{8A6FC6F2-80B4-49A7-9448-33FE2DF0E967}"/>
+                <a16:creationId xmlns="" xmlns:a16="http://schemas.microsoft.com/office/drawing/2014/main" id="{8A6FC6F2-80B4-49A7-9448-33FE2DF0E967}"/>
               </a:ext>
             </a:extLst>
           </p:cNvPr>
@@ -7522,7 +7522,7 @@
           <p:cNvPr id="6" name="TextBox 5">
             <a:extLst>
               <a:ext uri="{FF2B5EF4-FFF2-40B4-BE49-F238E27FC236}">
-                <a16:creationId xmlns:a16="http://schemas.microsoft.com/office/drawing/2014/main" xmlns="" id="{D17F99EA-AB5F-24F3-D971-2B9BDE3B4F3C}"/>
+                <a16:creationId xmlns="" xmlns:a16="http://schemas.microsoft.com/office/drawing/2014/main" id="{D17F99EA-AB5F-24F3-D971-2B9BDE3B4F3C}"/>
               </a:ext>
             </a:extLst>
           </p:cNvPr>
@@ -7554,7 +7554,7 @@
           <p:cNvPr id="9" name="Slide Number Placeholder 8">
             <a:extLst>
               <a:ext uri="{FF2B5EF4-FFF2-40B4-BE49-F238E27FC236}">
-                <a16:creationId xmlns:a16="http://schemas.microsoft.com/office/drawing/2014/main" xmlns="" id="{969BB099-33E8-8B24-7E54-70E7457A1C7B}"/>
+                <a16:creationId xmlns="" xmlns:a16="http://schemas.microsoft.com/office/drawing/2014/main" id="{969BB099-33E8-8B24-7E54-70E7457A1C7B}"/>
               </a:ext>
             </a:extLst>
           </p:cNvPr>
@@ -7583,7 +7583,7 @@
           <p:cNvPr id="10" name="Footer Placeholder 9">
             <a:extLst>
               <a:ext uri="{FF2B5EF4-FFF2-40B4-BE49-F238E27FC236}">
-                <a16:creationId xmlns:a16="http://schemas.microsoft.com/office/drawing/2014/main" xmlns="" id="{1E607086-83FC-E680-56CD-FD986ACF5B7E}"/>
+                <a16:creationId xmlns="" xmlns:a16="http://schemas.microsoft.com/office/drawing/2014/main" id="{1E607086-83FC-E680-56CD-FD986ACF5B7E}"/>
               </a:ext>
             </a:extLst>
           </p:cNvPr>
@@ -7641,7 +7641,7 @@
           <p:cNvPr id="2" name="Title 1">
             <a:extLst>
               <a:ext uri="{FF2B5EF4-FFF2-40B4-BE49-F238E27FC236}">
-                <a16:creationId xmlns:a16="http://schemas.microsoft.com/office/drawing/2014/main" xmlns="" id="{3CD97974-B93C-4C96-B3F6-F69E3D6DE6CA}"/>
+                <a16:creationId xmlns="" xmlns:a16="http://schemas.microsoft.com/office/drawing/2014/main" id="{3CD97974-B93C-4C96-B3F6-F69E3D6DE6CA}"/>
               </a:ext>
             </a:extLst>
           </p:cNvPr>
@@ -7679,7 +7679,7 @@
           <p:cNvPr id="3" name="Content Placeholder 2">
             <a:extLst>
               <a:ext uri="{FF2B5EF4-FFF2-40B4-BE49-F238E27FC236}">
-                <a16:creationId xmlns:a16="http://schemas.microsoft.com/office/drawing/2014/main" xmlns="" id="{8A6FC6F2-80B4-49A7-9448-33FE2DF0E967}"/>
+                <a16:creationId xmlns="" xmlns:a16="http://schemas.microsoft.com/office/drawing/2014/main" id="{8A6FC6F2-80B4-49A7-9448-33FE2DF0E967}"/>
               </a:ext>
             </a:extLst>
           </p:cNvPr>
@@ -7758,7 +7758,7 @@
           <p:cNvPr id="6" name="TextBox 5">
             <a:extLst>
               <a:ext uri="{FF2B5EF4-FFF2-40B4-BE49-F238E27FC236}">
-                <a16:creationId xmlns:a16="http://schemas.microsoft.com/office/drawing/2014/main" xmlns="" id="{D17F99EA-AB5F-24F3-D971-2B9BDE3B4F3C}"/>
+                <a16:creationId xmlns="" xmlns:a16="http://schemas.microsoft.com/office/drawing/2014/main" id="{D17F99EA-AB5F-24F3-D971-2B9BDE3B4F3C}"/>
               </a:ext>
             </a:extLst>
           </p:cNvPr>
@@ -7790,7 +7790,7 @@
           <p:cNvPr id="9" name="Slide Number Placeholder 8">
             <a:extLst>
               <a:ext uri="{FF2B5EF4-FFF2-40B4-BE49-F238E27FC236}">
-                <a16:creationId xmlns:a16="http://schemas.microsoft.com/office/drawing/2014/main" xmlns="" id="{969BB099-33E8-8B24-7E54-70E7457A1C7B}"/>
+                <a16:creationId xmlns="" xmlns:a16="http://schemas.microsoft.com/office/drawing/2014/main" id="{969BB099-33E8-8B24-7E54-70E7457A1C7B}"/>
               </a:ext>
             </a:extLst>
           </p:cNvPr>
@@ -7819,7 +7819,7 @@
           <p:cNvPr id="10" name="Footer Placeholder 9">
             <a:extLst>
               <a:ext uri="{FF2B5EF4-FFF2-40B4-BE49-F238E27FC236}">
-                <a16:creationId xmlns:a16="http://schemas.microsoft.com/office/drawing/2014/main" xmlns="" id="{1E607086-83FC-E680-56CD-FD986ACF5B7E}"/>
+                <a16:creationId xmlns="" xmlns:a16="http://schemas.microsoft.com/office/drawing/2014/main" id="{1E607086-83FC-E680-56CD-FD986ACF5B7E}"/>
               </a:ext>
             </a:extLst>
           </p:cNvPr>
@@ -7877,7 +7877,7 @@
           <p:cNvPr id="6" name="TextBox 5">
             <a:extLst>
               <a:ext uri="{FF2B5EF4-FFF2-40B4-BE49-F238E27FC236}">
-                <a16:creationId xmlns:a16="http://schemas.microsoft.com/office/drawing/2014/main" xmlns="" id="{D17F99EA-AB5F-24F3-D971-2B9BDE3B4F3C}"/>
+                <a16:creationId xmlns="" xmlns:a16="http://schemas.microsoft.com/office/drawing/2014/main" id="{D17F99EA-AB5F-24F3-D971-2B9BDE3B4F3C}"/>
               </a:ext>
             </a:extLst>
           </p:cNvPr>
@@ -7909,7 +7909,7 @@
           <p:cNvPr id="9" name="Slide Number Placeholder 8">
             <a:extLst>
               <a:ext uri="{FF2B5EF4-FFF2-40B4-BE49-F238E27FC236}">
-                <a16:creationId xmlns:a16="http://schemas.microsoft.com/office/drawing/2014/main" xmlns="" id="{969BB099-33E8-8B24-7E54-70E7457A1C7B}"/>
+                <a16:creationId xmlns="" xmlns:a16="http://schemas.microsoft.com/office/drawing/2014/main" id="{969BB099-33E8-8B24-7E54-70E7457A1C7B}"/>
               </a:ext>
             </a:extLst>
           </p:cNvPr>
@@ -7938,7 +7938,7 @@
           <p:cNvPr id="10" name="Footer Placeholder 9">
             <a:extLst>
               <a:ext uri="{FF2B5EF4-FFF2-40B4-BE49-F238E27FC236}">
-                <a16:creationId xmlns:a16="http://schemas.microsoft.com/office/drawing/2014/main" xmlns="" id="{1E607086-83FC-E680-56CD-FD986ACF5B7E}"/>
+                <a16:creationId xmlns="" xmlns:a16="http://schemas.microsoft.com/office/drawing/2014/main" id="{1E607086-83FC-E680-56CD-FD986ACF5B7E}"/>
               </a:ext>
             </a:extLst>
           </p:cNvPr>
@@ -7966,7 +7966,7 @@
           <p:cNvPr id="5" name="Picture Placeholder 4">
             <a:extLst>
               <a:ext uri="{FF2B5EF4-FFF2-40B4-BE49-F238E27FC236}">
-                <a16:creationId xmlns:a16="http://schemas.microsoft.com/office/drawing/2014/main" xmlns="" id="{B7811310-A21F-0BFB-8198-22EDFCF9F45B}"/>
+                <a16:creationId xmlns="" xmlns:a16="http://schemas.microsoft.com/office/drawing/2014/main" id="{B7811310-A21F-0BFB-8198-22EDFCF9F45B}"/>
               </a:ext>
             </a:extLst>
           </p:cNvPr>
@@ -8005,7 +8005,7 @@
           <p:cNvPr id="7" name="Straight Connector 6">
             <a:extLst>
               <a:ext uri="{FF2B5EF4-FFF2-40B4-BE49-F238E27FC236}">
-                <a16:creationId xmlns:a16="http://schemas.microsoft.com/office/drawing/2014/main" xmlns="" id="{A73D2EFC-F14F-5508-06EE-4E5B5C535E16}"/>
+                <a16:creationId xmlns="" xmlns:a16="http://schemas.microsoft.com/office/drawing/2014/main" id="{A73D2EFC-F14F-5508-06EE-4E5B5C535E16}"/>
               </a:ext>
             </a:extLst>
           </p:cNvPr>
@@ -8048,7 +8048,7 @@
           <p:cNvPr id="8" name="Subtitle 2">
             <a:extLst>
               <a:ext uri="{FF2B5EF4-FFF2-40B4-BE49-F238E27FC236}">
-                <a16:creationId xmlns:a16="http://schemas.microsoft.com/office/drawing/2014/main" xmlns="" id="{28A6ACFB-D620-056D-1C62-903C5FBCEBCF}"/>
+                <a16:creationId xmlns="" xmlns:a16="http://schemas.microsoft.com/office/drawing/2014/main" id="{28A6ACFB-D620-056D-1C62-903C5FBCEBCF}"/>
               </a:ext>
             </a:extLst>
           </p:cNvPr>
@@ -8121,7 +8121,7 @@
           <p:cNvPr id="2" name="Title 1">
             <a:extLst>
               <a:ext uri="{FF2B5EF4-FFF2-40B4-BE49-F238E27FC236}">
-                <a16:creationId xmlns:a16="http://schemas.microsoft.com/office/drawing/2014/main" xmlns="" id="{3CD97974-B93C-4C96-B3F6-F69E3D6DE6CA}"/>
+                <a16:creationId xmlns="" xmlns:a16="http://schemas.microsoft.com/office/drawing/2014/main" id="{3CD97974-B93C-4C96-B3F6-F69E3D6DE6CA}"/>
               </a:ext>
             </a:extLst>
           </p:cNvPr>
@@ -8194,7 +8194,7 @@
           <p:cNvPr id="2" name="Title 1">
             <a:extLst>
               <a:ext uri="{FF2B5EF4-FFF2-40B4-BE49-F238E27FC236}">
-                <a16:creationId xmlns:a16="http://schemas.microsoft.com/office/drawing/2014/main" xmlns="" id="{0783ED19-9B5E-8852-24D6-62401816CBB7}"/>
+                <a16:creationId xmlns="" xmlns:a16="http://schemas.microsoft.com/office/drawing/2014/main" id="{0783ED19-9B5E-8852-24D6-62401816CBB7}"/>
               </a:ext>
             </a:extLst>
           </p:cNvPr>
@@ -8232,7 +8232,7 @@
           <p:cNvPr id="3" name="Slide Number Placeholder 2">
             <a:extLst>
               <a:ext uri="{FF2B5EF4-FFF2-40B4-BE49-F238E27FC236}">
-                <a16:creationId xmlns:a16="http://schemas.microsoft.com/office/drawing/2014/main" xmlns="" id="{4307A8A0-5009-A086-A6AE-542CA4684892}"/>
+                <a16:creationId xmlns="" xmlns:a16="http://schemas.microsoft.com/office/drawing/2014/main" id="{4307A8A0-5009-A086-A6AE-542CA4684892}"/>
               </a:ext>
             </a:extLst>
           </p:cNvPr>
@@ -8262,7 +8262,7 @@
           <p:cNvPr id="4" name="Footer Placeholder 3">
             <a:extLst>
               <a:ext uri="{FF2B5EF4-FFF2-40B4-BE49-F238E27FC236}">
-                <a16:creationId xmlns:a16="http://schemas.microsoft.com/office/drawing/2014/main" xmlns="" id="{56746F73-AB2D-A55B-67FD-85A2F20D50E8}"/>
+                <a16:creationId xmlns="" xmlns:a16="http://schemas.microsoft.com/office/drawing/2014/main" id="{56746F73-AB2D-A55B-67FD-85A2F20D50E8}"/>
               </a:ext>
             </a:extLst>
           </p:cNvPr>
@@ -8290,7 +8290,7 @@
           <p:cNvPr id="5" name="Picture Placeholder 8">
             <a:extLst>
               <a:ext uri="{FF2B5EF4-FFF2-40B4-BE49-F238E27FC236}">
-                <a16:creationId xmlns:a16="http://schemas.microsoft.com/office/drawing/2014/main" xmlns="" id="{6F01F221-54DA-6EF2-D9DE-2B9A7AB60B1C}"/>
+                <a16:creationId xmlns="" xmlns:a16="http://schemas.microsoft.com/office/drawing/2014/main" id="{6F01F221-54DA-6EF2-D9DE-2B9A7AB60B1C}"/>
               </a:ext>
             </a:extLst>
           </p:cNvPr>
@@ -8334,7 +8334,7 @@
           <p:cNvPr id="6" name="Picture Placeholder 8">
             <a:extLst>
               <a:ext uri="{FF2B5EF4-FFF2-40B4-BE49-F238E27FC236}">
-                <a16:creationId xmlns:a16="http://schemas.microsoft.com/office/drawing/2014/main" xmlns="" id="{9BEECCD2-A0EF-0622-7377-A2BAE978656E}"/>
+                <a16:creationId xmlns="" xmlns:a16="http://schemas.microsoft.com/office/drawing/2014/main" id="{9BEECCD2-A0EF-0622-7377-A2BAE978656E}"/>
               </a:ext>
             </a:extLst>
           </p:cNvPr>
@@ -8378,7 +8378,7 @@
           <p:cNvPr id="7" name="Picture Placeholder 8">
             <a:extLst>
               <a:ext uri="{FF2B5EF4-FFF2-40B4-BE49-F238E27FC236}">
-                <a16:creationId xmlns:a16="http://schemas.microsoft.com/office/drawing/2014/main" xmlns="" id="{DDD9A982-D940-ADB7-F949-B3898D1984E6}"/>
+                <a16:creationId xmlns="" xmlns:a16="http://schemas.microsoft.com/office/drawing/2014/main" id="{DDD9A982-D940-ADB7-F949-B3898D1984E6}"/>
               </a:ext>
             </a:extLst>
           </p:cNvPr>
@@ -8422,7 +8422,7 @@
           <p:cNvPr id="8" name="Picture Placeholder 8">
             <a:extLst>
               <a:ext uri="{FF2B5EF4-FFF2-40B4-BE49-F238E27FC236}">
-                <a16:creationId xmlns:a16="http://schemas.microsoft.com/office/drawing/2014/main" xmlns="" id="{492630AD-4FA0-C5D3-DC29-AE0E67CB6CAA}"/>
+                <a16:creationId xmlns="" xmlns:a16="http://schemas.microsoft.com/office/drawing/2014/main" id="{492630AD-4FA0-C5D3-DC29-AE0E67CB6CAA}"/>
               </a:ext>
             </a:extLst>
           </p:cNvPr>
@@ -8466,7 +8466,7 @@
           <p:cNvPr id="9" name="Text Placeholder 13">
             <a:extLst>
               <a:ext uri="{FF2B5EF4-FFF2-40B4-BE49-F238E27FC236}">
-                <a16:creationId xmlns:a16="http://schemas.microsoft.com/office/drawing/2014/main" xmlns="" id="{AA3DDCC3-9231-434E-A1D1-8A078DE7BF10}"/>
+                <a16:creationId xmlns="" xmlns:a16="http://schemas.microsoft.com/office/drawing/2014/main" id="{AA3DDCC3-9231-434E-A1D1-8A078DE7BF10}"/>
               </a:ext>
             </a:extLst>
           </p:cNvPr>
@@ -8518,7 +8518,7 @@
           <p:cNvPr id="10" name="Text Placeholder 13">
             <a:extLst>
               <a:ext uri="{FF2B5EF4-FFF2-40B4-BE49-F238E27FC236}">
-                <a16:creationId xmlns:a16="http://schemas.microsoft.com/office/drawing/2014/main" xmlns="" id="{970A1046-F88C-E11E-0E2E-A7F3AEDB3A26}"/>
+                <a16:creationId xmlns="" xmlns:a16="http://schemas.microsoft.com/office/drawing/2014/main" id="{970A1046-F88C-E11E-0E2E-A7F3AEDB3A26}"/>
               </a:ext>
             </a:extLst>
           </p:cNvPr>
@@ -8570,7 +8570,7 @@
           <p:cNvPr id="11" name="Text Placeholder 13">
             <a:extLst>
               <a:ext uri="{FF2B5EF4-FFF2-40B4-BE49-F238E27FC236}">
-                <a16:creationId xmlns:a16="http://schemas.microsoft.com/office/drawing/2014/main" xmlns="" id="{BF27FC0A-1C34-6BFF-806A-6911C16F2184}"/>
+                <a16:creationId xmlns="" xmlns:a16="http://schemas.microsoft.com/office/drawing/2014/main" id="{BF27FC0A-1C34-6BFF-806A-6911C16F2184}"/>
               </a:ext>
             </a:extLst>
           </p:cNvPr>
@@ -8622,7 +8622,7 @@
           <p:cNvPr id="12" name="Text Placeholder 13">
             <a:extLst>
               <a:ext uri="{FF2B5EF4-FFF2-40B4-BE49-F238E27FC236}">
-                <a16:creationId xmlns:a16="http://schemas.microsoft.com/office/drawing/2014/main" xmlns="" id="{EF94CC5A-0B90-D0D3-CF42-2A9B86331729}"/>
+                <a16:creationId xmlns="" xmlns:a16="http://schemas.microsoft.com/office/drawing/2014/main" id="{EF94CC5A-0B90-D0D3-CF42-2A9B86331729}"/>
               </a:ext>
             </a:extLst>
           </p:cNvPr>
@@ -8674,7 +8674,7 @@
           <p:cNvPr id="13" name="Text Placeholder 13">
             <a:extLst>
               <a:ext uri="{FF2B5EF4-FFF2-40B4-BE49-F238E27FC236}">
-                <a16:creationId xmlns:a16="http://schemas.microsoft.com/office/drawing/2014/main" xmlns="" id="{8E685B28-FC51-9FE8-2F7E-C8255BD75945}"/>
+                <a16:creationId xmlns="" xmlns:a16="http://schemas.microsoft.com/office/drawing/2014/main" id="{8E685B28-FC51-9FE8-2F7E-C8255BD75945}"/>
               </a:ext>
             </a:extLst>
           </p:cNvPr>
@@ -8726,7 +8726,7 @@
           <p:cNvPr id="14" name="Text Placeholder 13">
             <a:extLst>
               <a:ext uri="{FF2B5EF4-FFF2-40B4-BE49-F238E27FC236}">
-                <a16:creationId xmlns:a16="http://schemas.microsoft.com/office/drawing/2014/main" xmlns="" id="{B472F1E6-DAE5-AE6D-F688-575FC243CD0C}"/>
+                <a16:creationId xmlns="" xmlns:a16="http://schemas.microsoft.com/office/drawing/2014/main" id="{B472F1E6-DAE5-AE6D-F688-575FC243CD0C}"/>
               </a:ext>
             </a:extLst>
           </p:cNvPr>
@@ -8778,7 +8778,7 @@
           <p:cNvPr id="15" name="Text Placeholder 13">
             <a:extLst>
               <a:ext uri="{FF2B5EF4-FFF2-40B4-BE49-F238E27FC236}">
-                <a16:creationId xmlns:a16="http://schemas.microsoft.com/office/drawing/2014/main" xmlns="" id="{7138E486-F729-AEC8-0C2D-44FA21EDC617}"/>
+                <a16:creationId xmlns="" xmlns:a16="http://schemas.microsoft.com/office/drawing/2014/main" id="{7138E486-F729-AEC8-0C2D-44FA21EDC617}"/>
               </a:ext>
             </a:extLst>
           </p:cNvPr>
@@ -8830,7 +8830,7 @@
           <p:cNvPr id="16" name="Text Placeholder 13">
             <a:extLst>
               <a:ext uri="{FF2B5EF4-FFF2-40B4-BE49-F238E27FC236}">
-                <a16:creationId xmlns:a16="http://schemas.microsoft.com/office/drawing/2014/main" xmlns="" id="{0F182FA8-4DA0-527F-89C3-96D9A996F2C7}"/>
+                <a16:creationId xmlns="" xmlns:a16="http://schemas.microsoft.com/office/drawing/2014/main" id="{0F182FA8-4DA0-527F-89C3-96D9A996F2C7}"/>
               </a:ext>
             </a:extLst>
           </p:cNvPr>
@@ -8882,7 +8882,7 @@
           <p:cNvPr id="18" name="Straight Connector 17">
             <a:extLst>
               <a:ext uri="{FF2B5EF4-FFF2-40B4-BE49-F238E27FC236}">
-                <a16:creationId xmlns:a16="http://schemas.microsoft.com/office/drawing/2014/main" xmlns="" id="{B6E73E07-0346-2BA8-44BC-6CB3BDEAAA99}"/>
+                <a16:creationId xmlns="" xmlns:a16="http://schemas.microsoft.com/office/drawing/2014/main" id="{B6E73E07-0346-2BA8-44BC-6CB3BDEAAA99}"/>
               </a:ext>
             </a:extLst>
           </p:cNvPr>
@@ -8925,7 +8925,7 @@
           <p:cNvPr id="19" name="Straight Connector 18">
             <a:extLst>
               <a:ext uri="{FF2B5EF4-FFF2-40B4-BE49-F238E27FC236}">
-                <a16:creationId xmlns:a16="http://schemas.microsoft.com/office/drawing/2014/main" xmlns="" id="{56E62977-27C7-5882-6A33-75257911D09A}"/>
+                <a16:creationId xmlns="" xmlns:a16="http://schemas.microsoft.com/office/drawing/2014/main" id="{56E62977-27C7-5882-6A33-75257911D09A}"/>
               </a:ext>
             </a:extLst>
           </p:cNvPr>
@@ -8968,7 +8968,7 @@
           <p:cNvPr id="20" name="Straight Connector 19">
             <a:extLst>
               <a:ext uri="{FF2B5EF4-FFF2-40B4-BE49-F238E27FC236}">
-                <a16:creationId xmlns:a16="http://schemas.microsoft.com/office/drawing/2014/main" xmlns="" id="{E705476C-2972-A423-7282-BABA9AAB32E6}"/>
+                <a16:creationId xmlns="" xmlns:a16="http://schemas.microsoft.com/office/drawing/2014/main" id="{E705476C-2972-A423-7282-BABA9AAB32E6}"/>
               </a:ext>
             </a:extLst>
           </p:cNvPr>
@@ -9011,7 +9011,7 @@
           <p:cNvPr id="21" name="Straight Connector 20">
             <a:extLst>
               <a:ext uri="{FF2B5EF4-FFF2-40B4-BE49-F238E27FC236}">
-                <a16:creationId xmlns:a16="http://schemas.microsoft.com/office/drawing/2014/main" xmlns="" id="{DE0D781B-3CB4-A523-427F-3D444B28E60E}"/>
+                <a16:creationId xmlns="" xmlns:a16="http://schemas.microsoft.com/office/drawing/2014/main" id="{DE0D781B-3CB4-A523-427F-3D444B28E60E}"/>
               </a:ext>
             </a:extLst>
           </p:cNvPr>
@@ -9084,7 +9084,7 @@
           <p:cNvPr id="2" name="Title 1">
             <a:extLst>
               <a:ext uri="{FF2B5EF4-FFF2-40B4-BE49-F238E27FC236}">
-                <a16:creationId xmlns:a16="http://schemas.microsoft.com/office/drawing/2014/main" xmlns="" id="{0783ED19-9B5E-8852-24D6-62401816CBB7}"/>
+                <a16:creationId xmlns="" xmlns:a16="http://schemas.microsoft.com/office/drawing/2014/main" id="{0783ED19-9B5E-8852-24D6-62401816CBB7}"/>
               </a:ext>
             </a:extLst>
           </p:cNvPr>
@@ -9122,7 +9122,7 @@
           <p:cNvPr id="3" name="Slide Number Placeholder 2">
             <a:extLst>
               <a:ext uri="{FF2B5EF4-FFF2-40B4-BE49-F238E27FC236}">
-                <a16:creationId xmlns:a16="http://schemas.microsoft.com/office/drawing/2014/main" xmlns="" id="{4307A8A0-5009-A086-A6AE-542CA4684892}"/>
+                <a16:creationId xmlns="" xmlns:a16="http://schemas.microsoft.com/office/drawing/2014/main" id="{4307A8A0-5009-A086-A6AE-542CA4684892}"/>
               </a:ext>
             </a:extLst>
           </p:cNvPr>
@@ -9152,7 +9152,7 @@
           <p:cNvPr id="4" name="Footer Placeholder 3">
             <a:extLst>
               <a:ext uri="{FF2B5EF4-FFF2-40B4-BE49-F238E27FC236}">
-                <a16:creationId xmlns:a16="http://schemas.microsoft.com/office/drawing/2014/main" xmlns="" id="{56746F73-AB2D-A55B-67FD-85A2F20D50E8}"/>
+                <a16:creationId xmlns="" xmlns:a16="http://schemas.microsoft.com/office/drawing/2014/main" id="{56746F73-AB2D-A55B-67FD-85A2F20D50E8}"/>
               </a:ext>
             </a:extLst>
           </p:cNvPr>
@@ -9180,7 +9180,7 @@
           <p:cNvPr id="5" name="Picture Placeholder 8">
             <a:extLst>
               <a:ext uri="{FF2B5EF4-FFF2-40B4-BE49-F238E27FC236}">
-                <a16:creationId xmlns:a16="http://schemas.microsoft.com/office/drawing/2014/main" xmlns="" id="{6F01F221-54DA-6EF2-D9DE-2B9A7AB60B1C}"/>
+                <a16:creationId xmlns="" xmlns:a16="http://schemas.microsoft.com/office/drawing/2014/main" id="{6F01F221-54DA-6EF2-D9DE-2B9A7AB60B1C}"/>
               </a:ext>
             </a:extLst>
           </p:cNvPr>
@@ -9224,7 +9224,7 @@
           <p:cNvPr id="6" name="Picture Placeholder 8">
             <a:extLst>
               <a:ext uri="{FF2B5EF4-FFF2-40B4-BE49-F238E27FC236}">
-                <a16:creationId xmlns:a16="http://schemas.microsoft.com/office/drawing/2014/main" xmlns="" id="{9BEECCD2-A0EF-0622-7377-A2BAE978656E}"/>
+                <a16:creationId xmlns="" xmlns:a16="http://schemas.microsoft.com/office/drawing/2014/main" id="{9BEECCD2-A0EF-0622-7377-A2BAE978656E}"/>
               </a:ext>
             </a:extLst>
           </p:cNvPr>
@@ -9268,7 +9268,7 @@
           <p:cNvPr id="7" name="Picture Placeholder 8">
             <a:extLst>
               <a:ext uri="{FF2B5EF4-FFF2-40B4-BE49-F238E27FC236}">
-                <a16:creationId xmlns:a16="http://schemas.microsoft.com/office/drawing/2014/main" xmlns="" id="{DDD9A982-D940-ADB7-F949-B3898D1984E6}"/>
+                <a16:creationId xmlns="" xmlns:a16="http://schemas.microsoft.com/office/drawing/2014/main" id="{DDD9A982-D940-ADB7-F949-B3898D1984E6}"/>
               </a:ext>
             </a:extLst>
           </p:cNvPr>
@@ -9312,7 +9312,7 @@
           <p:cNvPr id="8" name="Picture Placeholder 8">
             <a:extLst>
               <a:ext uri="{FF2B5EF4-FFF2-40B4-BE49-F238E27FC236}">
-                <a16:creationId xmlns:a16="http://schemas.microsoft.com/office/drawing/2014/main" xmlns="" id="{492630AD-4FA0-C5D3-DC29-AE0E67CB6CAA}"/>
+                <a16:creationId xmlns="" xmlns:a16="http://schemas.microsoft.com/office/drawing/2014/main" id="{492630AD-4FA0-C5D3-DC29-AE0E67CB6CAA}"/>
               </a:ext>
             </a:extLst>
           </p:cNvPr>
@@ -9356,7 +9356,7 @@
           <p:cNvPr id="9" name="Text Placeholder 13">
             <a:extLst>
               <a:ext uri="{FF2B5EF4-FFF2-40B4-BE49-F238E27FC236}">
-                <a16:creationId xmlns:a16="http://schemas.microsoft.com/office/drawing/2014/main" xmlns="" id="{AA3DDCC3-9231-434E-A1D1-8A078DE7BF10}"/>
+                <a16:creationId xmlns="" xmlns:a16="http://schemas.microsoft.com/office/drawing/2014/main" id="{AA3DDCC3-9231-434E-A1D1-8A078DE7BF10}"/>
               </a:ext>
             </a:extLst>
           </p:cNvPr>
@@ -9408,7 +9408,7 @@
           <p:cNvPr id="10" name="Text Placeholder 13">
             <a:extLst>
               <a:ext uri="{FF2B5EF4-FFF2-40B4-BE49-F238E27FC236}">
-                <a16:creationId xmlns:a16="http://schemas.microsoft.com/office/drawing/2014/main" xmlns="" id="{970A1046-F88C-E11E-0E2E-A7F3AEDB3A26}"/>
+                <a16:creationId xmlns="" xmlns:a16="http://schemas.microsoft.com/office/drawing/2014/main" id="{970A1046-F88C-E11E-0E2E-A7F3AEDB3A26}"/>
               </a:ext>
             </a:extLst>
           </p:cNvPr>
@@ -9460,7 +9460,7 @@
           <p:cNvPr id="11" name="Text Placeholder 13">
             <a:extLst>
               <a:ext uri="{FF2B5EF4-FFF2-40B4-BE49-F238E27FC236}">
-                <a16:creationId xmlns:a16="http://schemas.microsoft.com/office/drawing/2014/main" xmlns="" id="{BF27FC0A-1C34-6BFF-806A-6911C16F2184}"/>
+                <a16:creationId xmlns="" xmlns:a16="http://schemas.microsoft.com/office/drawing/2014/main" id="{BF27FC0A-1C34-6BFF-806A-6911C16F2184}"/>
               </a:ext>
             </a:extLst>
           </p:cNvPr>
@@ -9512,7 +9512,7 @@
           <p:cNvPr id="12" name="Text Placeholder 13">
             <a:extLst>
               <a:ext uri="{FF2B5EF4-FFF2-40B4-BE49-F238E27FC236}">
-                <a16:creationId xmlns:a16="http://schemas.microsoft.com/office/drawing/2014/main" xmlns="" id="{EF94CC5A-0B90-D0D3-CF42-2A9B86331729}"/>
+                <a16:creationId xmlns="" xmlns:a16="http://schemas.microsoft.com/office/drawing/2014/main" id="{EF94CC5A-0B90-D0D3-CF42-2A9B86331729}"/>
               </a:ext>
             </a:extLst>
           </p:cNvPr>
@@ -9564,7 +9564,7 @@
           <p:cNvPr id="13" name="Text Placeholder 13">
             <a:extLst>
               <a:ext uri="{FF2B5EF4-FFF2-40B4-BE49-F238E27FC236}">
-                <a16:creationId xmlns:a16="http://schemas.microsoft.com/office/drawing/2014/main" xmlns="" id="{8E685B28-FC51-9FE8-2F7E-C8255BD75945}"/>
+                <a16:creationId xmlns="" xmlns:a16="http://schemas.microsoft.com/office/drawing/2014/main" id="{8E685B28-FC51-9FE8-2F7E-C8255BD75945}"/>
               </a:ext>
             </a:extLst>
           </p:cNvPr>
@@ -9616,7 +9616,7 @@
           <p:cNvPr id="14" name="Text Placeholder 13">
             <a:extLst>
               <a:ext uri="{FF2B5EF4-FFF2-40B4-BE49-F238E27FC236}">
-                <a16:creationId xmlns:a16="http://schemas.microsoft.com/office/drawing/2014/main" xmlns="" id="{B472F1E6-DAE5-AE6D-F688-575FC243CD0C}"/>
+                <a16:creationId xmlns="" xmlns:a16="http://schemas.microsoft.com/office/drawing/2014/main" id="{B472F1E6-DAE5-AE6D-F688-575FC243CD0C}"/>
               </a:ext>
             </a:extLst>
           </p:cNvPr>
@@ -9668,7 +9668,7 @@
           <p:cNvPr id="15" name="Text Placeholder 13">
             <a:extLst>
               <a:ext uri="{FF2B5EF4-FFF2-40B4-BE49-F238E27FC236}">
-                <a16:creationId xmlns:a16="http://schemas.microsoft.com/office/drawing/2014/main" xmlns="" id="{7138E486-F729-AEC8-0C2D-44FA21EDC617}"/>
+                <a16:creationId xmlns="" xmlns:a16="http://schemas.microsoft.com/office/drawing/2014/main" id="{7138E486-F729-AEC8-0C2D-44FA21EDC617}"/>
               </a:ext>
             </a:extLst>
           </p:cNvPr>
@@ -9720,7 +9720,7 @@
           <p:cNvPr id="16" name="Text Placeholder 13">
             <a:extLst>
               <a:ext uri="{FF2B5EF4-FFF2-40B4-BE49-F238E27FC236}">
-                <a16:creationId xmlns:a16="http://schemas.microsoft.com/office/drawing/2014/main" xmlns="" id="{0F182FA8-4DA0-527F-89C3-96D9A996F2C7}"/>
+                <a16:creationId xmlns="" xmlns:a16="http://schemas.microsoft.com/office/drawing/2014/main" id="{0F182FA8-4DA0-527F-89C3-96D9A996F2C7}"/>
               </a:ext>
             </a:extLst>
           </p:cNvPr>
@@ -9772,7 +9772,7 @@
           <p:cNvPr id="17" name="Straight Connector 16">
             <a:extLst>
               <a:ext uri="{FF2B5EF4-FFF2-40B4-BE49-F238E27FC236}">
-                <a16:creationId xmlns:a16="http://schemas.microsoft.com/office/drawing/2014/main" xmlns="" id="{BF42A71B-2F05-7F67-85C0-0C5AA947983D}"/>
+                <a16:creationId xmlns="" xmlns:a16="http://schemas.microsoft.com/office/drawing/2014/main" id="{BF42A71B-2F05-7F67-85C0-0C5AA947983D}"/>
               </a:ext>
             </a:extLst>
           </p:cNvPr>
@@ -9815,7 +9815,7 @@
           <p:cNvPr id="18" name="Straight Connector 17">
             <a:extLst>
               <a:ext uri="{FF2B5EF4-FFF2-40B4-BE49-F238E27FC236}">
-                <a16:creationId xmlns:a16="http://schemas.microsoft.com/office/drawing/2014/main" xmlns="" id="{2BC25395-CA95-6040-8ED6-C7D8A2E16C49}"/>
+                <a16:creationId xmlns="" xmlns:a16="http://schemas.microsoft.com/office/drawing/2014/main" id="{2BC25395-CA95-6040-8ED6-C7D8A2E16C49}"/>
               </a:ext>
             </a:extLst>
           </p:cNvPr>
@@ -9858,7 +9858,7 @@
           <p:cNvPr id="19" name="Straight Connector 18">
             <a:extLst>
               <a:ext uri="{FF2B5EF4-FFF2-40B4-BE49-F238E27FC236}">
-                <a16:creationId xmlns:a16="http://schemas.microsoft.com/office/drawing/2014/main" xmlns="" id="{AE2F589B-649A-57C2-1D3E-79FDFF84BADB}"/>
+                <a16:creationId xmlns="" xmlns:a16="http://schemas.microsoft.com/office/drawing/2014/main" id="{AE2F589B-649A-57C2-1D3E-79FDFF84BADB}"/>
               </a:ext>
             </a:extLst>
           </p:cNvPr>
@@ -9901,7 +9901,7 @@
           <p:cNvPr id="20" name="Straight Connector 19">
             <a:extLst>
               <a:ext uri="{FF2B5EF4-FFF2-40B4-BE49-F238E27FC236}">
-                <a16:creationId xmlns:a16="http://schemas.microsoft.com/office/drawing/2014/main" xmlns="" id="{81F3728F-0FBF-5AD2-357E-FFCFFBF7687E}"/>
+                <a16:creationId xmlns="" xmlns:a16="http://schemas.microsoft.com/office/drawing/2014/main" id="{81F3728F-0FBF-5AD2-357E-FFCFFBF7687E}"/>
               </a:ext>
             </a:extLst>
           </p:cNvPr>
@@ -9944,7 +9944,7 @@
           <p:cNvPr id="21" name="Picture Placeholder 8">
             <a:extLst>
               <a:ext uri="{FF2B5EF4-FFF2-40B4-BE49-F238E27FC236}">
-                <a16:creationId xmlns:a16="http://schemas.microsoft.com/office/drawing/2014/main" xmlns="" id="{09A756E1-5275-58A9-7B09-95BEA4F4FACA}"/>
+                <a16:creationId xmlns="" xmlns:a16="http://schemas.microsoft.com/office/drawing/2014/main" id="{09A756E1-5275-58A9-7B09-95BEA4F4FACA}"/>
               </a:ext>
             </a:extLst>
           </p:cNvPr>
@@ -9988,7 +9988,7 @@
           <p:cNvPr id="22" name="Picture Placeholder 8">
             <a:extLst>
               <a:ext uri="{FF2B5EF4-FFF2-40B4-BE49-F238E27FC236}">
-                <a16:creationId xmlns:a16="http://schemas.microsoft.com/office/drawing/2014/main" xmlns="" id="{A4DA2F88-85BF-29B8-6321-AF19B25A6261}"/>
+                <a16:creationId xmlns="" xmlns:a16="http://schemas.microsoft.com/office/drawing/2014/main" id="{A4DA2F88-85BF-29B8-6321-AF19B25A6261}"/>
               </a:ext>
             </a:extLst>
           </p:cNvPr>
@@ -10032,7 +10032,7 @@
           <p:cNvPr id="23" name="Picture Placeholder 8">
             <a:extLst>
               <a:ext uri="{FF2B5EF4-FFF2-40B4-BE49-F238E27FC236}">
-                <a16:creationId xmlns:a16="http://schemas.microsoft.com/office/drawing/2014/main" xmlns="" id="{4636CEF4-05E9-F5BB-BD6F-6B081DBDCA9D}"/>
+                <a16:creationId xmlns="" xmlns:a16="http://schemas.microsoft.com/office/drawing/2014/main" id="{4636CEF4-05E9-F5BB-BD6F-6B081DBDCA9D}"/>
               </a:ext>
             </a:extLst>
           </p:cNvPr>
@@ -10076,7 +10076,7 @@
           <p:cNvPr id="24" name="Picture Placeholder 8">
             <a:extLst>
               <a:ext uri="{FF2B5EF4-FFF2-40B4-BE49-F238E27FC236}">
-                <a16:creationId xmlns:a16="http://schemas.microsoft.com/office/drawing/2014/main" xmlns="" id="{67B57C06-A1D0-7C74-6A14-2BFF0B1FC172}"/>
+                <a16:creationId xmlns="" xmlns:a16="http://schemas.microsoft.com/office/drawing/2014/main" id="{67B57C06-A1D0-7C74-6A14-2BFF0B1FC172}"/>
               </a:ext>
             </a:extLst>
           </p:cNvPr>
@@ -10120,7 +10120,7 @@
           <p:cNvPr id="25" name="Text Placeholder 13">
             <a:extLst>
               <a:ext uri="{FF2B5EF4-FFF2-40B4-BE49-F238E27FC236}">
-                <a16:creationId xmlns:a16="http://schemas.microsoft.com/office/drawing/2014/main" xmlns="" id="{1025D334-8990-1960-8865-C877ECC47E67}"/>
+                <a16:creationId xmlns="" xmlns:a16="http://schemas.microsoft.com/office/drawing/2014/main" id="{1025D334-8990-1960-8865-C877ECC47E67}"/>
               </a:ext>
             </a:extLst>
           </p:cNvPr>
@@ -10172,7 +10172,7 @@
           <p:cNvPr id="26" name="Text Placeholder 13">
             <a:extLst>
               <a:ext uri="{FF2B5EF4-FFF2-40B4-BE49-F238E27FC236}">
-                <a16:creationId xmlns:a16="http://schemas.microsoft.com/office/drawing/2014/main" xmlns="" id="{7F491CA2-1A10-E7DB-4203-DC7E9E48CCFF}"/>
+                <a16:creationId xmlns="" xmlns:a16="http://schemas.microsoft.com/office/drawing/2014/main" id="{7F491CA2-1A10-E7DB-4203-DC7E9E48CCFF}"/>
               </a:ext>
             </a:extLst>
           </p:cNvPr>
@@ -10224,7 +10224,7 @@
           <p:cNvPr id="27" name="Text Placeholder 13">
             <a:extLst>
               <a:ext uri="{FF2B5EF4-FFF2-40B4-BE49-F238E27FC236}">
-                <a16:creationId xmlns:a16="http://schemas.microsoft.com/office/drawing/2014/main" xmlns="" id="{697C28E5-6260-6DA9-B4F0-665506F52586}"/>
+                <a16:creationId xmlns="" xmlns:a16="http://schemas.microsoft.com/office/drawing/2014/main" id="{697C28E5-6260-6DA9-B4F0-665506F52586}"/>
               </a:ext>
             </a:extLst>
           </p:cNvPr>
@@ -10276,7 +10276,7 @@
           <p:cNvPr id="28" name="Text Placeholder 13">
             <a:extLst>
               <a:ext uri="{FF2B5EF4-FFF2-40B4-BE49-F238E27FC236}">
-                <a16:creationId xmlns:a16="http://schemas.microsoft.com/office/drawing/2014/main" xmlns="" id="{A594A25E-7F2D-4188-16B7-C34485FDD2F8}"/>
+                <a16:creationId xmlns="" xmlns:a16="http://schemas.microsoft.com/office/drawing/2014/main" id="{A594A25E-7F2D-4188-16B7-C34485FDD2F8}"/>
               </a:ext>
             </a:extLst>
           </p:cNvPr>
@@ -10328,7 +10328,7 @@
           <p:cNvPr id="29" name="Text Placeholder 13">
             <a:extLst>
               <a:ext uri="{FF2B5EF4-FFF2-40B4-BE49-F238E27FC236}">
-                <a16:creationId xmlns:a16="http://schemas.microsoft.com/office/drawing/2014/main" xmlns="" id="{584B38BF-6197-486D-7134-F86E1754AF78}"/>
+                <a16:creationId xmlns="" xmlns:a16="http://schemas.microsoft.com/office/drawing/2014/main" id="{584B38BF-6197-486D-7134-F86E1754AF78}"/>
               </a:ext>
             </a:extLst>
           </p:cNvPr>
@@ -10380,7 +10380,7 @@
           <p:cNvPr id="30" name="Text Placeholder 13">
             <a:extLst>
               <a:ext uri="{FF2B5EF4-FFF2-40B4-BE49-F238E27FC236}">
-                <a16:creationId xmlns:a16="http://schemas.microsoft.com/office/drawing/2014/main" xmlns="" id="{D788F8D9-8CDB-C458-9AAD-0426AB467D2A}"/>
+                <a16:creationId xmlns="" xmlns:a16="http://schemas.microsoft.com/office/drawing/2014/main" id="{D788F8D9-8CDB-C458-9AAD-0426AB467D2A}"/>
               </a:ext>
             </a:extLst>
           </p:cNvPr>
@@ -10432,7 +10432,7 @@
           <p:cNvPr id="31" name="Text Placeholder 13">
             <a:extLst>
               <a:ext uri="{FF2B5EF4-FFF2-40B4-BE49-F238E27FC236}">
-                <a16:creationId xmlns:a16="http://schemas.microsoft.com/office/drawing/2014/main" xmlns="" id="{78447882-2C86-B3A7-9450-29A0778E1B08}"/>
+                <a16:creationId xmlns="" xmlns:a16="http://schemas.microsoft.com/office/drawing/2014/main" id="{78447882-2C86-B3A7-9450-29A0778E1B08}"/>
               </a:ext>
             </a:extLst>
           </p:cNvPr>
@@ -10484,7 +10484,7 @@
           <p:cNvPr id="32" name="Text Placeholder 13">
             <a:extLst>
               <a:ext uri="{FF2B5EF4-FFF2-40B4-BE49-F238E27FC236}">
-                <a16:creationId xmlns:a16="http://schemas.microsoft.com/office/drawing/2014/main" xmlns="" id="{E321AAE1-532A-23F0-9108-055D0D7BDFBA}"/>
+                <a16:creationId xmlns="" xmlns:a16="http://schemas.microsoft.com/office/drawing/2014/main" id="{E321AAE1-532A-23F0-9108-055D0D7BDFBA}"/>
               </a:ext>
             </a:extLst>
           </p:cNvPr>
@@ -10536,7 +10536,7 @@
           <p:cNvPr id="33" name="Straight Connector 32">
             <a:extLst>
               <a:ext uri="{FF2B5EF4-FFF2-40B4-BE49-F238E27FC236}">
-                <a16:creationId xmlns:a16="http://schemas.microsoft.com/office/drawing/2014/main" xmlns="" id="{11BC4478-FBEA-422F-73BA-0A422F15D7EA}"/>
+                <a16:creationId xmlns="" xmlns:a16="http://schemas.microsoft.com/office/drawing/2014/main" id="{11BC4478-FBEA-422F-73BA-0A422F15D7EA}"/>
               </a:ext>
             </a:extLst>
           </p:cNvPr>
@@ -10579,7 +10579,7 @@
           <p:cNvPr id="34" name="Straight Connector 33">
             <a:extLst>
               <a:ext uri="{FF2B5EF4-FFF2-40B4-BE49-F238E27FC236}">
-                <a16:creationId xmlns:a16="http://schemas.microsoft.com/office/drawing/2014/main" xmlns="" id="{7A9AA302-5107-FDE7-557C-3305A9A7DEC2}"/>
+                <a16:creationId xmlns="" xmlns:a16="http://schemas.microsoft.com/office/drawing/2014/main" id="{7A9AA302-5107-FDE7-557C-3305A9A7DEC2}"/>
               </a:ext>
             </a:extLst>
           </p:cNvPr>
@@ -10622,7 +10622,7 @@
           <p:cNvPr id="35" name="Straight Connector 34">
             <a:extLst>
               <a:ext uri="{FF2B5EF4-FFF2-40B4-BE49-F238E27FC236}">
-                <a16:creationId xmlns:a16="http://schemas.microsoft.com/office/drawing/2014/main" xmlns="" id="{A9C9F7A3-B120-C59A-E379-173F84B7D153}"/>
+                <a16:creationId xmlns="" xmlns:a16="http://schemas.microsoft.com/office/drawing/2014/main" id="{A9C9F7A3-B120-C59A-E379-173F84B7D153}"/>
               </a:ext>
             </a:extLst>
           </p:cNvPr>
@@ -10665,7 +10665,7 @@
           <p:cNvPr id="36" name="Straight Connector 35">
             <a:extLst>
               <a:ext uri="{FF2B5EF4-FFF2-40B4-BE49-F238E27FC236}">
-                <a16:creationId xmlns:a16="http://schemas.microsoft.com/office/drawing/2014/main" xmlns="" id="{E073A4E7-9D16-A6C0-E297-A36B10A2FABB}"/>
+                <a16:creationId xmlns="" xmlns:a16="http://schemas.microsoft.com/office/drawing/2014/main" id="{E073A4E7-9D16-A6C0-E297-A36B10A2FABB}"/>
               </a:ext>
             </a:extLst>
           </p:cNvPr>
@@ -10746,7 +10746,7 @@
           <p:cNvPr id="2" name="Title Placeholder 1">
             <a:extLst>
               <a:ext uri="{FF2B5EF4-FFF2-40B4-BE49-F238E27FC236}">
-                <a16:creationId xmlns:a16="http://schemas.microsoft.com/office/drawing/2014/main" xmlns="" id="{9198F9AA-2C87-421D-97C1-B4248DFDC2C2}"/>
+                <a16:creationId xmlns="" xmlns:a16="http://schemas.microsoft.com/office/drawing/2014/main" id="{9198F9AA-2C87-421D-97C1-B4248DFDC2C2}"/>
               </a:ext>
             </a:extLst>
           </p:cNvPr>
@@ -10785,7 +10785,7 @@
           <p:cNvPr id="3" name="Text Placeholder 2">
             <a:extLst>
               <a:ext uri="{FF2B5EF4-FFF2-40B4-BE49-F238E27FC236}">
-                <a16:creationId xmlns:a16="http://schemas.microsoft.com/office/drawing/2014/main" xmlns="" id="{AE98FC63-C8D2-4CE6-A3F1-EE8ED24590C4}"/>
+                <a16:creationId xmlns="" xmlns:a16="http://schemas.microsoft.com/office/drawing/2014/main" id="{AE98FC63-C8D2-4CE6-A3F1-EE8ED24590C4}"/>
               </a:ext>
             </a:extLst>
           </p:cNvPr>
@@ -10853,7 +10853,7 @@
           <p:cNvPr id="21" name="Slide Number Placeholder 20">
             <a:extLst>
               <a:ext uri="{FF2B5EF4-FFF2-40B4-BE49-F238E27FC236}">
-                <a16:creationId xmlns:a16="http://schemas.microsoft.com/office/drawing/2014/main" xmlns="" id="{78A08F60-CEF1-832D-D403-282EA76CBEF2}"/>
+                <a16:creationId xmlns="" xmlns:a16="http://schemas.microsoft.com/office/drawing/2014/main" id="{78A08F60-CEF1-832D-D403-282EA76CBEF2}"/>
               </a:ext>
             </a:extLst>
           </p:cNvPr>
@@ -10900,7 +10900,7 @@
           <p:cNvPr id="25" name="Footer Placeholder 24">
             <a:extLst>
               <a:ext uri="{FF2B5EF4-FFF2-40B4-BE49-F238E27FC236}">
-                <a16:creationId xmlns:a16="http://schemas.microsoft.com/office/drawing/2014/main" xmlns="" id="{010F9766-B67A-A34E-2927-9A2D6360F77A}"/>
+                <a16:creationId xmlns="" xmlns:a16="http://schemas.microsoft.com/office/drawing/2014/main" id="{010F9766-B67A-A34E-2927-9A2D6360F77A}"/>
               </a:ext>
             </a:extLst>
           </p:cNvPr>
@@ -10945,7 +10945,7 @@
           <p:cNvPr id="4" name="Straight Connector 3">
             <a:extLst>
               <a:ext uri="{FF2B5EF4-FFF2-40B4-BE49-F238E27FC236}">
-                <a16:creationId xmlns:a16="http://schemas.microsoft.com/office/drawing/2014/main" xmlns="" id="{C0A131BE-DFE5-28BE-2AF8-50ADF9AFDB94}"/>
+                <a16:creationId xmlns="" xmlns:a16="http://schemas.microsoft.com/office/drawing/2014/main" id="{C0A131BE-DFE5-28BE-2AF8-50ADF9AFDB94}"/>
               </a:ext>
             </a:extLst>
           </p:cNvPr>
@@ -11404,7 +11404,7 @@
           <p:cNvPr id="38" name="Picture Placeholder 37">
             <a:extLst>
               <a:ext uri="{FF2B5EF4-FFF2-40B4-BE49-F238E27FC236}">
-                <a16:creationId xmlns:a16="http://schemas.microsoft.com/office/drawing/2014/main" xmlns="" id="{06DC6A65-C7EC-190F-5F6E-154F66A80A0B}"/>
+                <a16:creationId xmlns="" xmlns:a16="http://schemas.microsoft.com/office/drawing/2014/main" id="{06DC6A65-C7EC-190F-5F6E-154F66A80A0B}"/>
               </a:ext>
             </a:extLst>
           </p:cNvPr>
@@ -11434,7 +11434,7 @@
           <p:cNvPr id="4" name="Title 3">
             <a:extLst>
               <a:ext uri="{FF2B5EF4-FFF2-40B4-BE49-F238E27FC236}">
-                <a16:creationId xmlns:a16="http://schemas.microsoft.com/office/drawing/2014/main" xmlns="" id="{305E10E9-9AB7-0642-D4C4-DDFDAB7B5B2C}"/>
+                <a16:creationId xmlns="" xmlns:a16="http://schemas.microsoft.com/office/drawing/2014/main" id="{305E10E9-9AB7-0642-D4C4-DDFDAB7B5B2C}"/>
               </a:ext>
             </a:extLst>
           </p:cNvPr>
@@ -11469,7 +11469,7 @@
           <p:cNvPr id="3" name="TextBox 2">
             <a:extLst>
               <a:ext uri="{FF2B5EF4-FFF2-40B4-BE49-F238E27FC236}">
-                <a16:creationId xmlns:a16="http://schemas.microsoft.com/office/drawing/2014/main" xmlns="" id="{7011C799-C0FF-DFB2-6A96-B90DF64573E3}"/>
+                <a16:creationId xmlns="" xmlns:a16="http://schemas.microsoft.com/office/drawing/2014/main" id="{7011C799-C0FF-DFB2-6A96-B90DF64573E3}"/>
               </a:ext>
             </a:extLst>
           </p:cNvPr>
@@ -11554,7 +11554,7 @@
           <p:cNvPr id="2" name="Title 1">
             <a:extLst>
               <a:ext uri="{FF2B5EF4-FFF2-40B4-BE49-F238E27FC236}">
-                <a16:creationId xmlns:a16="http://schemas.microsoft.com/office/drawing/2014/main" xmlns="" id="{A546168A-9F8B-AE64-6A3B-DD036396CD45}"/>
+                <a16:creationId xmlns="" xmlns:a16="http://schemas.microsoft.com/office/drawing/2014/main" id="{A546168A-9F8B-AE64-6A3B-DD036396CD45}"/>
               </a:ext>
             </a:extLst>
           </p:cNvPr>
@@ -11585,7 +11585,7 @@
           <p:cNvPr id="4" name="Footer Placeholder 3">
             <a:extLst>
               <a:ext uri="{FF2B5EF4-FFF2-40B4-BE49-F238E27FC236}">
-                <a16:creationId xmlns:a16="http://schemas.microsoft.com/office/drawing/2014/main" xmlns="" id="{8A39D430-6FFC-66C6-AF3D-05E76D9D4BB4}"/>
+                <a16:creationId xmlns="" xmlns:a16="http://schemas.microsoft.com/office/drawing/2014/main" id="{8A39D430-6FFC-66C6-AF3D-05E76D9D4BB4}"/>
               </a:ext>
             </a:extLst>
           </p:cNvPr>
@@ -11618,7 +11618,7 @@
           <p:cNvPr id="3" name="Slide Number Placeholder 2">
             <a:extLst>
               <a:ext uri="{FF2B5EF4-FFF2-40B4-BE49-F238E27FC236}">
-                <a16:creationId xmlns:a16="http://schemas.microsoft.com/office/drawing/2014/main" xmlns="" id="{F08CF61D-4147-236F-218C-CE2A064E6BD9}"/>
+                <a16:creationId xmlns="" xmlns:a16="http://schemas.microsoft.com/office/drawing/2014/main" id="{F08CF61D-4147-236F-218C-CE2A064E6BD9}"/>
               </a:ext>
             </a:extLst>
           </p:cNvPr>
@@ -11648,7 +11648,7 @@
           <p:cNvPr id="6" name="Content Placeholder 4">
             <a:extLst>
               <a:ext uri="{FF2B5EF4-FFF2-40B4-BE49-F238E27FC236}">
-                <a16:creationId xmlns:a16="http://schemas.microsoft.com/office/drawing/2014/main" xmlns="" id="{D40A2881-15F6-FF24-285A-218469C87F53}"/>
+                <a16:creationId xmlns="" xmlns:a16="http://schemas.microsoft.com/office/drawing/2014/main" id="{D40A2881-15F6-FF24-285A-218469C87F53}"/>
               </a:ext>
             </a:extLst>
           </p:cNvPr>
@@ -11896,22 +11896,26 @@
           <a:p>
             <a:pPr lvl="1"/>
             <a:r>
-              <a:rPr lang="en-US" sz="1800" dirty="0">
+              <a:rPr lang="en-US" sz="1800">
                 <a:latin typeface="Times New Roman" panose="02020603050405020304" pitchFamily="18" charset="0"/>
                 <a:cs typeface="Times New Roman" panose="02020603050405020304" pitchFamily="18" charset="0"/>
               </a:rPr>
-              <a:t>Camera Configuration Change</a:t>
+              <a:t>Worked on UI development</a:t>
             </a:r>
           </a:p>
           <a:p>
             <a:pPr lvl="1"/>
             <a:r>
-              <a:rPr lang="en-US" sz="1800" dirty="0">
+              <a:rPr lang="en-US" sz="1800" smtClean="0">
                 <a:latin typeface="Times New Roman" panose="02020603050405020304" pitchFamily="18" charset="0"/>
                 <a:cs typeface="Times New Roman" panose="02020603050405020304" pitchFamily="18" charset="0"/>
               </a:rPr>
               <a:t>Documentation</a:t>
             </a:r>
+            <a:endParaRPr lang="en-US" sz="1800" dirty="0">
+              <a:latin typeface="Times New Roman" panose="02020603050405020304" pitchFamily="18" charset="0"/>
+              <a:cs typeface="Times New Roman" panose="02020603050405020304" pitchFamily="18" charset="0"/>
+            </a:endParaRPr>
           </a:p>
           <a:p>
             <a:r>
@@ -12077,7 +12081,7 @@
           <p:cNvPr id="3" name="Title 2">
             <a:extLst>
               <a:ext uri="{FF2B5EF4-FFF2-40B4-BE49-F238E27FC236}">
-                <a16:creationId xmlns:a16="http://schemas.microsoft.com/office/drawing/2014/main" xmlns="" id="{58A45141-45F1-0A77-FE4E-CBCA53A2BEB0}"/>
+                <a16:creationId xmlns="" xmlns:a16="http://schemas.microsoft.com/office/drawing/2014/main" id="{58A45141-45F1-0A77-FE4E-CBCA53A2BEB0}"/>
               </a:ext>
             </a:extLst>
           </p:cNvPr>
@@ -12105,7 +12109,7 @@
           <p:cNvPr id="5" name="Footer Placeholder 4">
             <a:extLst>
               <a:ext uri="{FF2B5EF4-FFF2-40B4-BE49-F238E27FC236}">
-                <a16:creationId xmlns:a16="http://schemas.microsoft.com/office/drawing/2014/main" xmlns="" id="{F0D8A8D9-0655-E1FF-7DED-F2EC492D6EE1}"/>
+                <a16:creationId xmlns="" xmlns:a16="http://schemas.microsoft.com/office/drawing/2014/main" id="{F0D8A8D9-0655-E1FF-7DED-F2EC492D6EE1}"/>
               </a:ext>
             </a:extLst>
           </p:cNvPr>
@@ -12138,10 +12142,10 @@
           <p:cNvPr id="17" name="Straight Connector 16">
             <a:extLst>
               <a:ext uri="{FF2B5EF4-FFF2-40B4-BE49-F238E27FC236}">
-                <a16:creationId xmlns:a16="http://schemas.microsoft.com/office/drawing/2014/main" xmlns="" id="{8488A0F8-E720-D31B-750D-634FA849B5A9}"/>
+                <a16:creationId xmlns="" xmlns:a16="http://schemas.microsoft.com/office/drawing/2014/main" id="{8488A0F8-E720-D31B-750D-634FA849B5A9}"/>
               </a:ext>
               <a:ext uri="{C183D7F6-B498-43B3-948B-1728B52AA6E4}">
-                <adec:decorative xmlns:adec="http://schemas.microsoft.com/office/drawing/2017/decorative" xmlns="" val="1"/>
+                <adec:decorative xmlns="" xmlns:adec="http://schemas.microsoft.com/office/drawing/2017/decorative" val="1"/>
               </a:ext>
             </a:extLst>
           </p:cNvPr>
@@ -12184,7 +12188,7 @@
           <p:cNvPr id="4" name="Slide Number Placeholder 3">
             <a:extLst>
               <a:ext uri="{FF2B5EF4-FFF2-40B4-BE49-F238E27FC236}">
-                <a16:creationId xmlns:a16="http://schemas.microsoft.com/office/drawing/2014/main" xmlns="" id="{B63EE887-A172-F01E-98D1-8781769CBEDE}"/>
+                <a16:creationId xmlns="" xmlns:a16="http://schemas.microsoft.com/office/drawing/2014/main" id="{B63EE887-A172-F01E-98D1-8781769CBEDE}"/>
               </a:ext>
             </a:extLst>
           </p:cNvPr>
@@ -12273,7 +12277,7 @@
           <p:cNvPr id="3" name="Title 2">
             <a:extLst>
               <a:ext uri="{FF2B5EF4-FFF2-40B4-BE49-F238E27FC236}">
-                <a16:creationId xmlns:a16="http://schemas.microsoft.com/office/drawing/2014/main" xmlns="" id="{58A45141-45F1-0A77-FE4E-CBCA53A2BEB0}"/>
+                <a16:creationId xmlns="" xmlns:a16="http://schemas.microsoft.com/office/drawing/2014/main" id="{58A45141-45F1-0A77-FE4E-CBCA53A2BEB0}"/>
               </a:ext>
             </a:extLst>
           </p:cNvPr>
@@ -12306,7 +12310,7 @@
           <p:cNvPr id="5" name="Footer Placeholder 4">
             <a:extLst>
               <a:ext uri="{FF2B5EF4-FFF2-40B4-BE49-F238E27FC236}">
-                <a16:creationId xmlns:a16="http://schemas.microsoft.com/office/drawing/2014/main" xmlns="" id="{F0D8A8D9-0655-E1FF-7DED-F2EC492D6EE1}"/>
+                <a16:creationId xmlns="" xmlns:a16="http://schemas.microsoft.com/office/drawing/2014/main" id="{F0D8A8D9-0655-E1FF-7DED-F2EC492D6EE1}"/>
               </a:ext>
             </a:extLst>
           </p:cNvPr>
@@ -12339,10 +12343,10 @@
           <p:cNvPr id="17" name="Straight Connector 16">
             <a:extLst>
               <a:ext uri="{FF2B5EF4-FFF2-40B4-BE49-F238E27FC236}">
-                <a16:creationId xmlns:a16="http://schemas.microsoft.com/office/drawing/2014/main" xmlns="" id="{8488A0F8-E720-D31B-750D-634FA849B5A9}"/>
+                <a16:creationId xmlns="" xmlns:a16="http://schemas.microsoft.com/office/drawing/2014/main" id="{8488A0F8-E720-D31B-750D-634FA849B5A9}"/>
               </a:ext>
               <a:ext uri="{C183D7F6-B498-43B3-948B-1728B52AA6E4}">
-                <adec:decorative xmlns:adec="http://schemas.microsoft.com/office/drawing/2017/decorative" xmlns="" val="1"/>
+                <adec:decorative xmlns="" xmlns:adec="http://schemas.microsoft.com/office/drawing/2017/decorative" val="1"/>
               </a:ext>
             </a:extLst>
           </p:cNvPr>
@@ -12385,7 +12389,7 @@
           <p:cNvPr id="4" name="Slide Number Placeholder 3">
             <a:extLst>
               <a:ext uri="{FF2B5EF4-FFF2-40B4-BE49-F238E27FC236}">
-                <a16:creationId xmlns:a16="http://schemas.microsoft.com/office/drawing/2014/main" xmlns="" id="{B63EE887-A172-F01E-98D1-8781769CBEDE}"/>
+                <a16:creationId xmlns="" xmlns:a16="http://schemas.microsoft.com/office/drawing/2014/main" id="{B63EE887-A172-F01E-98D1-8781769CBEDE}"/>
               </a:ext>
             </a:extLst>
           </p:cNvPr>
@@ -12415,7 +12419,7 @@
           <p:cNvPr id="7" name="TextBox 6">
             <a:extLst>
               <a:ext uri="{FF2B5EF4-FFF2-40B4-BE49-F238E27FC236}">
-                <a16:creationId xmlns:a16="http://schemas.microsoft.com/office/drawing/2014/main" xmlns="" id="{F5EE5EFC-CEB8-D397-AD6F-51B580EA5FE2}"/>
+                <a16:creationId xmlns="" xmlns:a16="http://schemas.microsoft.com/office/drawing/2014/main" id="{F5EE5EFC-CEB8-D397-AD6F-51B580EA5FE2}"/>
               </a:ext>
             </a:extLst>
           </p:cNvPr>
@@ -12456,7 +12460,7 @@
           <p:cNvPr id="8" name="Picture 7">
             <a:extLst>
               <a:ext uri="{FF2B5EF4-FFF2-40B4-BE49-F238E27FC236}">
-                <a16:creationId xmlns:a16="http://schemas.microsoft.com/office/drawing/2014/main" xmlns="" id="{C051064D-2820-75F7-F0B8-6FF619ED82D5}"/>
+                <a16:creationId xmlns="" xmlns:a16="http://schemas.microsoft.com/office/drawing/2014/main" id="{C051064D-2820-75F7-F0B8-6FF619ED82D5}"/>
               </a:ext>
             </a:extLst>
           </p:cNvPr>
@@ -12486,7 +12490,7 @@
           <p:cNvPr id="10" name="Picture 9">
             <a:extLst>
               <a:ext uri="{FF2B5EF4-FFF2-40B4-BE49-F238E27FC236}">
-                <a16:creationId xmlns:a16="http://schemas.microsoft.com/office/drawing/2014/main" xmlns="" id="{A8FD6A80-C4BB-6E03-B7C1-CBA4BD36473F}"/>
+                <a16:creationId xmlns="" xmlns:a16="http://schemas.microsoft.com/office/drawing/2014/main" id="{A8FD6A80-C4BB-6E03-B7C1-CBA4BD36473F}"/>
               </a:ext>
             </a:extLst>
           </p:cNvPr>
@@ -12546,7 +12550,7 @@
           <p:cNvPr id="3" name="Title 2">
             <a:extLst>
               <a:ext uri="{FF2B5EF4-FFF2-40B4-BE49-F238E27FC236}">
-                <a16:creationId xmlns:a16="http://schemas.microsoft.com/office/drawing/2014/main" xmlns="" id="{58A45141-45F1-0A77-FE4E-CBCA53A2BEB0}"/>
+                <a16:creationId xmlns="" xmlns:a16="http://schemas.microsoft.com/office/drawing/2014/main" id="{58A45141-45F1-0A77-FE4E-CBCA53A2BEB0}"/>
               </a:ext>
             </a:extLst>
           </p:cNvPr>
@@ -12579,7 +12583,7 @@
           <p:cNvPr id="5" name="Footer Placeholder 4">
             <a:extLst>
               <a:ext uri="{FF2B5EF4-FFF2-40B4-BE49-F238E27FC236}">
-                <a16:creationId xmlns:a16="http://schemas.microsoft.com/office/drawing/2014/main" xmlns="" id="{F0D8A8D9-0655-E1FF-7DED-F2EC492D6EE1}"/>
+                <a16:creationId xmlns="" xmlns:a16="http://schemas.microsoft.com/office/drawing/2014/main" id="{F0D8A8D9-0655-E1FF-7DED-F2EC492D6EE1}"/>
               </a:ext>
             </a:extLst>
           </p:cNvPr>
@@ -12612,10 +12616,10 @@
           <p:cNvPr id="17" name="Straight Connector 16">
             <a:extLst>
               <a:ext uri="{FF2B5EF4-FFF2-40B4-BE49-F238E27FC236}">
-                <a16:creationId xmlns:a16="http://schemas.microsoft.com/office/drawing/2014/main" xmlns="" id="{8488A0F8-E720-D31B-750D-634FA849B5A9}"/>
+                <a16:creationId xmlns="" xmlns:a16="http://schemas.microsoft.com/office/drawing/2014/main" id="{8488A0F8-E720-D31B-750D-634FA849B5A9}"/>
               </a:ext>
               <a:ext uri="{C183D7F6-B498-43B3-948B-1728B52AA6E4}">
-                <adec:decorative xmlns:adec="http://schemas.microsoft.com/office/drawing/2017/decorative" xmlns="" val="1"/>
+                <adec:decorative xmlns="" xmlns:adec="http://schemas.microsoft.com/office/drawing/2017/decorative" val="1"/>
               </a:ext>
             </a:extLst>
           </p:cNvPr>
@@ -12658,7 +12662,7 @@
           <p:cNvPr id="4" name="Slide Number Placeholder 3">
             <a:extLst>
               <a:ext uri="{FF2B5EF4-FFF2-40B4-BE49-F238E27FC236}">
-                <a16:creationId xmlns:a16="http://schemas.microsoft.com/office/drawing/2014/main" xmlns="" id="{B63EE887-A172-F01E-98D1-8781769CBEDE}"/>
+                <a16:creationId xmlns="" xmlns:a16="http://schemas.microsoft.com/office/drawing/2014/main" id="{B63EE887-A172-F01E-98D1-8781769CBEDE}"/>
               </a:ext>
             </a:extLst>
           </p:cNvPr>
@@ -12742,7 +12746,7 @@
           <p:cNvPr id="3" name="Title 2">
             <a:extLst>
               <a:ext uri="{FF2B5EF4-FFF2-40B4-BE49-F238E27FC236}">
-                <a16:creationId xmlns:a16="http://schemas.microsoft.com/office/drawing/2014/main" xmlns="" id="{58A45141-45F1-0A77-FE4E-CBCA53A2BEB0}"/>
+                <a16:creationId xmlns="" xmlns:a16="http://schemas.microsoft.com/office/drawing/2014/main" id="{58A45141-45F1-0A77-FE4E-CBCA53A2BEB0}"/>
               </a:ext>
             </a:extLst>
           </p:cNvPr>
@@ -12770,7 +12774,7 @@
           <p:cNvPr id="5" name="Footer Placeholder 4">
             <a:extLst>
               <a:ext uri="{FF2B5EF4-FFF2-40B4-BE49-F238E27FC236}">
-                <a16:creationId xmlns:a16="http://schemas.microsoft.com/office/drawing/2014/main" xmlns="" id="{F0D8A8D9-0655-E1FF-7DED-F2EC492D6EE1}"/>
+                <a16:creationId xmlns="" xmlns:a16="http://schemas.microsoft.com/office/drawing/2014/main" id="{F0D8A8D9-0655-E1FF-7DED-F2EC492D6EE1}"/>
               </a:ext>
             </a:extLst>
           </p:cNvPr>
@@ -12803,7 +12807,7 @@
           <p:cNvPr id="16" name="Content Placeholder 25" descr="Microscopic view of a suspended bubble-like material with water in it">
             <a:extLst>
               <a:ext uri="{FF2B5EF4-FFF2-40B4-BE49-F238E27FC236}">
-                <a16:creationId xmlns:a16="http://schemas.microsoft.com/office/drawing/2014/main" xmlns="" id="{B083ED63-584D-2579-2721-B716F3BC8F6B}"/>
+                <a16:creationId xmlns="" xmlns:a16="http://schemas.microsoft.com/office/drawing/2014/main" id="{B083ED63-584D-2579-2721-B716F3BC8F6B}"/>
               </a:ext>
             </a:extLst>
           </p:cNvPr>
@@ -12894,10 +12898,10 @@
           <p:cNvPr id="17" name="Straight Connector 16">
             <a:extLst>
               <a:ext uri="{FF2B5EF4-FFF2-40B4-BE49-F238E27FC236}">
-                <a16:creationId xmlns:a16="http://schemas.microsoft.com/office/drawing/2014/main" xmlns="" id="{8488A0F8-E720-D31B-750D-634FA849B5A9}"/>
+                <a16:creationId xmlns="" xmlns:a16="http://schemas.microsoft.com/office/drawing/2014/main" id="{8488A0F8-E720-D31B-750D-634FA849B5A9}"/>
               </a:ext>
               <a:ext uri="{C183D7F6-B498-43B3-948B-1728B52AA6E4}">
-                <adec:decorative xmlns:adec="http://schemas.microsoft.com/office/drawing/2017/decorative" xmlns="" val="1"/>
+                <adec:decorative xmlns="" xmlns:adec="http://schemas.microsoft.com/office/drawing/2017/decorative" val="1"/>
               </a:ext>
             </a:extLst>
           </p:cNvPr>
@@ -12940,7 +12944,7 @@
           <p:cNvPr id="4" name="Slide Number Placeholder 3">
             <a:extLst>
               <a:ext uri="{FF2B5EF4-FFF2-40B4-BE49-F238E27FC236}">
-                <a16:creationId xmlns:a16="http://schemas.microsoft.com/office/drawing/2014/main" xmlns="" id="{B63EE887-A172-F01E-98D1-8781769CBEDE}"/>
+                <a16:creationId xmlns="" xmlns:a16="http://schemas.microsoft.com/office/drawing/2014/main" id="{B63EE887-A172-F01E-98D1-8781769CBEDE}"/>
               </a:ext>
             </a:extLst>
           </p:cNvPr>
@@ -12970,7 +12974,7 @@
           <p:cNvPr id="7" name="TextBox 6">
             <a:extLst>
               <a:ext uri="{FF2B5EF4-FFF2-40B4-BE49-F238E27FC236}">
-                <a16:creationId xmlns:a16="http://schemas.microsoft.com/office/drawing/2014/main" xmlns="" id="{F5EE5EFC-CEB8-D397-AD6F-51B580EA5FE2}"/>
+                <a16:creationId xmlns="" xmlns:a16="http://schemas.microsoft.com/office/drawing/2014/main" id="{F5EE5EFC-CEB8-D397-AD6F-51B580EA5FE2}"/>
               </a:ext>
             </a:extLst>
           </p:cNvPr>
@@ -13010,7 +13014,7 @@
           <p:cNvPr id="8" name="Picture 7">
             <a:extLst>
               <a:ext uri="{FF2B5EF4-FFF2-40B4-BE49-F238E27FC236}">
-                <a16:creationId xmlns:a16="http://schemas.microsoft.com/office/drawing/2014/main" xmlns="" id="{B8DD3325-16C0-4D5F-DF10-B2900D612359}"/>
+                <a16:creationId xmlns="" xmlns:a16="http://schemas.microsoft.com/office/drawing/2014/main" id="{B8DD3325-16C0-4D5F-DF10-B2900D612359}"/>
               </a:ext>
             </a:extLst>
           </p:cNvPr>
@@ -13040,7 +13044,7 @@
           <p:cNvPr id="10" name="Picture 9">
             <a:extLst>
               <a:ext uri="{FF2B5EF4-FFF2-40B4-BE49-F238E27FC236}">
-                <a16:creationId xmlns:a16="http://schemas.microsoft.com/office/drawing/2014/main" xmlns="" id="{92936354-1781-CE52-DC9C-93D6C328FC5E}"/>
+                <a16:creationId xmlns="" xmlns:a16="http://schemas.microsoft.com/office/drawing/2014/main" id="{92936354-1781-CE52-DC9C-93D6C328FC5E}"/>
               </a:ext>
             </a:extLst>
           </p:cNvPr>
@@ -13100,7 +13104,7 @@
           <p:cNvPr id="2" name="Title 1">
             <a:extLst>
               <a:ext uri="{FF2B5EF4-FFF2-40B4-BE49-F238E27FC236}">
-                <a16:creationId xmlns:a16="http://schemas.microsoft.com/office/drawing/2014/main" xmlns="" id="{A546168A-9F8B-AE64-6A3B-DD036396CD45}"/>
+                <a16:creationId xmlns="" xmlns:a16="http://schemas.microsoft.com/office/drawing/2014/main" id="{A546168A-9F8B-AE64-6A3B-DD036396CD45}"/>
               </a:ext>
             </a:extLst>
           </p:cNvPr>
@@ -13131,7 +13135,7 @@
           <p:cNvPr id="4" name="Footer Placeholder 3">
             <a:extLst>
               <a:ext uri="{FF2B5EF4-FFF2-40B4-BE49-F238E27FC236}">
-                <a16:creationId xmlns:a16="http://schemas.microsoft.com/office/drawing/2014/main" xmlns="" id="{8A39D430-6FFC-66C6-AF3D-05E76D9D4BB4}"/>
+                <a16:creationId xmlns="" xmlns:a16="http://schemas.microsoft.com/office/drawing/2014/main" id="{8A39D430-6FFC-66C6-AF3D-05E76D9D4BB4}"/>
               </a:ext>
             </a:extLst>
           </p:cNvPr>
@@ -13164,7 +13168,7 @@
           <p:cNvPr id="3" name="Slide Number Placeholder 2">
             <a:extLst>
               <a:ext uri="{FF2B5EF4-FFF2-40B4-BE49-F238E27FC236}">
-                <a16:creationId xmlns:a16="http://schemas.microsoft.com/office/drawing/2014/main" xmlns="" id="{F08CF61D-4147-236F-218C-CE2A064E6BD9}"/>
+                <a16:creationId xmlns="" xmlns:a16="http://schemas.microsoft.com/office/drawing/2014/main" id="{F08CF61D-4147-236F-218C-CE2A064E6BD9}"/>
               </a:ext>
             </a:extLst>
           </p:cNvPr>
@@ -13460,7 +13464,7 @@
           <p:cNvPr id="6" name="Content Placeholder 25" descr="Microscopic view of a suspended bubble-like material with water in it">
             <a:extLst>
               <a:ext uri="{FF2B5EF4-FFF2-40B4-BE49-F238E27FC236}">
-                <a16:creationId xmlns:a16="http://schemas.microsoft.com/office/drawing/2014/main" xmlns="" id="{B083ED63-584D-2579-2721-B716F3BC8F6B}"/>
+                <a16:creationId xmlns="" xmlns:a16="http://schemas.microsoft.com/office/drawing/2014/main" id="{B083ED63-584D-2579-2721-B716F3BC8F6B}"/>
               </a:ext>
             </a:extLst>
           </p:cNvPr>
@@ -13581,7 +13585,7 @@
           <p:cNvPr id="2" name="Title 1">
             <a:extLst>
               <a:ext uri="{FF2B5EF4-FFF2-40B4-BE49-F238E27FC236}">
-                <a16:creationId xmlns:a16="http://schemas.microsoft.com/office/drawing/2014/main" xmlns="" id="{F0984788-646A-CF90-D67D-14752A71745D}"/>
+                <a16:creationId xmlns="" xmlns:a16="http://schemas.microsoft.com/office/drawing/2014/main" id="{F0984788-646A-CF90-D67D-14752A71745D}"/>
               </a:ext>
             </a:extLst>
           </p:cNvPr>
@@ -13609,7 +13613,7 @@
           <p:cNvPr id="5" name="Footer Placeholder 4">
             <a:extLst>
               <a:ext uri="{FF2B5EF4-FFF2-40B4-BE49-F238E27FC236}">
-                <a16:creationId xmlns:a16="http://schemas.microsoft.com/office/drawing/2014/main" xmlns="" id="{241D8BC6-DD9D-7F06-3B9F-9F2B462E4984}"/>
+                <a16:creationId xmlns="" xmlns:a16="http://schemas.microsoft.com/office/drawing/2014/main" id="{241D8BC6-DD9D-7F06-3B9F-9F2B462E4984}"/>
               </a:ext>
             </a:extLst>
           </p:cNvPr>
@@ -13642,7 +13646,7 @@
           <p:cNvPr id="4" name="Slide Number Placeholder 3">
             <a:extLst>
               <a:ext uri="{FF2B5EF4-FFF2-40B4-BE49-F238E27FC236}">
-                <a16:creationId xmlns:a16="http://schemas.microsoft.com/office/drawing/2014/main" xmlns="" id="{B6586F16-C3E1-6E51-D140-EF50382CA456}"/>
+                <a16:creationId xmlns="" xmlns:a16="http://schemas.microsoft.com/office/drawing/2014/main" id="{B6586F16-C3E1-6E51-D140-EF50382CA456}"/>
               </a:ext>
             </a:extLst>
           </p:cNvPr>
@@ -13672,7 +13676,7 @@
           <p:cNvPr id="3" name="Content Placeholder 2">
             <a:extLst>
               <a:ext uri="{FF2B5EF4-FFF2-40B4-BE49-F238E27FC236}">
-                <a16:creationId xmlns:a16="http://schemas.microsoft.com/office/drawing/2014/main" xmlns="" id="{77C9C890-ADC6-0AA7-BBC0-05E856AA7C3C}"/>
+                <a16:creationId xmlns="" xmlns:a16="http://schemas.microsoft.com/office/drawing/2014/main" id="{77C9C890-ADC6-0AA7-BBC0-05E856AA7C3C}"/>
               </a:ext>
             </a:extLst>
           </p:cNvPr>
@@ -13805,7 +13809,7 @@
           <p:cNvPr id="14" name="Picture Placeholder 13">
             <a:extLst>
               <a:ext uri="{FF2B5EF4-FFF2-40B4-BE49-F238E27FC236}">
-                <a16:creationId xmlns:a16="http://schemas.microsoft.com/office/drawing/2014/main" xmlns="" id="{A20DE870-8870-D406-4A9A-7A3DA347C563}"/>
+                <a16:creationId xmlns="" xmlns:a16="http://schemas.microsoft.com/office/drawing/2014/main" id="{A20DE870-8870-D406-4A9A-7A3DA347C563}"/>
               </a:ext>
             </a:extLst>
           </p:cNvPr>
@@ -13863,7 +13867,7 @@
           <p:cNvPr id="3" name="Title 2">
             <a:extLst>
               <a:ext uri="{FF2B5EF4-FFF2-40B4-BE49-F238E27FC236}">
-                <a16:creationId xmlns:a16="http://schemas.microsoft.com/office/drawing/2014/main" xmlns="" id="{B3E315A2-4CED-23BB-CA3C-C8962E2419FD}"/>
+                <a16:creationId xmlns="" xmlns:a16="http://schemas.microsoft.com/office/drawing/2014/main" id="{B3E315A2-4CED-23BB-CA3C-C8962E2419FD}"/>
               </a:ext>
             </a:extLst>
           </p:cNvPr>
@@ -13891,7 +13895,7 @@
           <p:cNvPr id="9" name="Footer Placeholder 8">
             <a:extLst>
               <a:ext uri="{FF2B5EF4-FFF2-40B4-BE49-F238E27FC236}">
-                <a16:creationId xmlns:a16="http://schemas.microsoft.com/office/drawing/2014/main" xmlns="" id="{90FCB302-A0EE-7CF7-A4B2-ED343BFF9BC0}"/>
+                <a16:creationId xmlns="" xmlns:a16="http://schemas.microsoft.com/office/drawing/2014/main" id="{90FCB302-A0EE-7CF7-A4B2-ED343BFF9BC0}"/>
               </a:ext>
             </a:extLst>
           </p:cNvPr>
@@ -13924,7 +13928,7 @@
           <p:cNvPr id="8" name="Slide Number Placeholder 7">
             <a:extLst>
               <a:ext uri="{FF2B5EF4-FFF2-40B4-BE49-F238E27FC236}">
-                <a16:creationId xmlns:a16="http://schemas.microsoft.com/office/drawing/2014/main" xmlns="" id="{2205EC8C-AC41-F14C-3C63-5BF0F54D1D23}"/>
+                <a16:creationId xmlns="" xmlns:a16="http://schemas.microsoft.com/office/drawing/2014/main" id="{2205EC8C-AC41-F14C-3C63-5BF0F54D1D23}"/>
               </a:ext>
             </a:extLst>
           </p:cNvPr>
@@ -13954,7 +13958,7 @@
           <p:cNvPr id="4" name="Text Placeholder 3">
             <a:extLst>
               <a:ext uri="{FF2B5EF4-FFF2-40B4-BE49-F238E27FC236}">
-                <a16:creationId xmlns:a16="http://schemas.microsoft.com/office/drawing/2014/main" xmlns="" id="{DB4489FD-4F12-40A7-1EA9-79A941933E98}"/>
+                <a16:creationId xmlns="" xmlns:a16="http://schemas.microsoft.com/office/drawing/2014/main" id="{DB4489FD-4F12-40A7-1EA9-79A941933E98}"/>
               </a:ext>
             </a:extLst>
           </p:cNvPr>
@@ -14151,10 +14155,10 @@
           <p:cNvPr id="27" name="Straight Connector 26">
             <a:extLst>
               <a:ext uri="{FF2B5EF4-FFF2-40B4-BE49-F238E27FC236}">
-                <a16:creationId xmlns:a16="http://schemas.microsoft.com/office/drawing/2014/main" xmlns="" id="{E4A534A3-16E3-79AB-9E75-F40D0FDB4C98}"/>
+                <a16:creationId xmlns="" xmlns:a16="http://schemas.microsoft.com/office/drawing/2014/main" id="{E4A534A3-16E3-79AB-9E75-F40D0FDB4C98}"/>
               </a:ext>
               <a:ext uri="{C183D7F6-B498-43B3-948B-1728B52AA6E4}">
-                <adec:decorative xmlns:adec="http://schemas.microsoft.com/office/drawing/2017/decorative" xmlns="" val="1"/>
+                <adec:decorative xmlns="" xmlns:adec="http://schemas.microsoft.com/office/drawing/2017/decorative" val="1"/>
               </a:ext>
             </a:extLst>
           </p:cNvPr>
@@ -14227,7 +14231,7 @@
           <p:cNvPr id="17" name="Picture Placeholder 16" descr="White DNA structure">
             <a:extLst>
               <a:ext uri="{FF2B5EF4-FFF2-40B4-BE49-F238E27FC236}">
-                <a16:creationId xmlns:a16="http://schemas.microsoft.com/office/drawing/2014/main" xmlns="" id="{6D8705D1-EA1F-3113-ABE0-EC474D1F18DA}"/>
+                <a16:creationId xmlns="" xmlns:a16="http://schemas.microsoft.com/office/drawing/2014/main" id="{6D8705D1-EA1F-3113-ABE0-EC474D1F18DA}"/>
               </a:ext>
             </a:extLst>
           </p:cNvPr>
@@ -14257,7 +14261,7 @@
           <p:cNvPr id="19" name="Title 18">
             <a:extLst>
               <a:ext uri="{FF2B5EF4-FFF2-40B4-BE49-F238E27FC236}">
-                <a16:creationId xmlns:a16="http://schemas.microsoft.com/office/drawing/2014/main" xmlns="" id="{1130D679-D78E-1F15-EC3D-4BED6D69B35F}"/>
+                <a16:creationId xmlns="" xmlns:a16="http://schemas.microsoft.com/office/drawing/2014/main" id="{1130D679-D78E-1F15-EC3D-4BED6D69B35F}"/>
               </a:ext>
             </a:extLst>
           </p:cNvPr>
@@ -14285,7 +14289,7 @@
           <p:cNvPr id="27" name="Text Placeholder 26">
             <a:extLst>
               <a:ext uri="{FF2B5EF4-FFF2-40B4-BE49-F238E27FC236}">
-                <a16:creationId xmlns:a16="http://schemas.microsoft.com/office/drawing/2014/main" xmlns="" id="{BB8B6963-69FE-8A03-5E86-2BF855024B00}"/>
+                <a16:creationId xmlns="" xmlns:a16="http://schemas.microsoft.com/office/drawing/2014/main" id="{BB8B6963-69FE-8A03-5E86-2BF855024B00}"/>
               </a:ext>
             </a:extLst>
           </p:cNvPr>
@@ -14344,7 +14348,7 @@
           <p:cNvPr id="11" name="Picture Placeholder 10">
             <a:extLst>
               <a:ext uri="{FF2B5EF4-FFF2-40B4-BE49-F238E27FC236}">
-                <a16:creationId xmlns:a16="http://schemas.microsoft.com/office/drawing/2014/main" xmlns="" id="{BFCFAEAA-1286-1EA5-E714-DDF48E69F2CF}"/>
+                <a16:creationId xmlns="" xmlns:a16="http://schemas.microsoft.com/office/drawing/2014/main" id="{BFCFAEAA-1286-1EA5-E714-DDF48E69F2CF}"/>
               </a:ext>
             </a:extLst>
           </p:cNvPr>
@@ -14399,7 +14403,7 @@
           <p:cNvPr id="2" name="Title 1">
             <a:extLst>
               <a:ext uri="{FF2B5EF4-FFF2-40B4-BE49-F238E27FC236}">
-                <a16:creationId xmlns:a16="http://schemas.microsoft.com/office/drawing/2014/main" xmlns="" id="{9A3EB422-1287-FCEB-63CE-599FDC8468D8}"/>
+                <a16:creationId xmlns="" xmlns:a16="http://schemas.microsoft.com/office/drawing/2014/main" id="{9A3EB422-1287-FCEB-63CE-599FDC8468D8}"/>
               </a:ext>
             </a:extLst>
           </p:cNvPr>
@@ -14432,7 +14436,7 @@
           <p:cNvPr id="5" name="Footer Placeholder 4">
             <a:extLst>
               <a:ext uri="{FF2B5EF4-FFF2-40B4-BE49-F238E27FC236}">
-                <a16:creationId xmlns:a16="http://schemas.microsoft.com/office/drawing/2014/main" xmlns="" id="{DE9EDB55-C0CF-1610-24F0-07462C63BCEB}"/>
+                <a16:creationId xmlns="" xmlns:a16="http://schemas.microsoft.com/office/drawing/2014/main" id="{DE9EDB55-C0CF-1610-24F0-07462C63BCEB}"/>
               </a:ext>
             </a:extLst>
           </p:cNvPr>
@@ -14465,7 +14469,7 @@
           <p:cNvPr id="4" name="Slide Number Placeholder 3">
             <a:extLst>
               <a:ext uri="{FF2B5EF4-FFF2-40B4-BE49-F238E27FC236}">
-                <a16:creationId xmlns:a16="http://schemas.microsoft.com/office/drawing/2014/main" xmlns="" id="{43D6DE2E-F5E3-8CAF-A5C3-E67C03F538DF}"/>
+                <a16:creationId xmlns="" xmlns:a16="http://schemas.microsoft.com/office/drawing/2014/main" id="{43D6DE2E-F5E3-8CAF-A5C3-E67C03F538DF}"/>
               </a:ext>
             </a:extLst>
           </p:cNvPr>
@@ -14495,7 +14499,7 @@
           <p:cNvPr id="3" name="Content Placeholder 2">
             <a:extLst>
               <a:ext uri="{FF2B5EF4-FFF2-40B4-BE49-F238E27FC236}">
-                <a16:creationId xmlns:a16="http://schemas.microsoft.com/office/drawing/2014/main" xmlns="" id="{4D038CD2-9585-7E51-5359-D52935A77DF0}"/>
+                <a16:creationId xmlns="" xmlns:a16="http://schemas.microsoft.com/office/drawing/2014/main" id="{4D038CD2-9585-7E51-5359-D52935A77DF0}"/>
               </a:ext>
             </a:extLst>
           </p:cNvPr>
@@ -14737,7 +14741,7 @@
           <p:cNvPr id="12" name="Picture Placeholder 11">
             <a:extLst>
               <a:ext uri="{FF2B5EF4-FFF2-40B4-BE49-F238E27FC236}">
-                <a16:creationId xmlns:a16="http://schemas.microsoft.com/office/drawing/2014/main" xmlns="" id="{8D06B28F-8023-0246-0E31-3B9953E88A8D}"/>
+                <a16:creationId xmlns="" xmlns:a16="http://schemas.microsoft.com/office/drawing/2014/main" id="{8D06B28F-8023-0246-0E31-3B9953E88A8D}"/>
               </a:ext>
             </a:extLst>
           </p:cNvPr>
@@ -14783,7 +14787,7 @@
           <p:cNvPr id="13" name="TextBox 12">
             <a:extLst>
               <a:ext uri="{FF2B5EF4-FFF2-40B4-BE49-F238E27FC236}">
-                <a16:creationId xmlns:a16="http://schemas.microsoft.com/office/drawing/2014/main" xmlns="" id="{B3B3F4B9-7135-333C-AB15-20C592149980}"/>
+                <a16:creationId xmlns="" xmlns:a16="http://schemas.microsoft.com/office/drawing/2014/main" id="{B3B3F4B9-7135-333C-AB15-20C592149980}"/>
               </a:ext>
             </a:extLst>
           </p:cNvPr>
@@ -14855,7 +14859,7 @@
           <p:cNvPr id="2" name="Title 1">
             <a:extLst>
               <a:ext uri="{FF2B5EF4-FFF2-40B4-BE49-F238E27FC236}">
-                <a16:creationId xmlns:a16="http://schemas.microsoft.com/office/drawing/2014/main" xmlns="" id="{F0984788-646A-CF90-D67D-14752A71745D}"/>
+                <a16:creationId xmlns="" xmlns:a16="http://schemas.microsoft.com/office/drawing/2014/main" id="{F0984788-646A-CF90-D67D-14752A71745D}"/>
               </a:ext>
             </a:extLst>
           </p:cNvPr>
@@ -14883,7 +14887,7 @@
           <p:cNvPr id="5" name="Footer Placeholder 4">
             <a:extLst>
               <a:ext uri="{FF2B5EF4-FFF2-40B4-BE49-F238E27FC236}">
-                <a16:creationId xmlns:a16="http://schemas.microsoft.com/office/drawing/2014/main" xmlns="" id="{241D8BC6-DD9D-7F06-3B9F-9F2B462E4984}"/>
+                <a16:creationId xmlns="" xmlns:a16="http://schemas.microsoft.com/office/drawing/2014/main" id="{241D8BC6-DD9D-7F06-3B9F-9F2B462E4984}"/>
               </a:ext>
             </a:extLst>
           </p:cNvPr>
@@ -14916,7 +14920,7 @@
           <p:cNvPr id="4" name="Slide Number Placeholder 3">
             <a:extLst>
               <a:ext uri="{FF2B5EF4-FFF2-40B4-BE49-F238E27FC236}">
-                <a16:creationId xmlns:a16="http://schemas.microsoft.com/office/drawing/2014/main" xmlns="" id="{B6586F16-C3E1-6E51-D140-EF50382CA456}"/>
+                <a16:creationId xmlns="" xmlns:a16="http://schemas.microsoft.com/office/drawing/2014/main" id="{B6586F16-C3E1-6E51-D140-EF50382CA456}"/>
               </a:ext>
             </a:extLst>
           </p:cNvPr>
@@ -14946,7 +14950,7 @@
           <p:cNvPr id="7" name="Picture Placeholder 6">
             <a:extLst>
               <a:ext uri="{FF2B5EF4-FFF2-40B4-BE49-F238E27FC236}">
-                <a16:creationId xmlns:a16="http://schemas.microsoft.com/office/drawing/2014/main" xmlns="" id="{7FFC92DA-E590-4A49-8738-10A5D4DBBE6E}"/>
+                <a16:creationId xmlns="" xmlns:a16="http://schemas.microsoft.com/office/drawing/2014/main" id="{7FFC92DA-E590-4A49-8738-10A5D4DBBE6E}"/>
               </a:ext>
             </a:extLst>
           </p:cNvPr>
@@ -15036,7 +15040,7 @@
           <p:cNvPr id="3" name="Content Placeholder 2">
             <a:extLst>
               <a:ext uri="{FF2B5EF4-FFF2-40B4-BE49-F238E27FC236}">
-                <a16:creationId xmlns:a16="http://schemas.microsoft.com/office/drawing/2014/main" xmlns="" id="{77C9C890-ADC6-0AA7-BBC0-05E856AA7C3C}"/>
+                <a16:creationId xmlns="" xmlns:a16="http://schemas.microsoft.com/office/drawing/2014/main" id="{77C9C890-ADC6-0AA7-BBC0-05E856AA7C3C}"/>
               </a:ext>
             </a:extLst>
           </p:cNvPr>
@@ -15158,7 +15162,7 @@
           <p:cNvPr id="11" name="Picture Placeholder 10" descr="White DNA structure">
             <a:extLst>
               <a:ext uri="{FF2B5EF4-FFF2-40B4-BE49-F238E27FC236}">
-                <a16:creationId xmlns:a16="http://schemas.microsoft.com/office/drawing/2014/main" xmlns="" id="{7F21F877-E428-8BB2-045F-D9FA57744C27}"/>
+                <a16:creationId xmlns="" xmlns:a16="http://schemas.microsoft.com/office/drawing/2014/main" id="{7F21F877-E428-8BB2-045F-D9FA57744C27}"/>
               </a:ext>
             </a:extLst>
           </p:cNvPr>
@@ -15194,7 +15198,7 @@
           <p:cNvPr id="3" name="Title 2">
             <a:extLst>
               <a:ext uri="{FF2B5EF4-FFF2-40B4-BE49-F238E27FC236}">
-                <a16:creationId xmlns:a16="http://schemas.microsoft.com/office/drawing/2014/main" xmlns="" id="{03924A06-2533-68FE-6815-A6208AD97D3D}"/>
+                <a16:creationId xmlns="" xmlns:a16="http://schemas.microsoft.com/office/drawing/2014/main" id="{03924A06-2533-68FE-6815-A6208AD97D3D}"/>
               </a:ext>
             </a:extLst>
           </p:cNvPr>
@@ -15222,7 +15226,7 @@
           <p:cNvPr id="4" name="Text Placeholder 3">
             <a:extLst>
               <a:ext uri="{FF2B5EF4-FFF2-40B4-BE49-F238E27FC236}">
-                <a16:creationId xmlns:a16="http://schemas.microsoft.com/office/drawing/2014/main" xmlns="" id="{78D3FE44-803A-0FCA-D29B-EB40225C360F}"/>
+                <a16:creationId xmlns="" xmlns:a16="http://schemas.microsoft.com/office/drawing/2014/main" id="{78D3FE44-803A-0FCA-D29B-EB40225C360F}"/>
               </a:ext>
             </a:extLst>
           </p:cNvPr>
@@ -15297,7 +15301,7 @@
           <p:cNvPr id="9" name="Picture Placeholder 37">
             <a:extLst>
               <a:ext uri="{FF2B5EF4-FFF2-40B4-BE49-F238E27FC236}">
-                <a16:creationId xmlns:a16="http://schemas.microsoft.com/office/drawing/2014/main" xmlns="" id="{99AB31F9-0B6E-9A05-F106-E0F4F1B784E5}"/>
+                <a16:creationId xmlns="" xmlns:a16="http://schemas.microsoft.com/office/drawing/2014/main" id="{99AB31F9-0B6E-9A05-F106-E0F4F1B784E5}"/>
               </a:ext>
             </a:extLst>
           </p:cNvPr>
@@ -15328,7 +15332,7 @@
           <p:cNvPr id="6" name="Title 5">
             <a:extLst>
               <a:ext uri="{FF2B5EF4-FFF2-40B4-BE49-F238E27FC236}">
-                <a16:creationId xmlns:a16="http://schemas.microsoft.com/office/drawing/2014/main" xmlns="" id="{BB7103A8-AEEA-50D3-BE61-CC85D24BDF23}"/>
+                <a16:creationId xmlns="" xmlns:a16="http://schemas.microsoft.com/office/drawing/2014/main" id="{BB7103A8-AEEA-50D3-BE61-CC85D24BDF23}"/>
               </a:ext>
             </a:extLst>
           </p:cNvPr>
@@ -15356,7 +15360,7 @@
           <p:cNvPr id="3" name="Footer Placeholder 2">
             <a:extLst>
               <a:ext uri="{FF2B5EF4-FFF2-40B4-BE49-F238E27FC236}">
-                <a16:creationId xmlns:a16="http://schemas.microsoft.com/office/drawing/2014/main" xmlns="" id="{AA5BCABC-85E9-BA68-F054-2D77592245F0}"/>
+                <a16:creationId xmlns="" xmlns:a16="http://schemas.microsoft.com/office/drawing/2014/main" id="{AA5BCABC-85E9-BA68-F054-2D77592245F0}"/>
               </a:ext>
             </a:extLst>
           </p:cNvPr>
@@ -15389,7 +15393,7 @@
           <p:cNvPr id="2" name="Slide Number Placeholder 1">
             <a:extLst>
               <a:ext uri="{FF2B5EF4-FFF2-40B4-BE49-F238E27FC236}">
-                <a16:creationId xmlns:a16="http://schemas.microsoft.com/office/drawing/2014/main" xmlns="" id="{1A978ADB-AD70-DE7C-4643-85C48AE12770}"/>
+                <a16:creationId xmlns="" xmlns:a16="http://schemas.microsoft.com/office/drawing/2014/main" id="{1A978ADB-AD70-DE7C-4643-85C48AE12770}"/>
               </a:ext>
             </a:extLst>
           </p:cNvPr>
@@ -15419,7 +15423,7 @@
           <p:cNvPr id="4" name="Text Placeholder 3">
             <a:extLst>
               <a:ext uri="{FF2B5EF4-FFF2-40B4-BE49-F238E27FC236}">
-                <a16:creationId xmlns:a16="http://schemas.microsoft.com/office/drawing/2014/main" xmlns="" id="{68003147-27BE-7492-36B6-F405F1156F31}"/>
+                <a16:creationId xmlns="" xmlns:a16="http://schemas.microsoft.com/office/drawing/2014/main" id="{68003147-27BE-7492-36B6-F405F1156F31}"/>
               </a:ext>
             </a:extLst>
           </p:cNvPr>
@@ -15494,7 +15498,7 @@
           <p:cNvPr id="32" name="Rectangle 31">
             <a:extLst>
               <a:ext uri="{FF2B5EF4-FFF2-40B4-BE49-F238E27FC236}">
-                <a16:creationId xmlns:a16="http://schemas.microsoft.com/office/drawing/2014/main" xmlns="" id="{FD4D1C9B-9FA1-40CC-0ED6-893B90663C2B}"/>
+                <a16:creationId xmlns="" xmlns:a16="http://schemas.microsoft.com/office/drawing/2014/main" id="{FD4D1C9B-9FA1-40CC-0ED6-893B90663C2B}"/>
               </a:ext>
             </a:extLst>
           </p:cNvPr>
@@ -15548,7 +15552,7 @@
           <p:cNvPr id="2" name="Title 1">
             <a:extLst>
               <a:ext uri="{FF2B5EF4-FFF2-40B4-BE49-F238E27FC236}">
-                <a16:creationId xmlns:a16="http://schemas.microsoft.com/office/drawing/2014/main" xmlns="" id="{A546168A-9F8B-AE64-6A3B-DD036396CD45}"/>
+                <a16:creationId xmlns="" xmlns:a16="http://schemas.microsoft.com/office/drawing/2014/main" id="{A546168A-9F8B-AE64-6A3B-DD036396CD45}"/>
               </a:ext>
             </a:extLst>
           </p:cNvPr>
@@ -15579,7 +15583,7 @@
           <p:cNvPr id="4" name="Footer Placeholder 3">
             <a:extLst>
               <a:ext uri="{FF2B5EF4-FFF2-40B4-BE49-F238E27FC236}">
-                <a16:creationId xmlns:a16="http://schemas.microsoft.com/office/drawing/2014/main" xmlns="" id="{8A39D430-6FFC-66C6-AF3D-05E76D9D4BB4}"/>
+                <a16:creationId xmlns="" xmlns:a16="http://schemas.microsoft.com/office/drawing/2014/main" id="{8A39D430-6FFC-66C6-AF3D-05E76D9D4BB4}"/>
               </a:ext>
             </a:extLst>
           </p:cNvPr>
@@ -15612,7 +15616,7 @@
           <p:cNvPr id="3" name="Slide Number Placeholder 2">
             <a:extLst>
               <a:ext uri="{FF2B5EF4-FFF2-40B4-BE49-F238E27FC236}">
-                <a16:creationId xmlns:a16="http://schemas.microsoft.com/office/drawing/2014/main" xmlns="" id="{F08CF61D-4147-236F-218C-CE2A064E6BD9}"/>
+                <a16:creationId xmlns="" xmlns:a16="http://schemas.microsoft.com/office/drawing/2014/main" id="{F08CF61D-4147-236F-218C-CE2A064E6BD9}"/>
               </a:ext>
             </a:extLst>
           </p:cNvPr>
@@ -15642,7 +15646,7 @@
           <p:cNvPr id="9" name="Text Placeholder 8">
             <a:extLst>
               <a:ext uri="{FF2B5EF4-FFF2-40B4-BE49-F238E27FC236}">
-                <a16:creationId xmlns:a16="http://schemas.microsoft.com/office/drawing/2014/main" xmlns="" id="{4555555B-2DC1-8FAB-836A-FF067294BAB7}"/>
+                <a16:creationId xmlns="" xmlns:a16="http://schemas.microsoft.com/office/drawing/2014/main" id="{4555555B-2DC1-8FAB-836A-FF067294BAB7}"/>
               </a:ext>
             </a:extLst>
           </p:cNvPr>
@@ -15683,7 +15687,7 @@
           <p:cNvPr id="10" name="Text Placeholder 9">
             <a:extLst>
               <a:ext uri="{FF2B5EF4-FFF2-40B4-BE49-F238E27FC236}">
-                <a16:creationId xmlns:a16="http://schemas.microsoft.com/office/drawing/2014/main" xmlns="" id="{9231214F-3674-6AA5-28C4-945128C75152}"/>
+                <a16:creationId xmlns="" xmlns:a16="http://schemas.microsoft.com/office/drawing/2014/main" id="{9231214F-3674-6AA5-28C4-945128C75152}"/>
               </a:ext>
             </a:extLst>
           </p:cNvPr>
@@ -15718,7 +15722,7 @@
           <p:cNvPr id="21" name="Picture Placeholder 20">
             <a:extLst>
               <a:ext uri="{FF2B5EF4-FFF2-40B4-BE49-F238E27FC236}">
-                <a16:creationId xmlns:a16="http://schemas.microsoft.com/office/drawing/2014/main" xmlns="" id="{A72AF81F-FD65-0481-6DF1-86D94056C8AC}"/>
+                <a16:creationId xmlns="" xmlns:a16="http://schemas.microsoft.com/office/drawing/2014/main" id="{A72AF81F-FD65-0481-6DF1-86D94056C8AC}"/>
               </a:ext>
             </a:extLst>
           </p:cNvPr>
@@ -15746,7 +15750,7 @@
           <p:cNvPr id="25" name="Picture Placeholder 24">
             <a:extLst>
               <a:ext uri="{FF2B5EF4-FFF2-40B4-BE49-F238E27FC236}">
-                <a16:creationId xmlns:a16="http://schemas.microsoft.com/office/drawing/2014/main" xmlns="" id="{5B0AED0B-0820-9FD3-9B8F-FEE5C61F2AAD}"/>
+                <a16:creationId xmlns="" xmlns:a16="http://schemas.microsoft.com/office/drawing/2014/main" id="{5B0AED0B-0820-9FD3-9B8F-FEE5C61F2AAD}"/>
               </a:ext>
             </a:extLst>
           </p:cNvPr>
@@ -15774,7 +15778,7 @@
           <p:cNvPr id="29" name="Picture Placeholder 28">
             <a:extLst>
               <a:ext uri="{FF2B5EF4-FFF2-40B4-BE49-F238E27FC236}">
-                <a16:creationId xmlns:a16="http://schemas.microsoft.com/office/drawing/2014/main" xmlns="" id="{E2820BBC-937B-D497-2E25-BB85DB6F6BFC}"/>
+                <a16:creationId xmlns="" xmlns:a16="http://schemas.microsoft.com/office/drawing/2014/main" id="{E2820BBC-937B-D497-2E25-BB85DB6F6BFC}"/>
               </a:ext>
             </a:extLst>
           </p:cNvPr>
@@ -15802,7 +15806,7 @@
           <p:cNvPr id="50" name="TextBox 49">
             <a:extLst>
               <a:ext uri="{FF2B5EF4-FFF2-40B4-BE49-F238E27FC236}">
-                <a16:creationId xmlns:a16="http://schemas.microsoft.com/office/drawing/2014/main" xmlns="" id="{6D29FC1C-BA54-FCE2-8684-B4414FD1EDD7}"/>
+                <a16:creationId xmlns="" xmlns:a16="http://schemas.microsoft.com/office/drawing/2014/main" id="{6D29FC1C-BA54-FCE2-8684-B4414FD1EDD7}"/>
               </a:ext>
             </a:extLst>
           </p:cNvPr>
@@ -15903,7 +15907,7 @@
           <p:cNvPr id="51" name="Text Placeholder 9">
             <a:extLst>
               <a:ext uri="{FF2B5EF4-FFF2-40B4-BE49-F238E27FC236}">
-                <a16:creationId xmlns:a16="http://schemas.microsoft.com/office/drawing/2014/main" xmlns="" id="{094947FD-E005-E414-EB48-C7E3E74B9EAA}"/>
+                <a16:creationId xmlns="" xmlns:a16="http://schemas.microsoft.com/office/drawing/2014/main" id="{094947FD-E005-E414-EB48-C7E3E74B9EAA}"/>
               </a:ext>
             </a:extLst>
           </p:cNvPr>
@@ -16102,7 +16106,7 @@
           <p:cNvPr id="53" name="TextBox 52">
             <a:extLst>
               <a:ext uri="{FF2B5EF4-FFF2-40B4-BE49-F238E27FC236}">
-                <a16:creationId xmlns:a16="http://schemas.microsoft.com/office/drawing/2014/main" xmlns="" id="{159FBFC8-7248-F3BD-6E49-38F7CFFC13BB}"/>
+                <a16:creationId xmlns="" xmlns:a16="http://schemas.microsoft.com/office/drawing/2014/main" id="{159FBFC8-7248-F3BD-6E49-38F7CFFC13BB}"/>
               </a:ext>
             </a:extLst>
           </p:cNvPr>
@@ -16220,7 +16224,7 @@
           <p:cNvPr id="54" name="Text Placeholder 9">
             <a:extLst>
               <a:ext uri="{FF2B5EF4-FFF2-40B4-BE49-F238E27FC236}">
-                <a16:creationId xmlns:a16="http://schemas.microsoft.com/office/drawing/2014/main" xmlns="" id="{0A547878-30BB-B8F5-2CC0-C317F8A4CED2}"/>
+                <a16:creationId xmlns="" xmlns:a16="http://schemas.microsoft.com/office/drawing/2014/main" id="{0A547878-30BB-B8F5-2CC0-C317F8A4CED2}"/>
               </a:ext>
             </a:extLst>
           </p:cNvPr>
@@ -16449,7 +16453,7 @@
           <p:cNvPr id="17" name="Picture Placeholder 37">
             <a:extLst>
               <a:ext uri="{FF2B5EF4-FFF2-40B4-BE49-F238E27FC236}">
-                <a16:creationId xmlns:a16="http://schemas.microsoft.com/office/drawing/2014/main" xmlns="" id="{DFE9721D-C50D-3DB8-0C96-27F875195162}"/>
+                <a16:creationId xmlns="" xmlns:a16="http://schemas.microsoft.com/office/drawing/2014/main" id="{DFE9721D-C50D-3DB8-0C96-27F875195162}"/>
               </a:ext>
             </a:extLst>
           </p:cNvPr>
@@ -16556,7 +16560,7 @@
           <p:cNvPr id="3" name="Title 2">
             <a:extLst>
               <a:ext uri="{FF2B5EF4-FFF2-40B4-BE49-F238E27FC236}">
-                <a16:creationId xmlns:a16="http://schemas.microsoft.com/office/drawing/2014/main" xmlns="" id="{B3E315A2-4CED-23BB-CA3C-C8962E2419FD}"/>
+                <a16:creationId xmlns="" xmlns:a16="http://schemas.microsoft.com/office/drawing/2014/main" id="{B3E315A2-4CED-23BB-CA3C-C8962E2419FD}"/>
               </a:ext>
             </a:extLst>
           </p:cNvPr>
@@ -16584,7 +16588,7 @@
           <p:cNvPr id="9" name="Footer Placeholder 8">
             <a:extLst>
               <a:ext uri="{FF2B5EF4-FFF2-40B4-BE49-F238E27FC236}">
-                <a16:creationId xmlns:a16="http://schemas.microsoft.com/office/drawing/2014/main" xmlns="" id="{90FCB302-A0EE-7CF7-A4B2-ED343BFF9BC0}"/>
+                <a16:creationId xmlns="" xmlns:a16="http://schemas.microsoft.com/office/drawing/2014/main" id="{90FCB302-A0EE-7CF7-A4B2-ED343BFF9BC0}"/>
               </a:ext>
             </a:extLst>
           </p:cNvPr>
@@ -16617,7 +16621,7 @@
           <p:cNvPr id="8" name="Slide Number Placeholder 7">
             <a:extLst>
               <a:ext uri="{FF2B5EF4-FFF2-40B4-BE49-F238E27FC236}">
-                <a16:creationId xmlns:a16="http://schemas.microsoft.com/office/drawing/2014/main" xmlns="" id="{2205EC8C-AC41-F14C-3C63-5BF0F54D1D23}"/>
+                <a16:creationId xmlns="" xmlns:a16="http://schemas.microsoft.com/office/drawing/2014/main" id="{2205EC8C-AC41-F14C-3C63-5BF0F54D1D23}"/>
               </a:ext>
             </a:extLst>
           </p:cNvPr>
@@ -16647,7 +16651,7 @@
           <p:cNvPr id="4" name="Text Placeholder 3">
             <a:extLst>
               <a:ext uri="{FF2B5EF4-FFF2-40B4-BE49-F238E27FC236}">
-                <a16:creationId xmlns:a16="http://schemas.microsoft.com/office/drawing/2014/main" xmlns="" id="{DB4489FD-4F12-40A7-1EA9-79A941933E98}"/>
+                <a16:creationId xmlns="" xmlns:a16="http://schemas.microsoft.com/office/drawing/2014/main" id="{DB4489FD-4F12-40A7-1EA9-79A941933E98}"/>
               </a:ext>
             </a:extLst>
           </p:cNvPr>
@@ -16748,10 +16752,10 @@
           <p:cNvPr id="27" name="Straight Connector 26">
             <a:extLst>
               <a:ext uri="{FF2B5EF4-FFF2-40B4-BE49-F238E27FC236}">
-                <a16:creationId xmlns:a16="http://schemas.microsoft.com/office/drawing/2014/main" xmlns="" id="{E4A534A3-16E3-79AB-9E75-F40D0FDB4C98}"/>
+                <a16:creationId xmlns="" xmlns:a16="http://schemas.microsoft.com/office/drawing/2014/main" id="{E4A534A3-16E3-79AB-9E75-F40D0FDB4C98}"/>
               </a:ext>
               <a:ext uri="{C183D7F6-B498-43B3-948B-1728B52AA6E4}">
-                <adec:decorative xmlns:adec="http://schemas.microsoft.com/office/drawing/2017/decorative" xmlns="" val="1"/>
+                <adec:decorative xmlns="" xmlns:adec="http://schemas.microsoft.com/office/drawing/2017/decorative" val="1"/>
               </a:ext>
             </a:extLst>
           </p:cNvPr>
@@ -16824,7 +16828,7 @@
           <p:cNvPr id="2" name="Title 1">
             <a:extLst>
               <a:ext uri="{FF2B5EF4-FFF2-40B4-BE49-F238E27FC236}">
-                <a16:creationId xmlns:a16="http://schemas.microsoft.com/office/drawing/2014/main" xmlns="" id="{A546168A-9F8B-AE64-6A3B-DD036396CD45}"/>
+                <a16:creationId xmlns="" xmlns:a16="http://schemas.microsoft.com/office/drawing/2014/main" id="{A546168A-9F8B-AE64-6A3B-DD036396CD45}"/>
               </a:ext>
             </a:extLst>
           </p:cNvPr>
@@ -16860,7 +16864,7 @@
           <p:cNvPr id="4" name="Footer Placeholder 3">
             <a:extLst>
               <a:ext uri="{FF2B5EF4-FFF2-40B4-BE49-F238E27FC236}">
-                <a16:creationId xmlns:a16="http://schemas.microsoft.com/office/drawing/2014/main" xmlns="" id="{8A39D430-6FFC-66C6-AF3D-05E76D9D4BB4}"/>
+                <a16:creationId xmlns="" xmlns:a16="http://schemas.microsoft.com/office/drawing/2014/main" id="{8A39D430-6FFC-66C6-AF3D-05E76D9D4BB4}"/>
               </a:ext>
             </a:extLst>
           </p:cNvPr>
@@ -16893,7 +16897,7 @@
           <p:cNvPr id="3" name="Slide Number Placeholder 2">
             <a:extLst>
               <a:ext uri="{FF2B5EF4-FFF2-40B4-BE49-F238E27FC236}">
-                <a16:creationId xmlns:a16="http://schemas.microsoft.com/office/drawing/2014/main" xmlns="" id="{F08CF61D-4147-236F-218C-CE2A064E6BD9}"/>
+                <a16:creationId xmlns="" xmlns:a16="http://schemas.microsoft.com/office/drawing/2014/main" id="{F08CF61D-4147-236F-218C-CE2A064E6BD9}"/>
               </a:ext>
             </a:extLst>
           </p:cNvPr>
@@ -16923,7 +16927,7 @@
           <p:cNvPr id="20" name="Content Placeholder 4">
             <a:extLst>
               <a:ext uri="{FF2B5EF4-FFF2-40B4-BE49-F238E27FC236}">
-                <a16:creationId xmlns:a16="http://schemas.microsoft.com/office/drawing/2014/main" xmlns="" id="{C727D6AB-2ED1-490A-9EBD-99C9428D4C08}"/>
+                <a16:creationId xmlns="" xmlns:a16="http://schemas.microsoft.com/office/drawing/2014/main" id="{C727D6AB-2ED1-490A-9EBD-99C9428D4C08}"/>
               </a:ext>
             </a:extLst>
           </p:cNvPr>
@@ -17274,7 +17278,7 @@
           <p:cNvPr id="17" name="Picture Placeholder 37">
             <a:extLst>
               <a:ext uri="{FF2B5EF4-FFF2-40B4-BE49-F238E27FC236}">
-                <a16:creationId xmlns:a16="http://schemas.microsoft.com/office/drawing/2014/main" xmlns="" id="{DFE9721D-C50D-3DB8-0C96-27F875195162}"/>
+                <a16:creationId xmlns="" xmlns:a16="http://schemas.microsoft.com/office/drawing/2014/main" id="{DFE9721D-C50D-3DB8-0C96-27F875195162}"/>
               </a:ext>
             </a:extLst>
           </p:cNvPr>
@@ -17381,7 +17385,7 @@
           <p:cNvPr id="3" name="Title 2">
             <a:extLst>
               <a:ext uri="{FF2B5EF4-FFF2-40B4-BE49-F238E27FC236}">
-                <a16:creationId xmlns:a16="http://schemas.microsoft.com/office/drawing/2014/main" xmlns="" id="{B3E315A2-4CED-23BB-CA3C-C8962E2419FD}"/>
+                <a16:creationId xmlns="" xmlns:a16="http://schemas.microsoft.com/office/drawing/2014/main" id="{B3E315A2-4CED-23BB-CA3C-C8962E2419FD}"/>
               </a:ext>
             </a:extLst>
           </p:cNvPr>
@@ -17415,7 +17419,7 @@
           <p:cNvPr id="9" name="Footer Placeholder 8">
             <a:extLst>
               <a:ext uri="{FF2B5EF4-FFF2-40B4-BE49-F238E27FC236}">
-                <a16:creationId xmlns:a16="http://schemas.microsoft.com/office/drawing/2014/main" xmlns="" id="{90FCB302-A0EE-7CF7-A4B2-ED343BFF9BC0}"/>
+                <a16:creationId xmlns="" xmlns:a16="http://schemas.microsoft.com/office/drawing/2014/main" id="{90FCB302-A0EE-7CF7-A4B2-ED343BFF9BC0}"/>
               </a:ext>
             </a:extLst>
           </p:cNvPr>
@@ -17448,7 +17452,7 @@
           <p:cNvPr id="8" name="Slide Number Placeholder 7">
             <a:extLst>
               <a:ext uri="{FF2B5EF4-FFF2-40B4-BE49-F238E27FC236}">
-                <a16:creationId xmlns:a16="http://schemas.microsoft.com/office/drawing/2014/main" xmlns="" id="{2205EC8C-AC41-F14C-3C63-5BF0F54D1D23}"/>
+                <a16:creationId xmlns="" xmlns:a16="http://schemas.microsoft.com/office/drawing/2014/main" id="{2205EC8C-AC41-F14C-3C63-5BF0F54D1D23}"/>
               </a:ext>
             </a:extLst>
           </p:cNvPr>
@@ -17478,7 +17482,7 @@
           <p:cNvPr id="4" name="Text Placeholder 3">
             <a:extLst>
               <a:ext uri="{FF2B5EF4-FFF2-40B4-BE49-F238E27FC236}">
-                <a16:creationId xmlns:a16="http://schemas.microsoft.com/office/drawing/2014/main" xmlns="" id="{DB4489FD-4F12-40A7-1EA9-79A941933E98}"/>
+                <a16:creationId xmlns="" xmlns:a16="http://schemas.microsoft.com/office/drawing/2014/main" id="{DB4489FD-4F12-40A7-1EA9-79A941933E98}"/>
               </a:ext>
             </a:extLst>
           </p:cNvPr>
@@ -17568,10 +17572,10 @@
           <p:cNvPr id="27" name="Straight Connector 26">
             <a:extLst>
               <a:ext uri="{FF2B5EF4-FFF2-40B4-BE49-F238E27FC236}">
-                <a16:creationId xmlns:a16="http://schemas.microsoft.com/office/drawing/2014/main" xmlns="" id="{E4A534A3-16E3-79AB-9E75-F40D0FDB4C98}"/>
+                <a16:creationId xmlns="" xmlns:a16="http://schemas.microsoft.com/office/drawing/2014/main" id="{E4A534A3-16E3-79AB-9E75-F40D0FDB4C98}"/>
               </a:ext>
               <a:ext uri="{C183D7F6-B498-43B3-948B-1728B52AA6E4}">
-                <adec:decorative xmlns:adec="http://schemas.microsoft.com/office/drawing/2017/decorative" xmlns="" val="1"/>
+                <adec:decorative xmlns="" xmlns:adec="http://schemas.microsoft.com/office/drawing/2017/decorative" val="1"/>
               </a:ext>
             </a:extLst>
           </p:cNvPr>
@@ -18434,15 +18438,6 @@
 </file>
 
 <file path=customXml/item2.xml><?xml version="1.0" encoding="utf-8"?>
-<?mso-contentType ?>
-<FormTemplates xmlns="http://schemas.microsoft.com/sharepoint/v3/contenttype/forms">
-  <Display>DocumentLibraryForm</Display>
-  <Edit>DocumentLibraryForm</Edit>
-  <New>DocumentLibraryForm</New>
-</FormTemplates>
-</file>
-
-<file path=customXml/item3.xml><?xml version="1.0" encoding="utf-8"?>
 <ct:contentTypeSchema xmlns:ct="http://schemas.microsoft.com/office/2006/metadata/contentType" xmlns:ma="http://schemas.microsoft.com/office/2006/metadata/properties/metaAttributes" ct:_="" ma:_="" ma:contentTypeName="Document" ma:contentTypeID="0x01010079F111ED35F8CC479449609E8A0923A6" ma:contentTypeVersion="25" ma:contentTypeDescription="Create a new document." ma:contentTypeScope="" ma:versionID="e02306daf00165b375dc6a58966960be">
   <xsd:schema xmlns:xsd="http://www.w3.org/2001/XMLSchema" xmlns:xs="http://www.w3.org/2001/XMLSchema" xmlns:p="http://schemas.microsoft.com/office/2006/metadata/properties" xmlns:ns1="http://schemas.microsoft.com/sharepoint/v3" xmlns:ns2="71af3243-3dd4-4a8d-8c0d-dd76da1f02a5" xmlns:ns3="16c05727-aa75-4e4a-9b5f-8a80a1165891" xmlns:ns4="230e9df3-be65-4c73-a93b-d1236ebd677e" targetNamespace="http://schemas.microsoft.com/office/2006/metadata/properties" ma:root="true" ma:fieldsID="df88fb76bf5f555224557953949c1ec9" ns1:_="" ns2:_="" ns3:_="" ns4:_="">
     <xsd:import namespace="http://schemas.microsoft.com/sharepoint/v3"/>
@@ -18736,6 +18731,15 @@
 </ct:contentTypeSchema>
 </file>
 
+<file path=customXml/item3.xml><?xml version="1.0" encoding="utf-8"?>
+<?mso-contentType ?>
+<FormTemplates xmlns="http://schemas.microsoft.com/sharepoint/v3/contenttype/forms">
+  <Display>DocumentLibraryForm</Display>
+  <Edit>DocumentLibraryForm</Edit>
+  <New>DocumentLibraryForm</New>
+</FormTemplates>
+</file>
+
 <file path=customXml/itemProps1.xml><?xml version="1.0" encoding="utf-8"?>
 <ds:datastoreItem xmlns:ds="http://schemas.openxmlformats.org/officeDocument/2006/customXml" ds:itemID="{99746342-5E84-430E-9251-61001F208E7A}">
   <ds:schemaRefs>
@@ -18749,14 +18753,6 @@
 </file>
 
 <file path=customXml/itemProps2.xml><?xml version="1.0" encoding="utf-8"?>
-<ds:datastoreItem xmlns:ds="http://schemas.openxmlformats.org/officeDocument/2006/customXml" ds:itemID="{0E8B3377-22F1-4153-96F0-CC2E4BE41C57}">
-  <ds:schemaRefs>
-    <ds:schemaRef ds:uri="http://schemas.microsoft.com/sharepoint/v3/contenttype/forms"/>
-  </ds:schemaRefs>
-</ds:datastoreItem>
-</file>
-
-<file path=customXml/itemProps3.xml><?xml version="1.0" encoding="utf-8"?>
 <ds:datastoreItem xmlns:ds="http://schemas.openxmlformats.org/officeDocument/2006/customXml" ds:itemID="{2EB2FABB-45EC-440E-B647-8CA57BA45ACA}">
   <ds:schemaRefs>
     <ds:schemaRef ds:uri="http://schemas.microsoft.com/office/2006/metadata/contentType"/>
@@ -18777,6 +18773,14 @@
 </ds:datastoreItem>
 </file>
 
+<file path=customXml/itemProps3.xml><?xml version="1.0" encoding="utf-8"?>
+<ds:datastoreItem xmlns:ds="http://schemas.openxmlformats.org/officeDocument/2006/customXml" ds:itemID="{0E8B3377-22F1-4153-96F0-CC2E4BE41C57}">
+  <ds:schemaRefs>
+    <ds:schemaRef ds:uri="http://schemas.microsoft.com/sharepoint/v3/contenttype/forms"/>
+  </ds:schemaRefs>
+</ds:datastoreItem>
+</file>
+
 <file path=docMetadata/LabelInfo.xml><?xml version="1.0" encoding="utf-8"?>
 <clbl:labelList xmlns:clbl="http://schemas.microsoft.com/office/2020/mipLabelMetadata"/>
 </file>
--- a/Presentations/CRI_AI_Camera_Week_11.pptx
+++ b/Presentations/CRI_AI_Camera_Week_11.pptx
@@ -5,10 +5,10 @@
     <p:sldMasterId id="2147483648" r:id="rId4"/>
   </p:sldMasterIdLst>
   <p:notesMasterIdLst>
-    <p:notesMasterId r:id="rId23"/>
+    <p:notesMasterId r:id="rId24"/>
   </p:notesMasterIdLst>
   <p:handoutMasterIdLst>
-    <p:handoutMasterId r:id="rId24"/>
+    <p:handoutMasterId r:id="rId25"/>
   </p:handoutMasterIdLst>
   <p:sldIdLst>
     <p:sldId id="325" r:id="rId5"/>
@@ -20,15 +20,16 @@
     <p:sldId id="336" r:id="rId11"/>
     <p:sldId id="349" r:id="rId12"/>
     <p:sldId id="352" r:id="rId13"/>
-    <p:sldId id="350" r:id="rId14"/>
-    <p:sldId id="334" r:id="rId15"/>
-    <p:sldId id="347" r:id="rId16"/>
-    <p:sldId id="353" r:id="rId17"/>
-    <p:sldId id="348" r:id="rId18"/>
-    <p:sldId id="351" r:id="rId19"/>
-    <p:sldId id="345" r:id="rId20"/>
-    <p:sldId id="344" r:id="rId21"/>
-    <p:sldId id="339" r:id="rId22"/>
+    <p:sldId id="354" r:id="rId14"/>
+    <p:sldId id="350" r:id="rId15"/>
+    <p:sldId id="334" r:id="rId16"/>
+    <p:sldId id="347" r:id="rId17"/>
+    <p:sldId id="353" r:id="rId18"/>
+    <p:sldId id="348" r:id="rId19"/>
+    <p:sldId id="351" r:id="rId20"/>
+    <p:sldId id="345" r:id="rId21"/>
+    <p:sldId id="344" r:id="rId22"/>
+    <p:sldId id="339" r:id="rId23"/>
   </p:sldIdLst>
   <p:sldSz cx="12192000" cy="6858000"/>
   <p:notesSz cx="6858000" cy="9144000"/>
@@ -252,7 +253,7 @@
           <a:p>
             <a:fld id="{7FF95820-84BB-3447-8286-60A51307E7F2}" type="datetimeFigureOut">
               <a:rPr lang="en-US" smtClean="0"/>
-              <a:t>28-Mar-23</a:t>
+              <a:t>29-Mar-23</a:t>
             </a:fld>
             <a:endParaRPr lang="en-US" dirty="0"/>
           </a:p>
@@ -430,7 +431,7 @@
           <a:p>
             <a:fld id="{FC08FC54-6AE4-6A4A-9756-823A0F1BE5A6}" type="datetimeFigureOut">
               <a:rPr lang="en-US" smtClean="0"/>
-              <a:t>28-Mar-23</a:t>
+              <a:t>29-Mar-23</a:t>
             </a:fld>
             <a:endParaRPr lang="en-US" dirty="0"/>
           </a:p>
@@ -11549,6 +11550,381 @@
           <a:chExt cx="0" cy="0"/>
         </a:xfrm>
       </p:grpSpPr>
+      <p:pic>
+        <p:nvPicPr>
+          <p:cNvPr id="17" name="Picture Placeholder 37">
+            <a:extLst>
+              <a:ext uri="{FF2B5EF4-FFF2-40B4-BE49-F238E27FC236}">
+                <a16:creationId xmlns="" xmlns:a16="http://schemas.microsoft.com/office/drawing/2014/main" id="{DFE9721D-C50D-3DB8-0C96-27F875195162}"/>
+              </a:ext>
+            </a:extLst>
+          </p:cNvPr>
+          <p:cNvPicPr>
+            <a:picLocks noChangeAspect="1"/>
+          </p:cNvPicPr>
+          <p:nvPr/>
+        </p:nvPicPr>
+        <p:blipFill>
+          <a:blip r:embed="rId2"/>
+          <a:srcRect t="22597" b="22597"/>
+          <a:stretch>
+            <a:fillRect/>
+          </a:stretch>
+        </p:blipFill>
+        <p:spPr>
+          <a:xfrm>
+            <a:off x="2495550" y="1352551"/>
+            <a:ext cx="7543800" cy="5029200"/>
+          </a:xfrm>
+          <a:custGeom>
+            <a:avLst/>
+            <a:gdLst>
+              <a:gd name="connsiteX0" fmla="*/ 3567113 w 7543800"/>
+              <a:gd name="connsiteY0" fmla="*/ 4869270 h 5029200"/>
+              <a:gd name="connsiteX1" fmla="*/ 3567113 w 7543800"/>
+              <a:gd name="connsiteY1" fmla="*/ 4957572 h 5029200"/>
+              <a:gd name="connsiteX2" fmla="*/ 3976688 w 7543800"/>
+              <a:gd name="connsiteY2" fmla="*/ 4957572 h 5029200"/>
+              <a:gd name="connsiteX3" fmla="*/ 3976688 w 7543800"/>
+              <a:gd name="connsiteY3" fmla="*/ 4869270 h 5029200"/>
+              <a:gd name="connsiteX4" fmla="*/ 0 w 7543800"/>
+              <a:gd name="connsiteY4" fmla="*/ 0 h 5029200"/>
+              <a:gd name="connsiteX5" fmla="*/ 7543800 w 7543800"/>
+              <a:gd name="connsiteY5" fmla="*/ 0 h 5029200"/>
+              <a:gd name="connsiteX6" fmla="*/ 7543800 w 7543800"/>
+              <a:gd name="connsiteY6" fmla="*/ 5029200 h 5029200"/>
+              <a:gd name="connsiteX7" fmla="*/ 0 w 7543800"/>
+              <a:gd name="connsiteY7" fmla="*/ 5029200 h 5029200"/>
+            </a:gdLst>
+            <a:ahLst/>
+            <a:cxnLst>
+              <a:cxn ang="0">
+                <a:pos x="connsiteX0" y="connsiteY0"/>
+              </a:cxn>
+              <a:cxn ang="0">
+                <a:pos x="connsiteX1" y="connsiteY1"/>
+              </a:cxn>
+              <a:cxn ang="0">
+                <a:pos x="connsiteX2" y="connsiteY2"/>
+              </a:cxn>
+              <a:cxn ang="0">
+                <a:pos x="connsiteX3" y="connsiteY3"/>
+              </a:cxn>
+              <a:cxn ang="0">
+                <a:pos x="connsiteX4" y="connsiteY4"/>
+              </a:cxn>
+              <a:cxn ang="0">
+                <a:pos x="connsiteX5" y="connsiteY5"/>
+              </a:cxn>
+              <a:cxn ang="0">
+                <a:pos x="connsiteX6" y="connsiteY6"/>
+              </a:cxn>
+              <a:cxn ang="0">
+                <a:pos x="connsiteX7" y="connsiteY7"/>
+              </a:cxn>
+            </a:cxnLst>
+            <a:rect l="l" t="t" r="r" b="b"/>
+            <a:pathLst>
+              <a:path w="7543800" h="5029200">
+                <a:moveTo>
+                  <a:pt x="3567113" y="4869270"/>
+                </a:moveTo>
+                <a:lnTo>
+                  <a:pt x="3567113" y="4957572"/>
+                </a:lnTo>
+                <a:lnTo>
+                  <a:pt x="3976688" y="4957572"/>
+                </a:lnTo>
+                <a:lnTo>
+                  <a:pt x="3976688" y="4869270"/>
+                </a:lnTo>
+                <a:close/>
+                <a:moveTo>
+                  <a:pt x="0" y="0"/>
+                </a:moveTo>
+                <a:lnTo>
+                  <a:pt x="7543800" y="0"/>
+                </a:lnTo>
+                <a:lnTo>
+                  <a:pt x="7543800" y="5029200"/>
+                </a:lnTo>
+                <a:lnTo>
+                  <a:pt x="0" y="5029200"/>
+                </a:lnTo>
+                <a:close/>
+              </a:path>
+            </a:pathLst>
+          </a:custGeom>
+        </p:spPr>
+      </p:pic>
+      <p:sp>
+        <p:nvSpPr>
+          <p:cNvPr id="3" name="Title 2">
+            <a:extLst>
+              <a:ext uri="{FF2B5EF4-FFF2-40B4-BE49-F238E27FC236}">
+                <a16:creationId xmlns="" xmlns:a16="http://schemas.microsoft.com/office/drawing/2014/main" id="{B3E315A2-4CED-23BB-CA3C-C8962E2419FD}"/>
+              </a:ext>
+            </a:extLst>
+          </p:cNvPr>
+          <p:cNvSpPr>
+            <a:spLocks noGrp="1"/>
+          </p:cNvSpPr>
+          <p:nvPr>
+            <p:ph type="title"/>
+          </p:nvPr>
+        </p:nvSpPr>
+        <p:spPr>
+          <a:xfrm>
+            <a:off x="1298447" y="609600"/>
+            <a:ext cx="9803141" cy="530352"/>
+          </a:xfrm>
+        </p:spPr>
+        <p:txBody>
+          <a:bodyPr/>
+          <a:lstStyle/>
+          <a:p>
+            <a:pPr algn="ctr"/>
+            <a:r>
+              <a:rPr lang="en-US" sz="4000" dirty="0" smtClean="0"/>
+              <a:t>Python </a:t>
+            </a:r>
+            <a:r>
+              <a:rPr lang="en-US" sz="4000" dirty="0" err="1" smtClean="0"/>
+              <a:t>Tkinter</a:t>
+            </a:r>
+            <a:r>
+              <a:rPr lang="en-US" sz="4000" dirty="0" smtClean="0"/>
+              <a:t> Library</a:t>
+            </a:r>
+            <a:endParaRPr lang="en-US" sz="4000" dirty="0"/>
+          </a:p>
+        </p:txBody>
+      </p:sp>
+      <p:sp>
+        <p:nvSpPr>
+          <p:cNvPr id="9" name="Footer Placeholder 8">
+            <a:extLst>
+              <a:ext uri="{FF2B5EF4-FFF2-40B4-BE49-F238E27FC236}">
+                <a16:creationId xmlns="" xmlns:a16="http://schemas.microsoft.com/office/drawing/2014/main" id="{90FCB302-A0EE-7CF7-A4B2-ED343BFF9BC0}"/>
+              </a:ext>
+            </a:extLst>
+          </p:cNvPr>
+          <p:cNvSpPr>
+            <a:spLocks noGrp="1"/>
+          </p:cNvSpPr>
+          <p:nvPr>
+            <p:ph type="ftr" sz="quarter" idx="12"/>
+          </p:nvPr>
+        </p:nvSpPr>
+        <p:spPr>
+          <a:xfrm rot="16200000">
+            <a:off x="-422840" y="1244036"/>
+            <a:ext cx="2171701" cy="217030"/>
+          </a:xfrm>
+        </p:spPr>
+        <p:txBody>
+          <a:bodyPr/>
+          <a:lstStyle/>
+          <a:p>
+            <a:r>
+              <a:rPr lang="en-US" dirty="0"/>
+              <a:t>CRI AI THERMAL CAMERA</a:t>
+            </a:r>
+          </a:p>
+        </p:txBody>
+      </p:sp>
+      <p:sp>
+        <p:nvSpPr>
+          <p:cNvPr id="8" name="Slide Number Placeholder 7">
+            <a:extLst>
+              <a:ext uri="{FF2B5EF4-FFF2-40B4-BE49-F238E27FC236}">
+                <a16:creationId xmlns="" xmlns:a16="http://schemas.microsoft.com/office/drawing/2014/main" id="{2205EC8C-AC41-F14C-3C63-5BF0F54D1D23}"/>
+              </a:ext>
+            </a:extLst>
+          </p:cNvPr>
+          <p:cNvSpPr>
+            <a:spLocks noGrp="1"/>
+          </p:cNvSpPr>
+          <p:nvPr>
+            <p:ph type="sldNum" sz="quarter" idx="11"/>
+          </p:nvPr>
+        </p:nvSpPr>
+        <p:spPr/>
+        <p:txBody>
+          <a:bodyPr/>
+          <a:lstStyle/>
+          <a:p>
+            <a:fld id="{75DF2D63-3FF5-D547-96B9-BE9CCD1ABA58}" type="slidenum">
+              <a:rPr lang="en-US" smtClean="0"/>
+              <a:pPr/>
+              <a:t>10</a:t>
+            </a:fld>
+            <a:endParaRPr lang="en-US" dirty="0"/>
+          </a:p>
+        </p:txBody>
+      </p:sp>
+      <p:sp>
+        <p:nvSpPr>
+          <p:cNvPr id="4" name="Text Placeholder 3">
+            <a:extLst>
+              <a:ext uri="{FF2B5EF4-FFF2-40B4-BE49-F238E27FC236}">
+                <a16:creationId xmlns="" xmlns:a16="http://schemas.microsoft.com/office/drawing/2014/main" id="{DB4489FD-4F12-40A7-1EA9-79A941933E98}"/>
+              </a:ext>
+            </a:extLst>
+          </p:cNvPr>
+          <p:cNvSpPr>
+            <a:spLocks noGrp="1"/>
+          </p:cNvSpPr>
+          <p:nvPr>
+            <p:ph type="body" idx="1"/>
+          </p:nvPr>
+        </p:nvSpPr>
+        <p:spPr>
+          <a:xfrm>
+            <a:off x="1298448" y="1352550"/>
+            <a:ext cx="10244327" cy="5029199"/>
+          </a:xfrm>
+        </p:spPr>
+        <p:txBody>
+          <a:bodyPr/>
+          <a:lstStyle/>
+          <a:p>
+            <a:pPr marL="342900" indent="-342900">
+              <a:buAutoNum type="arabicPeriod"/>
+            </a:pPr>
+            <a:r>
+              <a:rPr lang="en-US" sz="1800" dirty="0"/>
+              <a:t>a built-in Python library for creating graphical user interfaces (GUIs</a:t>
+            </a:r>
+            <a:r>
+              <a:rPr lang="en-US" sz="1800" dirty="0" smtClean="0"/>
+              <a:t>).</a:t>
+            </a:r>
+          </a:p>
+          <a:p>
+            <a:pPr marL="342900" indent="-342900">
+              <a:buAutoNum type="arabicPeriod"/>
+            </a:pPr>
+            <a:r>
+              <a:rPr lang="en-US" sz="1800" dirty="0"/>
+              <a:t>easy to learn and use, even for beginners</a:t>
+            </a:r>
+            <a:r>
+              <a:rPr lang="en-US" sz="1800" dirty="0" smtClean="0"/>
+              <a:t>.</a:t>
+            </a:r>
+          </a:p>
+          <a:p>
+            <a:pPr marL="342900" indent="-342900">
+              <a:buAutoNum type="arabicPeriod"/>
+            </a:pPr>
+            <a:r>
+              <a:rPr lang="en-US" sz="1800" dirty="0"/>
+              <a:t>provides a range of layout managers that allow you to position widgets within a window or frame</a:t>
+            </a:r>
+            <a:r>
+              <a:rPr lang="en-US" sz="1800" dirty="0" smtClean="0"/>
+              <a:t>.</a:t>
+            </a:r>
+          </a:p>
+          <a:p>
+            <a:pPr marL="342900" indent="-342900">
+              <a:buAutoNum type="arabicPeriod"/>
+            </a:pPr>
+            <a:r>
+              <a:rPr lang="en-US" sz="1800"/>
+              <a:t>provides a range of styling options that allow you to customize </a:t>
+            </a:r>
+            <a:r>
+              <a:rPr lang="en-US" sz="1800"/>
+              <a:t>the </a:t>
+            </a:r>
+            <a:r>
+              <a:rPr lang="en-US" sz="1800" smtClean="0"/>
+              <a:t>appearance.</a:t>
+            </a:r>
+            <a:endParaRPr lang="en-US" sz="1800" dirty="0">
+              <a:latin typeface="+mn-lt"/>
+            </a:endParaRPr>
+          </a:p>
+        </p:txBody>
+      </p:sp>
+      <p:cxnSp>
+        <p:nvCxnSpPr>
+          <p:cNvPr id="27" name="Straight Connector 26">
+            <a:extLst>
+              <a:ext uri="{FF2B5EF4-FFF2-40B4-BE49-F238E27FC236}">
+                <a16:creationId xmlns="" xmlns:a16="http://schemas.microsoft.com/office/drawing/2014/main" id="{E4A534A3-16E3-79AB-9E75-F40D0FDB4C98}"/>
+              </a:ext>
+              <a:ext uri="{C183D7F6-B498-43B3-948B-1728B52AA6E4}">
+                <adec:decorative xmlns="" xmlns:adec="http://schemas.microsoft.com/office/drawing/2017/decorative" val="1"/>
+              </a:ext>
+            </a:extLst>
+          </p:cNvPr>
+          <p:cNvCxnSpPr>
+            <a:cxnSpLocks/>
+          </p:cNvCxnSpPr>
+          <p:nvPr/>
+        </p:nvCxnSpPr>
+        <p:spPr>
+          <a:xfrm>
+            <a:off x="649224" y="2667000"/>
+            <a:ext cx="0" cy="3124200"/>
+          </a:xfrm>
+          <a:prstGeom prst="line">
+            <a:avLst/>
+          </a:prstGeom>
+          <a:ln w="12700">
+            <a:solidFill>
+              <a:schemeClr val="accent1"/>
+            </a:solidFill>
+          </a:ln>
+        </p:spPr>
+        <p:style>
+          <a:lnRef idx="1">
+            <a:schemeClr val="accent1"/>
+          </a:lnRef>
+          <a:fillRef idx="0">
+            <a:schemeClr val="accent1"/>
+          </a:fillRef>
+          <a:effectRef idx="0">
+            <a:schemeClr val="accent1"/>
+          </a:effectRef>
+          <a:fontRef idx="minor">
+            <a:schemeClr val="tx1"/>
+          </a:fontRef>
+        </p:style>
+      </p:cxnSp>
+    </p:spTree>
+    <p:extLst>
+      <p:ext uri="{BB962C8B-B14F-4D97-AF65-F5344CB8AC3E}">
+        <p14:creationId xmlns:p14="http://schemas.microsoft.com/office/powerpoint/2010/main" val="3962889571"/>
+      </p:ext>
+    </p:extLst>
+  </p:cSld>
+  <p:clrMapOvr>
+    <a:masterClrMapping/>
+  </p:clrMapOvr>
+</p:sld>
+</file>
+
+<file path=ppt/slides/slide11.xml><?xml version="1.0" encoding="utf-8"?>
+<p:sld xmlns:a="http://schemas.openxmlformats.org/drawingml/2006/main" xmlns:r="http://schemas.openxmlformats.org/officeDocument/2006/relationships" xmlns:p="http://schemas.openxmlformats.org/presentationml/2006/main">
+  <p:cSld>
+    <p:spTree>
+      <p:nvGrpSpPr>
+        <p:cNvPr id="1" name=""/>
+        <p:cNvGrpSpPr/>
+        <p:nvPr/>
+      </p:nvGrpSpPr>
+      <p:grpSpPr>
+        <a:xfrm>
+          <a:off x="0" y="0"/>
+          <a:ext cx="0" cy="0"/>
+          <a:chOff x="0" y="0"/>
+          <a:chExt cx="0" cy="0"/>
+        </a:xfrm>
+      </p:grpSpPr>
       <p:sp>
         <p:nvSpPr>
           <p:cNvPr id="2" name="Title 1">
@@ -11637,7 +12013,7 @@
             <a:fld id="{75DF2D63-3FF5-D547-96B9-BE9CCD1ABA58}" type="slidenum">
               <a:rPr lang="en-US" smtClean="0"/>
               <a:pPr/>
-              <a:t>10</a:t>
+              <a:t>11</a:t>
             </a:fld>
             <a:endParaRPr lang="en-US" dirty="0"/>
           </a:p>
@@ -11896,7 +12272,7 @@
           <a:p>
             <a:pPr lvl="1"/>
             <a:r>
-              <a:rPr lang="en-US" sz="1800">
+              <a:rPr lang="en-US" sz="1800" dirty="0">
                 <a:latin typeface="Times New Roman" panose="02020603050405020304" pitchFamily="18" charset="0"/>
                 <a:cs typeface="Times New Roman" panose="02020603050405020304" pitchFamily="18" charset="0"/>
               </a:rPr>
@@ -11906,7 +12282,7 @@
           <a:p>
             <a:pPr lvl="1"/>
             <a:r>
-              <a:rPr lang="en-US" sz="1800" smtClean="0">
+              <a:rPr lang="en-US" sz="1800" dirty="0" smtClean="0">
                 <a:latin typeface="Times New Roman" panose="02020603050405020304" pitchFamily="18" charset="0"/>
                 <a:cs typeface="Times New Roman" panose="02020603050405020304" pitchFamily="18" charset="0"/>
               </a:rPr>
@@ -12050,202 +12426,6 @@
     <p:extLst>
       <p:ext uri="{BB962C8B-B14F-4D97-AF65-F5344CB8AC3E}">
         <p14:creationId xmlns:p14="http://schemas.microsoft.com/office/powerpoint/2010/main" val="249809377"/>
-      </p:ext>
-    </p:extLst>
-  </p:cSld>
-  <p:clrMapOvr>
-    <a:masterClrMapping/>
-  </p:clrMapOvr>
-</p:sld>
-</file>
-
-<file path=ppt/slides/slide11.xml><?xml version="1.0" encoding="utf-8"?>
-<p:sld xmlns:a="http://schemas.openxmlformats.org/drawingml/2006/main" xmlns:r="http://schemas.openxmlformats.org/officeDocument/2006/relationships" xmlns:p="http://schemas.openxmlformats.org/presentationml/2006/main">
-  <p:cSld>
-    <p:spTree>
-      <p:nvGrpSpPr>
-        <p:cNvPr id="1" name=""/>
-        <p:cNvGrpSpPr/>
-        <p:nvPr/>
-      </p:nvGrpSpPr>
-      <p:grpSpPr>
-        <a:xfrm>
-          <a:off x="0" y="0"/>
-          <a:ext cx="0" cy="0"/>
-          <a:chOff x="0" y="0"/>
-          <a:chExt cx="0" cy="0"/>
-        </a:xfrm>
-      </p:grpSpPr>
-      <p:sp>
-        <p:nvSpPr>
-          <p:cNvPr id="3" name="Title 2">
-            <a:extLst>
-              <a:ext uri="{FF2B5EF4-FFF2-40B4-BE49-F238E27FC236}">
-                <a16:creationId xmlns="" xmlns:a16="http://schemas.microsoft.com/office/drawing/2014/main" id="{58A45141-45F1-0A77-FE4E-CBCA53A2BEB0}"/>
-              </a:ext>
-            </a:extLst>
-          </p:cNvPr>
-          <p:cNvSpPr>
-            <a:spLocks noGrp="1"/>
-          </p:cNvSpPr>
-          <p:nvPr>
-            <p:ph type="title"/>
-          </p:nvPr>
-        </p:nvSpPr>
-        <p:spPr/>
-        <p:txBody>
-          <a:bodyPr/>
-          <a:lstStyle/>
-          <a:p>
-            <a:r>
-              <a:rPr lang="en-US" sz="3600" dirty="0"/>
-              <a:t>High-level timeline chart (GANTT)</a:t>
-            </a:r>
-          </a:p>
-        </p:txBody>
-      </p:sp>
-      <p:sp>
-        <p:nvSpPr>
-          <p:cNvPr id="5" name="Footer Placeholder 4">
-            <a:extLst>
-              <a:ext uri="{FF2B5EF4-FFF2-40B4-BE49-F238E27FC236}">
-                <a16:creationId xmlns="" xmlns:a16="http://schemas.microsoft.com/office/drawing/2014/main" id="{F0D8A8D9-0655-E1FF-7DED-F2EC492D6EE1}"/>
-              </a:ext>
-            </a:extLst>
-          </p:cNvPr>
-          <p:cNvSpPr>
-            <a:spLocks noGrp="1"/>
-          </p:cNvSpPr>
-          <p:nvPr>
-            <p:ph type="ftr" sz="quarter" idx="11"/>
-          </p:nvPr>
-        </p:nvSpPr>
-        <p:spPr>
-          <a:xfrm rot="16200000">
-            <a:off x="-470465" y="1196411"/>
-            <a:ext cx="2266951" cy="217030"/>
-          </a:xfrm>
-        </p:spPr>
-        <p:txBody>
-          <a:bodyPr/>
-          <a:lstStyle/>
-          <a:p>
-            <a:r>
-              <a:rPr lang="en-US" dirty="0"/>
-              <a:t>CRI AI THERMAL CAMERA</a:t>
-            </a:r>
-          </a:p>
-        </p:txBody>
-      </p:sp>
-      <p:cxnSp>
-        <p:nvCxnSpPr>
-          <p:cNvPr id="17" name="Straight Connector 16">
-            <a:extLst>
-              <a:ext uri="{FF2B5EF4-FFF2-40B4-BE49-F238E27FC236}">
-                <a16:creationId xmlns="" xmlns:a16="http://schemas.microsoft.com/office/drawing/2014/main" id="{8488A0F8-E720-D31B-750D-634FA849B5A9}"/>
-              </a:ext>
-              <a:ext uri="{C183D7F6-B498-43B3-948B-1728B52AA6E4}">
-                <adec:decorative xmlns="" xmlns:adec="http://schemas.microsoft.com/office/drawing/2017/decorative" val="1"/>
-              </a:ext>
-            </a:extLst>
-          </p:cNvPr>
-          <p:cNvCxnSpPr>
-            <a:cxnSpLocks/>
-          </p:cNvCxnSpPr>
-          <p:nvPr/>
-        </p:nvCxnSpPr>
-        <p:spPr>
-          <a:xfrm>
-            <a:off x="649224" y="5172458"/>
-            <a:ext cx="0" cy="618742"/>
-          </a:xfrm>
-          <a:prstGeom prst="line">
-            <a:avLst/>
-          </a:prstGeom>
-          <a:ln w="12700">
-            <a:solidFill>
-              <a:schemeClr val="bg1"/>
-            </a:solidFill>
-          </a:ln>
-        </p:spPr>
-        <p:style>
-          <a:lnRef idx="1">
-            <a:schemeClr val="accent1"/>
-          </a:lnRef>
-          <a:fillRef idx="0">
-            <a:schemeClr val="accent1"/>
-          </a:fillRef>
-          <a:effectRef idx="0">
-            <a:schemeClr val="accent1"/>
-          </a:effectRef>
-          <a:fontRef idx="minor">
-            <a:schemeClr val="tx1"/>
-          </a:fontRef>
-        </p:style>
-      </p:cxnSp>
-      <p:sp>
-        <p:nvSpPr>
-          <p:cNvPr id="4" name="Slide Number Placeholder 3">
-            <a:extLst>
-              <a:ext uri="{FF2B5EF4-FFF2-40B4-BE49-F238E27FC236}">
-                <a16:creationId xmlns="" xmlns:a16="http://schemas.microsoft.com/office/drawing/2014/main" id="{B63EE887-A172-F01E-98D1-8781769CBEDE}"/>
-              </a:ext>
-            </a:extLst>
-          </p:cNvPr>
-          <p:cNvSpPr>
-            <a:spLocks noGrp="1"/>
-          </p:cNvSpPr>
-          <p:nvPr>
-            <p:ph type="sldNum" sz="quarter" idx="10"/>
-          </p:nvPr>
-        </p:nvSpPr>
-        <p:spPr/>
-        <p:txBody>
-          <a:bodyPr/>
-          <a:lstStyle/>
-          <a:p>
-            <a:fld id="{75DF2D63-3FF5-D547-96B9-BE9CCD1ABA58}" type="slidenum">
-              <a:rPr lang="en-US" smtClean="0"/>
-              <a:pPr/>
-              <a:t>11</a:t>
-            </a:fld>
-            <a:endParaRPr lang="en-US" dirty="0"/>
-          </a:p>
-        </p:txBody>
-      </p:sp>
-      <p:pic>
-        <p:nvPicPr>
-          <p:cNvPr id="2" name="Picture 1"/>
-          <p:cNvPicPr>
-            <a:picLocks noChangeAspect="1"/>
-          </p:cNvPicPr>
-          <p:nvPr/>
-        </p:nvPicPr>
-        <p:blipFill rotWithShape="1">
-          <a:blip r:embed="rId2">
-            <a:extLst>
-              <a:ext uri="{28A0092B-C50C-407E-A947-70E740481C1C}">
-                <a14:useLocalDpi xmlns:a14="http://schemas.microsoft.com/office/drawing/2010/main" val="0"/>
-              </a:ext>
-            </a:extLst>
-          </a:blip>
-          <a:srcRect b="11421"/>
-          <a:stretch/>
-        </p:blipFill>
-        <p:spPr>
-          <a:xfrm>
-            <a:off x="2125013" y="1446594"/>
-            <a:ext cx="7360433" cy="4889812"/>
-          </a:xfrm>
-          <a:prstGeom prst="rect">
-            <a:avLst/>
-          </a:prstGeom>
-        </p:spPr>
-      </p:pic>
-    </p:spTree>
-    <p:extLst>
-      <p:ext uri="{BB962C8B-B14F-4D97-AF65-F5344CB8AC3E}">
-        <p14:creationId xmlns:p14="http://schemas.microsoft.com/office/powerpoint/2010/main" val="2607450225"/>
       </p:ext>
     </p:extLst>
   </p:cSld>
@@ -12288,19 +12468,14 @@
             <p:ph type="title"/>
           </p:nvPr>
         </p:nvSpPr>
-        <p:spPr>
-          <a:xfrm>
-            <a:off x="1265392" y="436490"/>
-            <a:ext cx="10021824" cy="1252728"/>
-          </a:xfrm>
-        </p:spPr>
+        <p:spPr/>
         <p:txBody>
           <a:bodyPr/>
           <a:lstStyle/>
           <a:p>
             <a:r>
               <a:rPr lang="en-US" sz="3600" dirty="0"/>
-              <a:t>Glimpse of the work done</a:t>
+              <a:t>High-level timeline chart (GANTT)</a:t>
             </a:r>
           </a:p>
         </p:txBody>
@@ -12414,101 +12589,29 @@
           </a:p>
         </p:txBody>
       </p:sp>
-      <p:sp>
-        <p:nvSpPr>
-          <p:cNvPr id="7" name="TextBox 6">
-            <a:extLst>
-              <a:ext uri="{FF2B5EF4-FFF2-40B4-BE49-F238E27FC236}">
-                <a16:creationId xmlns="" xmlns:a16="http://schemas.microsoft.com/office/drawing/2014/main" id="{F5EE5EFC-CEB8-D397-AD6F-51B580EA5FE2}"/>
-              </a:ext>
-            </a:extLst>
-          </p:cNvPr>
-          <p:cNvSpPr txBox="1"/>
-          <p:nvPr/>
-        </p:nvSpPr>
-        <p:spPr>
-          <a:xfrm>
-            <a:off x="2467992" y="1659167"/>
-            <a:ext cx="8638920" cy="369332"/>
-          </a:xfrm>
-          <a:prstGeom prst="rect">
-            <a:avLst/>
-          </a:prstGeom>
-          <a:noFill/>
-        </p:spPr>
-        <p:txBody>
-          <a:bodyPr wrap="square">
-            <a:spAutoFit/>
-          </a:bodyPr>
-          <a:lstStyle/>
-          <a:p>
-            <a:pPr algn="ctr"/>
-            <a:r>
-              <a:rPr lang="en-US" dirty="0">
-                <a:latin typeface="+mj-lt"/>
-              </a:rPr>
-              <a:t>Blackbody radiation box integrated with camera showing temperature</a:t>
-            </a:r>
-            <a:endParaRPr lang="en-IN" dirty="0">
-              <a:latin typeface="+mj-lt"/>
-            </a:endParaRPr>
-          </a:p>
-        </p:txBody>
-      </p:sp>
       <p:pic>
         <p:nvPicPr>
-          <p:cNvPr id="8" name="Picture 7">
-            <a:extLst>
-              <a:ext uri="{FF2B5EF4-FFF2-40B4-BE49-F238E27FC236}">
-                <a16:creationId xmlns="" xmlns:a16="http://schemas.microsoft.com/office/drawing/2014/main" id="{C051064D-2820-75F7-F0B8-6FF619ED82D5}"/>
-              </a:ext>
-            </a:extLst>
-          </p:cNvPr>
+          <p:cNvPr id="2" name="Picture 1"/>
           <p:cNvPicPr>
             <a:picLocks noChangeAspect="1"/>
           </p:cNvPicPr>
           <p:nvPr/>
         </p:nvPicPr>
-        <p:blipFill>
-          <a:blip r:embed="rId2"/>
-          <a:stretch>
-            <a:fillRect/>
-          </a:stretch>
+        <p:blipFill rotWithShape="1">
+          <a:blip r:embed="rId2">
+            <a:extLst>
+              <a:ext uri="{28A0092B-C50C-407E-A947-70E740481C1C}">
+                <a14:useLocalDpi xmlns:a14="http://schemas.microsoft.com/office/drawing/2010/main" val="0"/>
+              </a:ext>
+            </a:extLst>
+          </a:blip>
+          <a:srcRect b="11421"/>
+          <a:stretch/>
         </p:blipFill>
         <p:spPr>
           <a:xfrm>
-            <a:off x="6325742" y="2601157"/>
-            <a:ext cx="5577642" cy="3486026"/>
-          </a:xfrm>
-          <a:prstGeom prst="rect">
-            <a:avLst/>
-          </a:prstGeom>
-        </p:spPr>
-      </p:pic>
-      <p:pic>
-        <p:nvPicPr>
-          <p:cNvPr id="10" name="Picture 9">
-            <a:extLst>
-              <a:ext uri="{FF2B5EF4-FFF2-40B4-BE49-F238E27FC236}">
-                <a16:creationId xmlns="" xmlns:a16="http://schemas.microsoft.com/office/drawing/2014/main" id="{A8FD6A80-C4BB-6E03-B7C1-CBA4BD36473F}"/>
-              </a:ext>
-            </a:extLst>
-          </p:cNvPr>
-          <p:cNvPicPr>
-            <a:picLocks noChangeAspect="1"/>
-          </p:cNvPicPr>
-          <p:nvPr/>
-        </p:nvPicPr>
-        <p:blipFill>
-          <a:blip r:embed="rId3"/>
-          <a:stretch>
-            <a:fillRect/>
-          </a:stretch>
-        </p:blipFill>
-        <p:spPr>
-          <a:xfrm>
-            <a:off x="698662" y="2601156"/>
-            <a:ext cx="5577642" cy="3486026"/>
+            <a:off x="2125013" y="1446594"/>
+            <a:ext cx="7360433" cy="4889812"/>
           </a:xfrm>
           <a:prstGeom prst="rect">
             <a:avLst/>
@@ -12518,7 +12621,7 @@
     </p:spTree>
     <p:extLst>
       <p:ext uri="{BB962C8B-B14F-4D97-AF65-F5344CB8AC3E}">
-        <p14:creationId xmlns:p14="http://schemas.microsoft.com/office/powerpoint/2010/main" val="2881511244"/>
+        <p14:creationId xmlns:p14="http://schemas.microsoft.com/office/powerpoint/2010/main" val="2607450225"/>
       </p:ext>
     </p:extLst>
   </p:cSld>
@@ -12687,6 +12790,279 @@
           </a:p>
         </p:txBody>
       </p:sp>
+      <p:sp>
+        <p:nvSpPr>
+          <p:cNvPr id="7" name="TextBox 6">
+            <a:extLst>
+              <a:ext uri="{FF2B5EF4-FFF2-40B4-BE49-F238E27FC236}">
+                <a16:creationId xmlns="" xmlns:a16="http://schemas.microsoft.com/office/drawing/2014/main" id="{F5EE5EFC-CEB8-D397-AD6F-51B580EA5FE2}"/>
+              </a:ext>
+            </a:extLst>
+          </p:cNvPr>
+          <p:cNvSpPr txBox="1"/>
+          <p:nvPr/>
+        </p:nvSpPr>
+        <p:spPr>
+          <a:xfrm>
+            <a:off x="2467992" y="1659167"/>
+            <a:ext cx="8638920" cy="369332"/>
+          </a:xfrm>
+          <a:prstGeom prst="rect">
+            <a:avLst/>
+          </a:prstGeom>
+          <a:noFill/>
+        </p:spPr>
+        <p:txBody>
+          <a:bodyPr wrap="square">
+            <a:spAutoFit/>
+          </a:bodyPr>
+          <a:lstStyle/>
+          <a:p>
+            <a:pPr algn="ctr"/>
+            <a:r>
+              <a:rPr lang="en-US" dirty="0">
+                <a:latin typeface="+mj-lt"/>
+              </a:rPr>
+              <a:t>Blackbody radiation box integrated with camera showing temperature</a:t>
+            </a:r>
+            <a:endParaRPr lang="en-IN" dirty="0">
+              <a:latin typeface="+mj-lt"/>
+            </a:endParaRPr>
+          </a:p>
+        </p:txBody>
+      </p:sp>
+      <p:pic>
+        <p:nvPicPr>
+          <p:cNvPr id="8" name="Picture 7">
+            <a:extLst>
+              <a:ext uri="{FF2B5EF4-FFF2-40B4-BE49-F238E27FC236}">
+                <a16:creationId xmlns="" xmlns:a16="http://schemas.microsoft.com/office/drawing/2014/main" id="{C051064D-2820-75F7-F0B8-6FF619ED82D5}"/>
+              </a:ext>
+            </a:extLst>
+          </p:cNvPr>
+          <p:cNvPicPr>
+            <a:picLocks noChangeAspect="1"/>
+          </p:cNvPicPr>
+          <p:nvPr/>
+        </p:nvPicPr>
+        <p:blipFill>
+          <a:blip r:embed="rId2"/>
+          <a:stretch>
+            <a:fillRect/>
+          </a:stretch>
+        </p:blipFill>
+        <p:spPr>
+          <a:xfrm>
+            <a:off x="6325742" y="2601157"/>
+            <a:ext cx="5577642" cy="3486026"/>
+          </a:xfrm>
+          <a:prstGeom prst="rect">
+            <a:avLst/>
+          </a:prstGeom>
+        </p:spPr>
+      </p:pic>
+      <p:pic>
+        <p:nvPicPr>
+          <p:cNvPr id="10" name="Picture 9">
+            <a:extLst>
+              <a:ext uri="{FF2B5EF4-FFF2-40B4-BE49-F238E27FC236}">
+                <a16:creationId xmlns="" xmlns:a16="http://schemas.microsoft.com/office/drawing/2014/main" id="{A8FD6A80-C4BB-6E03-B7C1-CBA4BD36473F}"/>
+              </a:ext>
+            </a:extLst>
+          </p:cNvPr>
+          <p:cNvPicPr>
+            <a:picLocks noChangeAspect="1"/>
+          </p:cNvPicPr>
+          <p:nvPr/>
+        </p:nvPicPr>
+        <p:blipFill>
+          <a:blip r:embed="rId3"/>
+          <a:stretch>
+            <a:fillRect/>
+          </a:stretch>
+        </p:blipFill>
+        <p:spPr>
+          <a:xfrm>
+            <a:off x="698662" y="2601156"/>
+            <a:ext cx="5577642" cy="3486026"/>
+          </a:xfrm>
+          <a:prstGeom prst="rect">
+            <a:avLst/>
+          </a:prstGeom>
+        </p:spPr>
+      </p:pic>
+    </p:spTree>
+    <p:extLst>
+      <p:ext uri="{BB962C8B-B14F-4D97-AF65-F5344CB8AC3E}">
+        <p14:creationId xmlns:p14="http://schemas.microsoft.com/office/powerpoint/2010/main" val="2881511244"/>
+      </p:ext>
+    </p:extLst>
+  </p:cSld>
+  <p:clrMapOvr>
+    <a:masterClrMapping/>
+  </p:clrMapOvr>
+</p:sld>
+</file>
+
+<file path=ppt/slides/slide14.xml><?xml version="1.0" encoding="utf-8"?>
+<p:sld xmlns:a="http://schemas.openxmlformats.org/drawingml/2006/main" xmlns:r="http://schemas.openxmlformats.org/officeDocument/2006/relationships" xmlns:p="http://schemas.openxmlformats.org/presentationml/2006/main">
+  <p:cSld>
+    <p:spTree>
+      <p:nvGrpSpPr>
+        <p:cNvPr id="1" name=""/>
+        <p:cNvGrpSpPr/>
+        <p:nvPr/>
+      </p:nvGrpSpPr>
+      <p:grpSpPr>
+        <a:xfrm>
+          <a:off x="0" y="0"/>
+          <a:ext cx="0" cy="0"/>
+          <a:chOff x="0" y="0"/>
+          <a:chExt cx="0" cy="0"/>
+        </a:xfrm>
+      </p:grpSpPr>
+      <p:sp>
+        <p:nvSpPr>
+          <p:cNvPr id="3" name="Title 2">
+            <a:extLst>
+              <a:ext uri="{FF2B5EF4-FFF2-40B4-BE49-F238E27FC236}">
+                <a16:creationId xmlns="" xmlns:a16="http://schemas.microsoft.com/office/drawing/2014/main" id="{58A45141-45F1-0A77-FE4E-CBCA53A2BEB0}"/>
+              </a:ext>
+            </a:extLst>
+          </p:cNvPr>
+          <p:cNvSpPr>
+            <a:spLocks noGrp="1"/>
+          </p:cNvSpPr>
+          <p:nvPr>
+            <p:ph type="title"/>
+          </p:nvPr>
+        </p:nvSpPr>
+        <p:spPr>
+          <a:xfrm>
+            <a:off x="1265392" y="436490"/>
+            <a:ext cx="10021824" cy="1252728"/>
+          </a:xfrm>
+        </p:spPr>
+        <p:txBody>
+          <a:bodyPr/>
+          <a:lstStyle/>
+          <a:p>
+            <a:r>
+              <a:rPr lang="en-US" sz="3600" dirty="0"/>
+              <a:t>Glimpse of the work done</a:t>
+            </a:r>
+          </a:p>
+        </p:txBody>
+      </p:sp>
+      <p:sp>
+        <p:nvSpPr>
+          <p:cNvPr id="5" name="Footer Placeholder 4">
+            <a:extLst>
+              <a:ext uri="{FF2B5EF4-FFF2-40B4-BE49-F238E27FC236}">
+                <a16:creationId xmlns="" xmlns:a16="http://schemas.microsoft.com/office/drawing/2014/main" id="{F0D8A8D9-0655-E1FF-7DED-F2EC492D6EE1}"/>
+              </a:ext>
+            </a:extLst>
+          </p:cNvPr>
+          <p:cNvSpPr>
+            <a:spLocks noGrp="1"/>
+          </p:cNvSpPr>
+          <p:nvPr>
+            <p:ph type="ftr" sz="quarter" idx="11"/>
+          </p:nvPr>
+        </p:nvSpPr>
+        <p:spPr>
+          <a:xfrm rot="16200000">
+            <a:off x="-470465" y="1196411"/>
+            <a:ext cx="2266951" cy="217030"/>
+          </a:xfrm>
+        </p:spPr>
+        <p:txBody>
+          <a:bodyPr/>
+          <a:lstStyle/>
+          <a:p>
+            <a:r>
+              <a:rPr lang="en-US" dirty="0"/>
+              <a:t>CRI AI THERMAL CAMERA</a:t>
+            </a:r>
+          </a:p>
+        </p:txBody>
+      </p:sp>
+      <p:cxnSp>
+        <p:nvCxnSpPr>
+          <p:cNvPr id="17" name="Straight Connector 16">
+            <a:extLst>
+              <a:ext uri="{FF2B5EF4-FFF2-40B4-BE49-F238E27FC236}">
+                <a16:creationId xmlns="" xmlns:a16="http://schemas.microsoft.com/office/drawing/2014/main" id="{8488A0F8-E720-D31B-750D-634FA849B5A9}"/>
+              </a:ext>
+              <a:ext uri="{C183D7F6-B498-43B3-948B-1728B52AA6E4}">
+                <adec:decorative xmlns="" xmlns:adec="http://schemas.microsoft.com/office/drawing/2017/decorative" val="1"/>
+              </a:ext>
+            </a:extLst>
+          </p:cNvPr>
+          <p:cNvCxnSpPr>
+            <a:cxnSpLocks/>
+          </p:cNvCxnSpPr>
+          <p:nvPr/>
+        </p:nvCxnSpPr>
+        <p:spPr>
+          <a:xfrm>
+            <a:off x="649224" y="5172458"/>
+            <a:ext cx="0" cy="618742"/>
+          </a:xfrm>
+          <a:prstGeom prst="line">
+            <a:avLst/>
+          </a:prstGeom>
+          <a:ln w="12700">
+            <a:solidFill>
+              <a:schemeClr val="bg1"/>
+            </a:solidFill>
+          </a:ln>
+        </p:spPr>
+        <p:style>
+          <a:lnRef idx="1">
+            <a:schemeClr val="accent1"/>
+          </a:lnRef>
+          <a:fillRef idx="0">
+            <a:schemeClr val="accent1"/>
+          </a:fillRef>
+          <a:effectRef idx="0">
+            <a:schemeClr val="accent1"/>
+          </a:effectRef>
+          <a:fontRef idx="minor">
+            <a:schemeClr val="tx1"/>
+          </a:fontRef>
+        </p:style>
+      </p:cxnSp>
+      <p:sp>
+        <p:nvSpPr>
+          <p:cNvPr id="4" name="Slide Number Placeholder 3">
+            <a:extLst>
+              <a:ext uri="{FF2B5EF4-FFF2-40B4-BE49-F238E27FC236}">
+                <a16:creationId xmlns="" xmlns:a16="http://schemas.microsoft.com/office/drawing/2014/main" id="{B63EE887-A172-F01E-98D1-8781769CBEDE}"/>
+              </a:ext>
+            </a:extLst>
+          </p:cNvPr>
+          <p:cNvSpPr>
+            <a:spLocks noGrp="1"/>
+          </p:cNvSpPr>
+          <p:nvPr>
+            <p:ph type="sldNum" sz="quarter" idx="10"/>
+          </p:nvPr>
+        </p:nvSpPr>
+        <p:spPr/>
+        <p:txBody>
+          <a:bodyPr/>
+          <a:lstStyle/>
+          <a:p>
+            <a:fld id="{75DF2D63-3FF5-D547-96B9-BE9CCD1ABA58}" type="slidenum">
+              <a:rPr lang="en-US" smtClean="0"/>
+              <a:pPr/>
+              <a:t>14</a:t>
+            </a:fld>
+            <a:endParaRPr lang="en-US" dirty="0"/>
+          </a:p>
+        </p:txBody>
+      </p:sp>
       <p:pic>
         <p:nvPicPr>
           <p:cNvPr id="2" name="Picture 1"/>
@@ -12724,7 +13100,7 @@
 </p:sld>
 </file>
 
-<file path=ppt/slides/slide14.xml><?xml version="1.0" encoding="utf-8"?>
+<file path=ppt/slides/slide15.xml><?xml version="1.0" encoding="utf-8"?>
 <p:sld xmlns:a="http://schemas.openxmlformats.org/drawingml/2006/main" xmlns:r="http://schemas.openxmlformats.org/officeDocument/2006/relationships" xmlns:p="http://schemas.openxmlformats.org/presentationml/2006/main">
   <p:cSld>
     <p:spTree>
@@ -12963,7 +13339,7 @@
             <a:fld id="{75DF2D63-3FF5-D547-96B9-BE9CCD1ABA58}" type="slidenum">
               <a:rPr lang="en-US" smtClean="0"/>
               <a:pPr/>
-              <a:t>14</a:t>
+              <a:t>15</a:t>
             </a:fld>
             <a:endParaRPr lang="en-US" dirty="0"/>
           </a:p>
@@ -13082,7 +13458,7 @@
 </p:sld>
 </file>
 
-<file path=ppt/slides/slide15.xml><?xml version="1.0" encoding="utf-8"?>
+<file path=ppt/slides/slide16.xml><?xml version="1.0" encoding="utf-8"?>
 <p:sld xmlns:a="http://schemas.openxmlformats.org/drawingml/2006/main" xmlns:r="http://schemas.openxmlformats.org/officeDocument/2006/relationships" xmlns:p="http://schemas.openxmlformats.org/presentationml/2006/main">
   <p:cSld>
     <p:spTree>
@@ -13187,7 +13563,7 @@
             <a:fld id="{75DF2D63-3FF5-D547-96B9-BE9CCD1ABA58}" type="slidenum">
               <a:rPr lang="en-US" smtClean="0"/>
               <a:pPr/>
-              <a:t>15</a:t>
+              <a:t>16</a:t>
             </a:fld>
             <a:endParaRPr lang="en-US" dirty="0"/>
           </a:p>
@@ -13563,288 +13939,6 @@
 </p:sld>
 </file>
 
-<file path=ppt/slides/slide16.xml><?xml version="1.0" encoding="utf-8"?>
-<p:sld xmlns:a="http://schemas.openxmlformats.org/drawingml/2006/main" xmlns:r="http://schemas.openxmlformats.org/officeDocument/2006/relationships" xmlns:p="http://schemas.openxmlformats.org/presentationml/2006/main">
-  <p:cSld>
-    <p:spTree>
-      <p:nvGrpSpPr>
-        <p:cNvPr id="1" name=""/>
-        <p:cNvGrpSpPr/>
-        <p:nvPr/>
-      </p:nvGrpSpPr>
-      <p:grpSpPr>
-        <a:xfrm>
-          <a:off x="0" y="0"/>
-          <a:ext cx="0" cy="0"/>
-          <a:chOff x="0" y="0"/>
-          <a:chExt cx="0" cy="0"/>
-        </a:xfrm>
-      </p:grpSpPr>
-      <p:sp>
-        <p:nvSpPr>
-          <p:cNvPr id="2" name="Title 1">
-            <a:extLst>
-              <a:ext uri="{FF2B5EF4-FFF2-40B4-BE49-F238E27FC236}">
-                <a16:creationId xmlns="" xmlns:a16="http://schemas.microsoft.com/office/drawing/2014/main" id="{F0984788-646A-CF90-D67D-14752A71745D}"/>
-              </a:ext>
-            </a:extLst>
-          </p:cNvPr>
-          <p:cNvSpPr>
-            <a:spLocks noGrp="1"/>
-          </p:cNvSpPr>
-          <p:nvPr>
-            <p:ph type="title"/>
-          </p:nvPr>
-        </p:nvSpPr>
-        <p:spPr/>
-        <p:txBody>
-          <a:bodyPr/>
-          <a:lstStyle/>
-          <a:p>
-            <a:r>
-              <a:rPr lang="en-US" sz="4400" dirty="0"/>
-              <a:t>General Budget</a:t>
-            </a:r>
-          </a:p>
-        </p:txBody>
-      </p:sp>
-      <p:sp>
-        <p:nvSpPr>
-          <p:cNvPr id="5" name="Footer Placeholder 4">
-            <a:extLst>
-              <a:ext uri="{FF2B5EF4-FFF2-40B4-BE49-F238E27FC236}">
-                <a16:creationId xmlns="" xmlns:a16="http://schemas.microsoft.com/office/drawing/2014/main" id="{241D8BC6-DD9D-7F06-3B9F-9F2B462E4984}"/>
-              </a:ext>
-            </a:extLst>
-          </p:cNvPr>
-          <p:cNvSpPr>
-            <a:spLocks noGrp="1"/>
-          </p:cNvSpPr>
-          <p:nvPr>
-            <p:ph type="ftr" sz="quarter" idx="12"/>
-          </p:nvPr>
-        </p:nvSpPr>
-        <p:spPr>
-          <a:xfrm rot="16200000">
-            <a:off x="-444802" y="1238995"/>
-            <a:ext cx="2198704" cy="200107"/>
-          </a:xfrm>
-        </p:spPr>
-        <p:txBody>
-          <a:bodyPr/>
-          <a:lstStyle/>
-          <a:p>
-            <a:r>
-              <a:rPr lang="en-US" dirty="0"/>
-              <a:t>CRI AI THEMRAL CAMERA</a:t>
-            </a:r>
-          </a:p>
-        </p:txBody>
-      </p:sp>
-      <p:sp>
-        <p:nvSpPr>
-          <p:cNvPr id="4" name="Slide Number Placeholder 3">
-            <a:extLst>
-              <a:ext uri="{FF2B5EF4-FFF2-40B4-BE49-F238E27FC236}">
-                <a16:creationId xmlns="" xmlns:a16="http://schemas.microsoft.com/office/drawing/2014/main" id="{B6586F16-C3E1-6E51-D140-EF50382CA456}"/>
-              </a:ext>
-            </a:extLst>
-          </p:cNvPr>
-          <p:cNvSpPr>
-            <a:spLocks noGrp="1"/>
-          </p:cNvSpPr>
-          <p:nvPr>
-            <p:ph type="sldNum" sz="quarter" idx="11"/>
-          </p:nvPr>
-        </p:nvSpPr>
-        <p:spPr/>
-        <p:txBody>
-          <a:bodyPr/>
-          <a:lstStyle/>
-          <a:p>
-            <a:fld id="{75DF2D63-3FF5-D547-96B9-BE9CCD1ABA58}" type="slidenum">
-              <a:rPr lang="en-US" smtClean="0"/>
-              <a:pPr/>
-              <a:t>16</a:t>
-            </a:fld>
-            <a:endParaRPr lang="en-US" dirty="0"/>
-          </a:p>
-        </p:txBody>
-      </p:sp>
-      <p:sp>
-        <p:nvSpPr>
-          <p:cNvPr id="3" name="Content Placeholder 2">
-            <a:extLst>
-              <a:ext uri="{FF2B5EF4-FFF2-40B4-BE49-F238E27FC236}">
-                <a16:creationId xmlns="" xmlns:a16="http://schemas.microsoft.com/office/drawing/2014/main" id="{77C9C890-ADC6-0AA7-BBC0-05E856AA7C3C}"/>
-              </a:ext>
-            </a:extLst>
-          </p:cNvPr>
-          <p:cNvSpPr>
-            <a:spLocks noGrp="1"/>
-          </p:cNvSpPr>
-          <p:nvPr>
-            <p:ph idx="1"/>
-          </p:nvPr>
-        </p:nvSpPr>
-        <p:spPr/>
-        <p:txBody>
-          <a:bodyPr/>
-          <a:lstStyle/>
-          <a:p>
-            <a:pPr marL="0" indent="0">
-              <a:lnSpc>
-                <a:spcPts val="2400"/>
-              </a:lnSpc>
-              <a:buNone/>
-            </a:pPr>
-            <a:r>
-              <a:rPr lang="en-US" sz="2000" b="1" spc="0" dirty="0">
-                <a:ea typeface="+mn-lt"/>
-                <a:cs typeface="+mn-lt"/>
-              </a:rPr>
-              <a:t>•Number of developers: </a:t>
-            </a:r>
-            <a:r>
-              <a:rPr lang="en-US" sz="2000" spc="0" dirty="0">
-                <a:ea typeface="+mn-lt"/>
-                <a:cs typeface="+mn-lt"/>
-              </a:rPr>
-              <a:t>3</a:t>
-            </a:r>
-          </a:p>
-          <a:p>
-            <a:pPr marL="0" indent="0">
-              <a:lnSpc>
-                <a:spcPts val="2400"/>
-              </a:lnSpc>
-              <a:buNone/>
-            </a:pPr>
-            <a:r>
-              <a:rPr lang="en-US" sz="2000" b="1" spc="0" dirty="0">
-                <a:ea typeface="+mn-lt"/>
-                <a:cs typeface="+mn-lt"/>
-              </a:rPr>
-              <a:t>•Hourly cost: </a:t>
-            </a:r>
-            <a:r>
-              <a:rPr lang="en-US" sz="2000" spc="0" dirty="0">
-                <a:ea typeface="+mn-lt"/>
-                <a:cs typeface="+mn-lt"/>
-              </a:rPr>
-              <a:t>$50 per developer</a:t>
-            </a:r>
-          </a:p>
-          <a:p>
-            <a:pPr marL="0" indent="0">
-              <a:lnSpc>
-                <a:spcPts val="2400"/>
-              </a:lnSpc>
-              <a:buNone/>
-            </a:pPr>
-            <a:r>
-              <a:rPr lang="en-US" sz="2000" b="1" spc="0" dirty="0">
-                <a:ea typeface="+mn-lt"/>
-                <a:cs typeface="+mn-lt"/>
-              </a:rPr>
-              <a:t>•Estimated weekly time: </a:t>
-            </a:r>
-            <a:r>
-              <a:rPr lang="en-US" sz="2000" spc="0" dirty="0">
-                <a:ea typeface="+mn-lt"/>
-                <a:cs typeface="+mn-lt"/>
-              </a:rPr>
-              <a:t>8 hours per developer</a:t>
-            </a:r>
-          </a:p>
-          <a:p>
-            <a:pPr marL="0" indent="0">
-              <a:lnSpc>
-                <a:spcPts val="2400"/>
-              </a:lnSpc>
-              <a:buNone/>
-            </a:pPr>
-            <a:r>
-              <a:rPr lang="en-US" sz="2000" b="1" spc="0" dirty="0">
-                <a:ea typeface="+mn-lt"/>
-                <a:cs typeface="+mn-lt"/>
-              </a:rPr>
-              <a:t>•Estimated weeks: </a:t>
-            </a:r>
-            <a:r>
-              <a:rPr lang="en-US" sz="2000" spc="0" dirty="0">
-                <a:ea typeface="+mn-lt"/>
-                <a:cs typeface="+mn-lt"/>
-              </a:rPr>
-              <a:t>13</a:t>
-            </a:r>
-          </a:p>
-          <a:p>
-            <a:pPr marL="0" indent="0">
-              <a:lnSpc>
-                <a:spcPts val="2400"/>
-              </a:lnSpc>
-              <a:buNone/>
-            </a:pPr>
-            <a:r>
-              <a:rPr lang="en-US" sz="2000" b="1" spc="0" dirty="0">
-                <a:ea typeface="+mn-lt"/>
-                <a:cs typeface="+mn-lt"/>
-              </a:rPr>
-              <a:t>•Estimated fictious budget: </a:t>
-            </a:r>
-            <a:r>
-              <a:rPr lang="en-US" sz="2000" spc="0" dirty="0">
-                <a:ea typeface="+mn-lt"/>
-                <a:cs typeface="+mn-lt"/>
-              </a:rPr>
-              <a:t>$15,600</a:t>
-            </a:r>
-            <a:endParaRPr lang="en-US" sz="2000" spc="0" dirty="0"/>
-          </a:p>
-        </p:txBody>
-      </p:sp>
-      <p:pic>
-        <p:nvPicPr>
-          <p:cNvPr id="14" name="Picture Placeholder 13">
-            <a:extLst>
-              <a:ext uri="{FF2B5EF4-FFF2-40B4-BE49-F238E27FC236}">
-                <a16:creationId xmlns="" xmlns:a16="http://schemas.microsoft.com/office/drawing/2014/main" id="{A20DE870-8870-D406-4A9A-7A3DA347C563}"/>
-              </a:ext>
-            </a:extLst>
-          </p:cNvPr>
-          <p:cNvPicPr>
-            <a:picLocks noGrp="1" noChangeAspect="1"/>
-          </p:cNvPicPr>
-          <p:nvPr>
-            <p:ph type="pic" sz="quarter" idx="13"/>
-          </p:nvPr>
-        </p:nvPicPr>
-        <p:blipFill rotWithShape="1">
-          <a:blip r:embed="rId2"/>
-          <a:srcRect l="20041" t="813" r="14586" b="8130"/>
-          <a:stretch/>
-        </p:blipFill>
-        <p:spPr>
-          <a:xfrm rot="-360000">
-            <a:off x="1298448" y="1828800"/>
-            <a:ext cx="3200400" cy="3200400"/>
-          </a:xfrm>
-        </p:spPr>
-      </p:pic>
-    </p:spTree>
-    <p:extLst>
-      <p:ext uri="{BB962C8B-B14F-4D97-AF65-F5344CB8AC3E}">
-        <p14:creationId xmlns:p14="http://schemas.microsoft.com/office/powerpoint/2010/main" val="3086009480"/>
-      </p:ext>
-    </p:extLst>
-  </p:cSld>
-  <p:clrMapOvr>
-    <a:masterClrMapping/>
-  </p:clrMapOvr>
-</p:sld>
-</file>
-
 <file path=ppt/slides/slide17.xml><?xml version="1.0" encoding="utf-8"?>
 <p:sld xmlns:a="http://schemas.openxmlformats.org/drawingml/2006/main" xmlns:r="http://schemas.openxmlformats.org/officeDocument/2006/relationships" xmlns:p="http://schemas.openxmlformats.org/presentationml/2006/main">
   <p:cSld>
@@ -13864,10 +13958,10 @@
       </p:grpSpPr>
       <p:sp>
         <p:nvSpPr>
-          <p:cNvPr id="3" name="Title 2">
-            <a:extLst>
-              <a:ext uri="{FF2B5EF4-FFF2-40B4-BE49-F238E27FC236}">
-                <a16:creationId xmlns="" xmlns:a16="http://schemas.microsoft.com/office/drawing/2014/main" id="{B3E315A2-4CED-23BB-CA3C-C8962E2419FD}"/>
+          <p:cNvPr id="2" name="Title 1">
+            <a:extLst>
+              <a:ext uri="{FF2B5EF4-FFF2-40B4-BE49-F238E27FC236}">
+                <a16:creationId xmlns="" xmlns:a16="http://schemas.microsoft.com/office/drawing/2014/main" id="{F0984788-646A-CF90-D67D-14752A71745D}"/>
               </a:ext>
             </a:extLst>
           </p:cNvPr>
@@ -13885,17 +13979,17 @@
           <a:p>
             <a:r>
               <a:rPr lang="en-US" sz="4400" dirty="0"/>
-              <a:t>REFERENCES</a:t>
-            </a:r>
-          </a:p>
-        </p:txBody>
-      </p:sp>
-      <p:sp>
-        <p:nvSpPr>
-          <p:cNvPr id="9" name="Footer Placeholder 8">
-            <a:extLst>
-              <a:ext uri="{FF2B5EF4-FFF2-40B4-BE49-F238E27FC236}">
-                <a16:creationId xmlns="" xmlns:a16="http://schemas.microsoft.com/office/drawing/2014/main" id="{90FCB302-A0EE-7CF7-A4B2-ED343BFF9BC0}"/>
+              <a:t>General Budget</a:t>
+            </a:r>
+          </a:p>
+        </p:txBody>
+      </p:sp>
+      <p:sp>
+        <p:nvSpPr>
+          <p:cNvPr id="5" name="Footer Placeholder 4">
+            <a:extLst>
+              <a:ext uri="{FF2B5EF4-FFF2-40B4-BE49-F238E27FC236}">
+                <a16:creationId xmlns="" xmlns:a16="http://schemas.microsoft.com/office/drawing/2014/main" id="{241D8BC6-DD9D-7F06-3B9F-9F2B462E4984}"/>
               </a:ext>
             </a:extLst>
           </p:cNvPr>
@@ -13908,8 +14002,8 @@
         </p:nvSpPr>
         <p:spPr>
           <a:xfrm rot="16200000">
-            <a:off x="-422840" y="1244036"/>
-            <a:ext cx="2171701" cy="217030"/>
+            <a:off x="-444802" y="1238995"/>
+            <a:ext cx="2198704" cy="200107"/>
           </a:xfrm>
         </p:spPr>
         <p:txBody>
@@ -13918,17 +14012,17 @@
           <a:p>
             <a:r>
               <a:rPr lang="en-US" dirty="0"/>
-              <a:t>CRI AI THERMAL CAMERA</a:t>
-            </a:r>
-          </a:p>
-        </p:txBody>
-      </p:sp>
-      <p:sp>
-        <p:nvSpPr>
-          <p:cNvPr id="8" name="Slide Number Placeholder 7">
-            <a:extLst>
-              <a:ext uri="{FF2B5EF4-FFF2-40B4-BE49-F238E27FC236}">
-                <a16:creationId xmlns="" xmlns:a16="http://schemas.microsoft.com/office/drawing/2014/main" id="{2205EC8C-AC41-F14C-3C63-5BF0F54D1D23}"/>
+              <a:t>CRI AI THEMRAL CAMERA</a:t>
+            </a:r>
+          </a:p>
+        </p:txBody>
+      </p:sp>
+      <p:sp>
+        <p:nvSpPr>
+          <p:cNvPr id="4" name="Slide Number Placeholder 3">
+            <a:extLst>
+              <a:ext uri="{FF2B5EF4-FFF2-40B4-BE49-F238E27FC236}">
+                <a16:creationId xmlns="" xmlns:a16="http://schemas.microsoft.com/office/drawing/2014/main" id="{B6586F16-C3E1-6E51-D140-EF50382CA456}"/>
               </a:ext>
             </a:extLst>
           </p:cNvPr>
@@ -13948,6 +14042,288 @@
               <a:rPr lang="en-US" smtClean="0"/>
               <a:pPr/>
               <a:t>17</a:t>
+            </a:fld>
+            <a:endParaRPr lang="en-US" dirty="0"/>
+          </a:p>
+        </p:txBody>
+      </p:sp>
+      <p:sp>
+        <p:nvSpPr>
+          <p:cNvPr id="3" name="Content Placeholder 2">
+            <a:extLst>
+              <a:ext uri="{FF2B5EF4-FFF2-40B4-BE49-F238E27FC236}">
+                <a16:creationId xmlns="" xmlns:a16="http://schemas.microsoft.com/office/drawing/2014/main" id="{77C9C890-ADC6-0AA7-BBC0-05E856AA7C3C}"/>
+              </a:ext>
+            </a:extLst>
+          </p:cNvPr>
+          <p:cNvSpPr>
+            <a:spLocks noGrp="1"/>
+          </p:cNvSpPr>
+          <p:nvPr>
+            <p:ph idx="1"/>
+          </p:nvPr>
+        </p:nvSpPr>
+        <p:spPr/>
+        <p:txBody>
+          <a:bodyPr/>
+          <a:lstStyle/>
+          <a:p>
+            <a:pPr marL="0" indent="0">
+              <a:lnSpc>
+                <a:spcPts val="2400"/>
+              </a:lnSpc>
+              <a:buNone/>
+            </a:pPr>
+            <a:r>
+              <a:rPr lang="en-US" sz="2000" b="1" spc="0" dirty="0">
+                <a:ea typeface="+mn-lt"/>
+                <a:cs typeface="+mn-lt"/>
+              </a:rPr>
+              <a:t>•Number of developers: </a:t>
+            </a:r>
+            <a:r>
+              <a:rPr lang="en-US" sz="2000" spc="0" dirty="0">
+                <a:ea typeface="+mn-lt"/>
+                <a:cs typeface="+mn-lt"/>
+              </a:rPr>
+              <a:t>3</a:t>
+            </a:r>
+          </a:p>
+          <a:p>
+            <a:pPr marL="0" indent="0">
+              <a:lnSpc>
+                <a:spcPts val="2400"/>
+              </a:lnSpc>
+              <a:buNone/>
+            </a:pPr>
+            <a:r>
+              <a:rPr lang="en-US" sz="2000" b="1" spc="0" dirty="0">
+                <a:ea typeface="+mn-lt"/>
+                <a:cs typeface="+mn-lt"/>
+              </a:rPr>
+              <a:t>•Hourly cost: </a:t>
+            </a:r>
+            <a:r>
+              <a:rPr lang="en-US" sz="2000" spc="0" dirty="0">
+                <a:ea typeface="+mn-lt"/>
+                <a:cs typeface="+mn-lt"/>
+              </a:rPr>
+              <a:t>$50 per developer</a:t>
+            </a:r>
+          </a:p>
+          <a:p>
+            <a:pPr marL="0" indent="0">
+              <a:lnSpc>
+                <a:spcPts val="2400"/>
+              </a:lnSpc>
+              <a:buNone/>
+            </a:pPr>
+            <a:r>
+              <a:rPr lang="en-US" sz="2000" b="1" spc="0" dirty="0">
+                <a:ea typeface="+mn-lt"/>
+                <a:cs typeface="+mn-lt"/>
+              </a:rPr>
+              <a:t>•Estimated weekly time: </a:t>
+            </a:r>
+            <a:r>
+              <a:rPr lang="en-US" sz="2000" spc="0" dirty="0">
+                <a:ea typeface="+mn-lt"/>
+                <a:cs typeface="+mn-lt"/>
+              </a:rPr>
+              <a:t>8 hours per developer</a:t>
+            </a:r>
+          </a:p>
+          <a:p>
+            <a:pPr marL="0" indent="0">
+              <a:lnSpc>
+                <a:spcPts val="2400"/>
+              </a:lnSpc>
+              <a:buNone/>
+            </a:pPr>
+            <a:r>
+              <a:rPr lang="en-US" sz="2000" b="1" spc="0" dirty="0">
+                <a:ea typeface="+mn-lt"/>
+                <a:cs typeface="+mn-lt"/>
+              </a:rPr>
+              <a:t>•Estimated weeks: </a:t>
+            </a:r>
+            <a:r>
+              <a:rPr lang="en-US" sz="2000" spc="0" dirty="0">
+                <a:ea typeface="+mn-lt"/>
+                <a:cs typeface="+mn-lt"/>
+              </a:rPr>
+              <a:t>13</a:t>
+            </a:r>
+          </a:p>
+          <a:p>
+            <a:pPr marL="0" indent="0">
+              <a:lnSpc>
+                <a:spcPts val="2400"/>
+              </a:lnSpc>
+              <a:buNone/>
+            </a:pPr>
+            <a:r>
+              <a:rPr lang="en-US" sz="2000" b="1" spc="0" dirty="0">
+                <a:ea typeface="+mn-lt"/>
+                <a:cs typeface="+mn-lt"/>
+              </a:rPr>
+              <a:t>•Estimated fictious budget: </a:t>
+            </a:r>
+            <a:r>
+              <a:rPr lang="en-US" sz="2000" spc="0" dirty="0">
+                <a:ea typeface="+mn-lt"/>
+                <a:cs typeface="+mn-lt"/>
+              </a:rPr>
+              <a:t>$15,600</a:t>
+            </a:r>
+            <a:endParaRPr lang="en-US" sz="2000" spc="0" dirty="0"/>
+          </a:p>
+        </p:txBody>
+      </p:sp>
+      <p:pic>
+        <p:nvPicPr>
+          <p:cNvPr id="14" name="Picture Placeholder 13">
+            <a:extLst>
+              <a:ext uri="{FF2B5EF4-FFF2-40B4-BE49-F238E27FC236}">
+                <a16:creationId xmlns="" xmlns:a16="http://schemas.microsoft.com/office/drawing/2014/main" id="{A20DE870-8870-D406-4A9A-7A3DA347C563}"/>
+              </a:ext>
+            </a:extLst>
+          </p:cNvPr>
+          <p:cNvPicPr>
+            <a:picLocks noGrp="1" noChangeAspect="1"/>
+          </p:cNvPicPr>
+          <p:nvPr>
+            <p:ph type="pic" sz="quarter" idx="13"/>
+          </p:nvPr>
+        </p:nvPicPr>
+        <p:blipFill rotWithShape="1">
+          <a:blip r:embed="rId2"/>
+          <a:srcRect l="20041" t="813" r="14586" b="8130"/>
+          <a:stretch/>
+        </p:blipFill>
+        <p:spPr>
+          <a:xfrm rot="-360000">
+            <a:off x="1298448" y="1828800"/>
+            <a:ext cx="3200400" cy="3200400"/>
+          </a:xfrm>
+        </p:spPr>
+      </p:pic>
+    </p:spTree>
+    <p:extLst>
+      <p:ext uri="{BB962C8B-B14F-4D97-AF65-F5344CB8AC3E}">
+        <p14:creationId xmlns:p14="http://schemas.microsoft.com/office/powerpoint/2010/main" val="3086009480"/>
+      </p:ext>
+    </p:extLst>
+  </p:cSld>
+  <p:clrMapOvr>
+    <a:masterClrMapping/>
+  </p:clrMapOvr>
+</p:sld>
+</file>
+
+<file path=ppt/slides/slide18.xml><?xml version="1.0" encoding="utf-8"?>
+<p:sld xmlns:a="http://schemas.openxmlformats.org/drawingml/2006/main" xmlns:r="http://schemas.openxmlformats.org/officeDocument/2006/relationships" xmlns:p="http://schemas.openxmlformats.org/presentationml/2006/main">
+  <p:cSld>
+    <p:spTree>
+      <p:nvGrpSpPr>
+        <p:cNvPr id="1" name=""/>
+        <p:cNvGrpSpPr/>
+        <p:nvPr/>
+      </p:nvGrpSpPr>
+      <p:grpSpPr>
+        <a:xfrm>
+          <a:off x="0" y="0"/>
+          <a:ext cx="0" cy="0"/>
+          <a:chOff x="0" y="0"/>
+          <a:chExt cx="0" cy="0"/>
+        </a:xfrm>
+      </p:grpSpPr>
+      <p:sp>
+        <p:nvSpPr>
+          <p:cNvPr id="3" name="Title 2">
+            <a:extLst>
+              <a:ext uri="{FF2B5EF4-FFF2-40B4-BE49-F238E27FC236}">
+                <a16:creationId xmlns="" xmlns:a16="http://schemas.microsoft.com/office/drawing/2014/main" id="{B3E315A2-4CED-23BB-CA3C-C8962E2419FD}"/>
+              </a:ext>
+            </a:extLst>
+          </p:cNvPr>
+          <p:cNvSpPr>
+            <a:spLocks noGrp="1"/>
+          </p:cNvSpPr>
+          <p:nvPr>
+            <p:ph type="title"/>
+          </p:nvPr>
+        </p:nvSpPr>
+        <p:spPr/>
+        <p:txBody>
+          <a:bodyPr/>
+          <a:lstStyle/>
+          <a:p>
+            <a:r>
+              <a:rPr lang="en-US" sz="4400" dirty="0"/>
+              <a:t>REFERENCES</a:t>
+            </a:r>
+          </a:p>
+        </p:txBody>
+      </p:sp>
+      <p:sp>
+        <p:nvSpPr>
+          <p:cNvPr id="9" name="Footer Placeholder 8">
+            <a:extLst>
+              <a:ext uri="{FF2B5EF4-FFF2-40B4-BE49-F238E27FC236}">
+                <a16:creationId xmlns="" xmlns:a16="http://schemas.microsoft.com/office/drawing/2014/main" id="{90FCB302-A0EE-7CF7-A4B2-ED343BFF9BC0}"/>
+              </a:ext>
+            </a:extLst>
+          </p:cNvPr>
+          <p:cNvSpPr>
+            <a:spLocks noGrp="1"/>
+          </p:cNvSpPr>
+          <p:nvPr>
+            <p:ph type="ftr" sz="quarter" idx="12"/>
+          </p:nvPr>
+        </p:nvSpPr>
+        <p:spPr>
+          <a:xfrm rot="16200000">
+            <a:off x="-422840" y="1244036"/>
+            <a:ext cx="2171701" cy="217030"/>
+          </a:xfrm>
+        </p:spPr>
+        <p:txBody>
+          <a:bodyPr/>
+          <a:lstStyle/>
+          <a:p>
+            <a:r>
+              <a:rPr lang="en-US" dirty="0"/>
+              <a:t>CRI AI THERMAL CAMERA</a:t>
+            </a:r>
+          </a:p>
+        </p:txBody>
+      </p:sp>
+      <p:sp>
+        <p:nvSpPr>
+          <p:cNvPr id="8" name="Slide Number Placeholder 7">
+            <a:extLst>
+              <a:ext uri="{FF2B5EF4-FFF2-40B4-BE49-F238E27FC236}">
+                <a16:creationId xmlns="" xmlns:a16="http://schemas.microsoft.com/office/drawing/2014/main" id="{2205EC8C-AC41-F14C-3C63-5BF0F54D1D23}"/>
+              </a:ext>
+            </a:extLst>
+          </p:cNvPr>
+          <p:cNvSpPr>
+            <a:spLocks noGrp="1"/>
+          </p:cNvSpPr>
+          <p:nvPr>
+            <p:ph type="sldNum" sz="quarter" idx="11"/>
+          </p:nvPr>
+        </p:nvSpPr>
+        <p:spPr/>
+        <p:txBody>
+          <a:bodyPr/>
+          <a:lstStyle/>
+          <a:p>
+            <a:fld id="{75DF2D63-3FF5-D547-96B9-BE9CCD1ABA58}" type="slidenum">
+              <a:rPr lang="en-US" smtClean="0"/>
+              <a:pPr/>
+              <a:t>18</a:t>
             </a:fld>
             <a:endParaRPr lang="en-US" dirty="0"/>
           </a:p>
@@ -14128,7 +14504,17 @@
                 <a:latin typeface="+mn-lt"/>
                 <a:hlinkClick r:id="rId6"/>
               </a:rPr>
-              <a:t>https://www.jojomarketing.ae/products/hikvision-ds-2te127-g4a-thermal-image-screening-camera-dubai-uae/</a:t>
+              <a:t>https://www.jojomarketing.ae/products/hikvision-ds-2te127-g4a-thermal-image-screening-camera-dubai-uae</a:t>
+            </a:r>
+            <a:r>
+              <a:rPr lang="en-US" sz="1400" u="sng" cap="none" dirty="0" smtClean="0">
+                <a:solidFill>
+                  <a:srgbClr val="0070C0"/>
+                </a:solidFill>
+                <a:latin typeface="+mn-lt"/>
+                <a:hlinkClick r:id="rId6"/>
+              </a:rPr>
+              <a:t>/</a:t>
             </a:r>
             <a:endParaRPr lang="en-US" sz="1400" u="sng" cap="none" dirty="0">
               <a:solidFill>
@@ -14142,11 +14528,29 @@
               <a:buFont typeface="Arial" panose="020B0604020202020204" pitchFamily="34" charset="0"/>
               <a:buAutoNum type="arabicPeriod"/>
             </a:pPr>
-            <a:endParaRPr lang="en-US" sz="1400" b="1" u="sng" dirty="0">
-              <a:solidFill>
-                <a:srgbClr val="0070C0"/>
-              </a:solidFill>
-            </a:endParaRPr>
+            <a:r>
+              <a:rPr lang="en-US" sz="1400" b="1" cap="none" dirty="0" smtClean="0"/>
+              <a:t>Python </a:t>
+            </a:r>
+            <a:r>
+              <a:rPr lang="en-US" sz="1400" b="1" cap="none" dirty="0" err="1" smtClean="0"/>
+              <a:t>Tkinter</a:t>
+            </a:r>
+            <a:r>
+              <a:rPr lang="en-US" sz="1400" b="1" cap="none" dirty="0" smtClean="0"/>
+              <a:t> Library Documentation:</a:t>
+            </a:r>
+            <a:r>
+              <a:rPr lang="en-US" sz="1400" b="1" cap="none" dirty="0"/>
+              <a:t> </a:t>
+            </a:r>
+            <a:r>
+              <a:rPr lang="en-US" sz="1400" cap="none" dirty="0">
+                <a:hlinkClick r:id="rId7"/>
+              </a:rPr>
+              <a:t>https://docs.python.org/3/library/tk.html</a:t>
+            </a:r>
+            <a:endParaRPr lang="en-US" sz="1400" cap="none" dirty="0" smtClean="0"/>
           </a:p>
         </p:txBody>
       </p:sp>
@@ -14209,7 +14613,7 @@
 </p:sld>
 </file>
 
-<file path=ppt/slides/slide18.xml><?xml version="1.0" encoding="utf-8"?>
+<file path=ppt/slides/slide19.xml><?xml version="1.0" encoding="utf-8"?>
 <p:sld xmlns:a="http://schemas.openxmlformats.org/drawingml/2006/main" xmlns:r="http://schemas.openxmlformats.org/officeDocument/2006/relationships" xmlns:p="http://schemas.openxmlformats.org/presentationml/2006/main">
   <p:cSld>
     <p:spTree>

--- a/Presentations/CRI_AI_Camera_Week_11.pptx
+++ b/Presentations/CRI_AI_Camera_Week_11.pptx
@@ -11832,15 +11832,11 @@
               <a:buAutoNum type="arabicPeriod"/>
             </a:pPr>
             <a:r>
-              <a:rPr lang="en-US" sz="1800"/>
-              <a:t>provides a range of styling options that allow you to customize </a:t>
-            </a:r>
-            <a:r>
-              <a:rPr lang="en-US" sz="1800"/>
-              <a:t>the </a:t>
-            </a:r>
-            <a:r>
-              <a:rPr lang="en-US" sz="1800" smtClean="0"/>
+              <a:rPr lang="en-US" sz="1800" dirty="0"/>
+              <a:t>provides a range of styling options that allow you to customize the </a:t>
+            </a:r>
+            <a:r>
+              <a:rPr lang="en-US" sz="1800" dirty="0" smtClean="0"/>
               <a:t>appearance.</a:t>
             </a:r>
             <a:endParaRPr lang="en-US" sz="1800" dirty="0">
@@ -13770,23 +13766,39 @@
                 <a:latin typeface="Times New Roman" panose="02020603050405020304" pitchFamily="18" charset="0"/>
                 <a:cs typeface="Times New Roman" panose="02020603050405020304" pitchFamily="18" charset="0"/>
               </a:rPr>
-              <a:t>Add Splash </a:t>
+              <a:t>Add Splash screen in UI</a:t>
+            </a:r>
+          </a:p>
+          <a:p>
+            <a:r>
+              <a:rPr lang="en-IN" sz="1800" dirty="0" smtClean="0">
+                <a:latin typeface="Times New Roman" panose="02020603050405020304" pitchFamily="18" charset="0"/>
+                <a:cs typeface="Times New Roman" panose="02020603050405020304" pitchFamily="18" charset="0"/>
+              </a:rPr>
+              <a:t>Showing History data clicking on History </a:t>
+            </a:r>
+            <a:r>
+              <a:rPr lang="en-IN" sz="1800" dirty="0" smtClean="0">
+                <a:latin typeface="Times New Roman" panose="02020603050405020304" pitchFamily="18" charset="0"/>
+                <a:cs typeface="Times New Roman" panose="02020603050405020304" pitchFamily="18" charset="0"/>
+              </a:rPr>
+              <a:t>button</a:t>
+            </a:r>
+          </a:p>
+          <a:p>
+            <a:r>
+              <a:rPr lang="en-IN" sz="1800" dirty="0" smtClean="0">
+                <a:latin typeface="Times New Roman" panose="02020603050405020304" pitchFamily="18" charset="0"/>
+                <a:cs typeface="Times New Roman" panose="02020603050405020304" pitchFamily="18" charset="0"/>
+              </a:rPr>
+              <a:t>Create textbox to enter name </a:t>
             </a:r>
             <a:r>
               <a:rPr lang="en-IN" sz="1800" smtClean="0">
                 <a:latin typeface="Times New Roman" panose="02020603050405020304" pitchFamily="18" charset="0"/>
                 <a:cs typeface="Times New Roman" panose="02020603050405020304" pitchFamily="18" charset="0"/>
               </a:rPr>
-              <a:t>screen in UI</a:t>
-            </a:r>
-          </a:p>
-          <a:p>
-            <a:r>
-              <a:rPr lang="en-IN" sz="1800" dirty="0" smtClean="0">
-                <a:latin typeface="Times New Roman" panose="02020603050405020304" pitchFamily="18" charset="0"/>
-                <a:cs typeface="Times New Roman" panose="02020603050405020304" pitchFamily="18" charset="0"/>
-              </a:rPr>
-              <a:t>Showing History data clicking on History button</a:t>
+              <a:t>and student Id.</a:t>
             </a:r>
             <a:endParaRPr lang="en-IN" sz="1800" dirty="0">
               <a:latin typeface="Times New Roman" panose="02020603050405020304" pitchFamily="18" charset="0"/>
@@ -17899,7 +17911,7 @@
         </p:nvSpPr>
         <p:spPr>
           <a:xfrm>
-            <a:off x="1298448" y="1352550"/>
+            <a:off x="1298447" y="1352551"/>
             <a:ext cx="10244327" cy="5029199"/>
           </a:xfrm>
         </p:spPr>
